--- a/Apresentação Spotify.pptx
+++ b/Apresentação Spotify.pptx
@@ -6,6 +6,18 @@
   </p:sldMasterIdLst>
   <p:sldIdLst>
     <p:sldId id="256" r:id="rId2"/>
+    <p:sldId id="266" r:id="rId3"/>
+    <p:sldId id="267" r:id="rId4"/>
+    <p:sldId id="268" r:id="rId5"/>
+    <p:sldId id="257" r:id="rId6"/>
+    <p:sldId id="258" r:id="rId7"/>
+    <p:sldId id="265" r:id="rId8"/>
+    <p:sldId id="264" r:id="rId9"/>
+    <p:sldId id="260" r:id="rId10"/>
+    <p:sldId id="261" r:id="rId11"/>
+    <p:sldId id="263" r:id="rId12"/>
+    <p:sldId id="269" r:id="rId13"/>
+    <p:sldId id="270" r:id="rId14"/>
   </p:sldIdLst>
   <p:sldSz cx="12192000" cy="6858000"/>
   <p:notesSz cx="6858000" cy="9144000"/>
@@ -104,6 +116,11 @@
       </a:defRPr>
     </a:lvl9pPr>
   </p:defaultTextStyle>
+  <p:extLst>
+    <p:ext uri="{EFAFB233-063F-42B5-8137-9DF3F51BA10A}">
+      <p15:sldGuideLst xmlns:p15="http://schemas.microsoft.com/office/powerpoint/2012/main"/>
+    </p:ext>
+  </p:extLst>
 </p:presentation>
 </file>
 
@@ -2411,9 +2428,12 @@
 <p:sldMaster xmlns:a="http://schemas.openxmlformats.org/drawingml/2006/main" xmlns:r="http://schemas.openxmlformats.org/officeDocument/2006/relationships" xmlns:p="http://schemas.openxmlformats.org/presentationml/2006/main">
   <p:cSld>
     <p:bg>
-      <p:bgRef idx="1001">
-        <a:schemeClr val="bg1"/>
-      </p:bgRef>
+      <p:bgPr>
+        <a:solidFill>
+          <a:schemeClr val="tx1"/>
+        </a:solidFill>
+        <a:effectLst/>
+      </p:bgPr>
     </p:bg>
     <p:spTree>
       <p:nvGrpSpPr>
@@ -2950,14 +2970,6 @@
 <file path=ppt/slides/slide1.xml><?xml version="1.0" encoding="utf-8"?>
 <p:sld xmlns:a="http://schemas.openxmlformats.org/drawingml/2006/main" xmlns:r="http://schemas.openxmlformats.org/officeDocument/2006/relationships" xmlns:p="http://schemas.openxmlformats.org/presentationml/2006/main">
   <p:cSld>
-    <p:bg>
-      <p:bgPr>
-        <a:solidFill>
-          <a:schemeClr val="tx1"/>
-        </a:solidFill>
-        <a:effectLst/>
-      </p:bgPr>
-    </p:bg>
     <p:spTree>
       <p:nvGrpSpPr>
         <p:cNvPr id="1" name=""/>
@@ -2994,7 +3006,7 @@
         </p:blipFill>
         <p:spPr>
           <a:xfrm>
-            <a:off x="0" y="414856"/>
+            <a:off x="0" y="1728501"/>
             <a:ext cx="12192000" cy="3664915"/>
           </a:xfrm>
           <a:prstGeom prst="rect">
@@ -3002,6 +3014,62 @@
           </a:prstGeom>
         </p:spPr>
       </p:pic>
+      <p:sp>
+        <p:nvSpPr>
+          <p:cNvPr id="2" name="CaixaDeTexto 1"/>
+          <p:cNvSpPr txBox="1"/>
+          <p:nvPr/>
+        </p:nvSpPr>
+        <p:spPr>
+          <a:xfrm>
+            <a:off x="8186671" y="5576553"/>
+            <a:ext cx="4005329" cy="707886"/>
+          </a:xfrm>
+          <a:prstGeom prst="rect">
+            <a:avLst/>
+          </a:prstGeom>
+          <a:noFill/>
+        </p:spPr>
+        <p:txBody>
+          <a:bodyPr wrap="square" rtlCol="0">
+            <a:spAutoFit/>
+          </a:bodyPr>
+          <a:lstStyle/>
+          <a:p>
+            <a:pPr algn="r"/>
+            <a:r>
+              <a:rPr lang="pt-BR" sz="2000" dirty="0" smtClean="0">
+                <a:solidFill>
+                  <a:schemeClr val="bg1"/>
+                </a:solidFill>
+                <a:latin typeface="Arial" panose="020B0604020202020204" pitchFamily="34" charset="0"/>
+                <a:cs typeface="Arial" panose="020B0604020202020204" pitchFamily="34" charset="0"/>
+              </a:rPr>
+              <a:t>Luccas Sandes de Oliveira</a:t>
+            </a:r>
+          </a:p>
+          <a:p>
+            <a:pPr algn="r"/>
+            <a:r>
+              <a:rPr lang="pt-BR" sz="2000" dirty="0" smtClean="0">
+                <a:solidFill>
+                  <a:schemeClr val="bg1"/>
+                </a:solidFill>
+                <a:latin typeface="Arial" panose="020B0604020202020204" pitchFamily="34" charset="0"/>
+                <a:cs typeface="Arial" panose="020B0604020202020204" pitchFamily="34" charset="0"/>
+              </a:rPr>
+              <a:t>RA: 81723375</a:t>
+            </a:r>
+            <a:endParaRPr lang="pt-BR" sz="2000" dirty="0">
+              <a:solidFill>
+                <a:schemeClr val="bg1"/>
+              </a:solidFill>
+              <a:latin typeface="Arial" panose="020B0604020202020204" pitchFamily="34" charset="0"/>
+              <a:cs typeface="Arial" panose="020B0604020202020204" pitchFamily="34" charset="0"/>
+            </a:endParaRPr>
+          </a:p>
+        </p:txBody>
+      </p:sp>
     </p:spTree>
     <p:extLst>
       <p:ext uri="{BB962C8B-B14F-4D97-AF65-F5344CB8AC3E}">
@@ -3012,6 +3080,6736 @@
   <p:clrMapOvr>
     <a:masterClrMapping/>
   </p:clrMapOvr>
+  <p:timing>
+    <p:tnLst>
+      <p:par>
+        <p:cTn id="1" dur="indefinite" restart="never" nodeType="tmRoot"/>
+      </p:par>
+    </p:tnLst>
+  </p:timing>
+</p:sld>
+</file>
+
+<file path=ppt/slides/slide10.xml><?xml version="1.0" encoding="utf-8"?>
+<p:sld xmlns:a="http://schemas.openxmlformats.org/drawingml/2006/main" xmlns:r="http://schemas.openxmlformats.org/officeDocument/2006/relationships" xmlns:p="http://schemas.openxmlformats.org/presentationml/2006/main">
+  <p:cSld>
+    <p:spTree>
+      <p:nvGrpSpPr>
+        <p:cNvPr id="1" name=""/>
+        <p:cNvGrpSpPr/>
+        <p:nvPr/>
+      </p:nvGrpSpPr>
+      <p:grpSpPr>
+        <a:xfrm>
+          <a:off x="0" y="0"/>
+          <a:ext cx="0" cy="0"/>
+          <a:chOff x="0" y="0"/>
+          <a:chExt cx="0" cy="0"/>
+        </a:xfrm>
+      </p:grpSpPr>
+      <p:sp>
+        <p:nvSpPr>
+          <p:cNvPr id="3" name="Espaço Reservado para Conteúdo 2"/>
+          <p:cNvSpPr>
+            <a:spLocks noGrp="1"/>
+          </p:cNvSpPr>
+          <p:nvPr>
+            <p:ph idx="1"/>
+          </p:nvPr>
+        </p:nvSpPr>
+        <p:spPr>
+          <a:xfrm>
+            <a:off x="838200" y="1920241"/>
+            <a:ext cx="4328160" cy="3012368"/>
+          </a:xfrm>
+        </p:spPr>
+        <p:txBody>
+          <a:bodyPr/>
+          <a:lstStyle/>
+          <a:p>
+            <a:pPr lvl="1"/>
+            <a:r>
+              <a:rPr lang="pt-BR" dirty="0">
+                <a:solidFill>
+                  <a:schemeClr val="bg1"/>
+                </a:solidFill>
+                <a:latin typeface="Arial" panose="020B0604020202020204" pitchFamily="34" charset="0"/>
+                <a:cs typeface="Arial" panose="020B0604020202020204" pitchFamily="34" charset="0"/>
+              </a:rPr>
+              <a:t>M</a:t>
+            </a:r>
+            <a:r>
+              <a:rPr lang="pt-BR" dirty="0" smtClean="0">
+                <a:solidFill>
+                  <a:schemeClr val="bg1"/>
+                </a:solidFill>
+                <a:latin typeface="Arial" panose="020B0604020202020204" pitchFamily="34" charset="0"/>
+                <a:cs typeface="Arial" panose="020B0604020202020204" pitchFamily="34" charset="0"/>
+              </a:rPr>
+              <a:t>úsica </a:t>
+            </a:r>
+            <a:r>
+              <a:rPr lang="pt-BR" dirty="0">
+                <a:solidFill>
+                  <a:schemeClr val="bg1"/>
+                </a:solidFill>
+                <a:latin typeface="Arial" panose="020B0604020202020204" pitchFamily="34" charset="0"/>
+                <a:cs typeface="Arial" panose="020B0604020202020204" pitchFamily="34" charset="0"/>
+              </a:rPr>
+              <a:t>na palma da </a:t>
+            </a:r>
+            <a:r>
+              <a:rPr lang="pt-BR" dirty="0" smtClean="0">
+                <a:solidFill>
+                  <a:schemeClr val="bg1"/>
+                </a:solidFill>
+                <a:latin typeface="Arial" panose="020B0604020202020204" pitchFamily="34" charset="0"/>
+                <a:cs typeface="Arial" panose="020B0604020202020204" pitchFamily="34" charset="0"/>
+              </a:rPr>
+              <a:t>mão;</a:t>
+            </a:r>
+          </a:p>
+          <a:p>
+            <a:pPr lvl="1"/>
+            <a:r>
+              <a:rPr lang="pt-BR" dirty="0" smtClean="0">
+                <a:solidFill>
+                  <a:schemeClr val="bg1"/>
+                </a:solidFill>
+                <a:latin typeface="Arial" panose="020B0604020202020204" pitchFamily="34" charset="0"/>
+                <a:cs typeface="Arial" panose="020B0604020202020204" pitchFamily="34" charset="0"/>
+              </a:rPr>
+              <a:t>Músicas off-line;</a:t>
+            </a:r>
+          </a:p>
+          <a:p>
+            <a:pPr lvl="1"/>
+            <a:r>
+              <a:rPr lang="pt-BR" dirty="0" smtClean="0">
+                <a:solidFill>
+                  <a:schemeClr val="bg1"/>
+                </a:solidFill>
+                <a:latin typeface="Arial" panose="020B0604020202020204" pitchFamily="34" charset="0"/>
+                <a:cs typeface="Arial" panose="020B0604020202020204" pitchFamily="34" charset="0"/>
+              </a:rPr>
+              <a:t>Liderança </a:t>
+            </a:r>
+            <a:r>
+              <a:rPr lang="pt-BR" dirty="0">
+                <a:solidFill>
+                  <a:schemeClr val="bg1"/>
+                </a:solidFill>
+                <a:latin typeface="Arial" panose="020B0604020202020204" pitchFamily="34" charset="0"/>
+                <a:cs typeface="Arial" panose="020B0604020202020204" pitchFamily="34" charset="0"/>
+              </a:rPr>
+              <a:t>no </a:t>
+            </a:r>
+            <a:r>
+              <a:rPr lang="pt-BR" dirty="0" smtClean="0">
+                <a:solidFill>
+                  <a:schemeClr val="bg1"/>
+                </a:solidFill>
+                <a:latin typeface="Arial" panose="020B0604020202020204" pitchFamily="34" charset="0"/>
+                <a:cs typeface="Arial" panose="020B0604020202020204" pitchFamily="34" charset="0"/>
+              </a:rPr>
+              <a:t>mercado;</a:t>
+            </a:r>
+          </a:p>
+          <a:p>
+            <a:pPr lvl="1"/>
+            <a:r>
+              <a:rPr lang="pt-BR" dirty="0" smtClean="0">
+                <a:solidFill>
+                  <a:schemeClr val="bg1"/>
+                </a:solidFill>
+                <a:latin typeface="Arial" panose="020B0604020202020204" pitchFamily="34" charset="0"/>
+                <a:cs typeface="Arial" panose="020B0604020202020204" pitchFamily="34" charset="0"/>
+              </a:rPr>
+              <a:t>Usabilidade;</a:t>
+            </a:r>
+          </a:p>
+          <a:p>
+            <a:pPr lvl="1"/>
+            <a:r>
+              <a:rPr lang="pt-BR" dirty="0" smtClean="0">
+                <a:solidFill>
+                  <a:schemeClr val="bg1"/>
+                </a:solidFill>
+                <a:latin typeface="Arial" panose="020B0604020202020204" pitchFamily="34" charset="0"/>
+                <a:cs typeface="Arial" panose="020B0604020202020204" pitchFamily="34" charset="0"/>
+              </a:rPr>
+              <a:t>Diminuição </a:t>
+            </a:r>
+            <a:r>
+              <a:rPr lang="pt-BR" dirty="0">
+                <a:solidFill>
+                  <a:schemeClr val="bg1"/>
+                </a:solidFill>
+                <a:latin typeface="Arial" panose="020B0604020202020204" pitchFamily="34" charset="0"/>
+                <a:cs typeface="Arial" panose="020B0604020202020204" pitchFamily="34" charset="0"/>
+              </a:rPr>
+              <a:t>da </a:t>
+            </a:r>
+            <a:r>
+              <a:rPr lang="pt-BR" dirty="0" smtClean="0">
+                <a:solidFill>
+                  <a:schemeClr val="bg1"/>
+                </a:solidFill>
+                <a:latin typeface="Arial" panose="020B0604020202020204" pitchFamily="34" charset="0"/>
+                <a:cs typeface="Arial" panose="020B0604020202020204" pitchFamily="34" charset="0"/>
+              </a:rPr>
+              <a:t>pirataria</a:t>
+            </a:r>
+          </a:p>
+          <a:p>
+            <a:pPr lvl="1"/>
+            <a:r>
+              <a:rPr lang="pt-BR" dirty="0" smtClean="0">
+                <a:solidFill>
+                  <a:schemeClr val="bg1"/>
+                </a:solidFill>
+                <a:latin typeface="Arial" panose="020B0604020202020204" pitchFamily="34" charset="0"/>
+                <a:cs typeface="Arial" panose="020B0604020202020204" pitchFamily="34" charset="0"/>
+              </a:rPr>
+              <a:t>Layout</a:t>
+            </a:r>
+          </a:p>
+        </p:txBody>
+      </p:sp>
+      <p:cxnSp>
+        <p:nvCxnSpPr>
+          <p:cNvPr id="5" name="Conector reto 4"/>
+          <p:cNvCxnSpPr/>
+          <p:nvPr/>
+        </p:nvCxnSpPr>
+        <p:spPr>
+          <a:xfrm>
+            <a:off x="5737860" y="1690688"/>
+            <a:ext cx="0" cy="3954780"/>
+          </a:xfrm>
+          <a:prstGeom prst="line">
+            <a:avLst/>
+          </a:prstGeom>
+        </p:spPr>
+        <p:style>
+          <a:lnRef idx="1">
+            <a:schemeClr val="accent1"/>
+          </a:lnRef>
+          <a:fillRef idx="0">
+            <a:schemeClr val="accent1"/>
+          </a:fillRef>
+          <a:effectRef idx="0">
+            <a:schemeClr val="accent1"/>
+          </a:effectRef>
+          <a:fontRef idx="minor">
+            <a:schemeClr val="tx1"/>
+          </a:fontRef>
+        </p:style>
+      </p:cxnSp>
+      <p:sp>
+        <p:nvSpPr>
+          <p:cNvPr id="7" name="CaixaDeTexto 6"/>
+          <p:cNvSpPr txBox="1"/>
+          <p:nvPr/>
+        </p:nvSpPr>
+        <p:spPr>
+          <a:xfrm>
+            <a:off x="6309360" y="1920240"/>
+            <a:ext cx="5326380" cy="2677656"/>
+          </a:xfrm>
+          <a:prstGeom prst="rect">
+            <a:avLst/>
+          </a:prstGeom>
+          <a:noFill/>
+        </p:spPr>
+        <p:txBody>
+          <a:bodyPr wrap="square" rtlCol="0">
+            <a:spAutoFit/>
+          </a:bodyPr>
+          <a:lstStyle/>
+          <a:p>
+            <a:pPr marL="914400" lvl="1" indent="-457200">
+              <a:buFont typeface="Arial" panose="020B0604020202020204" pitchFamily="34" charset="0"/>
+              <a:buChar char="•"/>
+            </a:pPr>
+            <a:r>
+              <a:rPr lang="pt-BR" sz="2400" dirty="0" smtClean="0">
+                <a:solidFill>
+                  <a:schemeClr val="bg1"/>
+                </a:solidFill>
+                <a:latin typeface="Arial" panose="020B0604020202020204" pitchFamily="34" charset="0"/>
+                <a:cs typeface="Arial" panose="020B0604020202020204" pitchFamily="34" charset="0"/>
+              </a:rPr>
+              <a:t>Formas </a:t>
+            </a:r>
+            <a:r>
+              <a:rPr lang="pt-BR" sz="2400" dirty="0">
+                <a:solidFill>
+                  <a:schemeClr val="bg1"/>
+                </a:solidFill>
+                <a:latin typeface="Arial" panose="020B0604020202020204" pitchFamily="34" charset="0"/>
+                <a:cs typeface="Arial" panose="020B0604020202020204" pitchFamily="34" charset="0"/>
+              </a:rPr>
+              <a:t>de </a:t>
+            </a:r>
+            <a:r>
+              <a:rPr lang="pt-BR" sz="2400" dirty="0" smtClean="0">
+                <a:solidFill>
+                  <a:schemeClr val="bg1"/>
+                </a:solidFill>
+                <a:latin typeface="Arial" panose="020B0604020202020204" pitchFamily="34" charset="0"/>
+                <a:cs typeface="Arial" panose="020B0604020202020204" pitchFamily="34" charset="0"/>
+              </a:rPr>
+              <a:t>compartilhamento;</a:t>
+            </a:r>
+          </a:p>
+          <a:p>
+            <a:pPr marL="914400" lvl="1" indent="-457200">
+              <a:buFont typeface="Arial" panose="020B0604020202020204" pitchFamily="34" charset="0"/>
+              <a:buChar char="•"/>
+            </a:pPr>
+            <a:r>
+              <a:rPr lang="pt-BR" sz="2400" dirty="0">
+                <a:solidFill>
+                  <a:schemeClr val="bg1"/>
+                </a:solidFill>
+                <a:latin typeface="Arial" panose="020B0604020202020204" pitchFamily="34" charset="0"/>
+                <a:cs typeface="Arial" panose="020B0604020202020204" pitchFamily="34" charset="0"/>
+              </a:rPr>
+              <a:t>baixa remuneração dos </a:t>
+            </a:r>
+            <a:r>
+              <a:rPr lang="pt-BR" sz="2400" dirty="0" smtClean="0">
+                <a:solidFill>
+                  <a:schemeClr val="bg1"/>
+                </a:solidFill>
+                <a:latin typeface="Arial" panose="020B0604020202020204" pitchFamily="34" charset="0"/>
+                <a:cs typeface="Arial" panose="020B0604020202020204" pitchFamily="34" charset="0"/>
+              </a:rPr>
+              <a:t>artistas;</a:t>
+            </a:r>
+          </a:p>
+          <a:p>
+            <a:pPr marL="914400" lvl="1" indent="-457200">
+              <a:buFont typeface="Arial" panose="020B0604020202020204" pitchFamily="34" charset="0"/>
+              <a:buChar char="•"/>
+            </a:pPr>
+            <a:r>
+              <a:rPr lang="pt-BR" sz="2400" dirty="0">
+                <a:solidFill>
+                  <a:schemeClr val="bg1"/>
+                </a:solidFill>
+                <a:latin typeface="Arial" panose="020B0604020202020204" pitchFamily="34" charset="0"/>
+                <a:cs typeface="Arial" panose="020B0604020202020204" pitchFamily="34" charset="0"/>
+              </a:rPr>
+              <a:t>problema de pagamento no </a:t>
+            </a:r>
+            <a:r>
+              <a:rPr lang="pt-BR" sz="2400" dirty="0" smtClean="0">
+                <a:solidFill>
+                  <a:schemeClr val="bg1"/>
+                </a:solidFill>
+                <a:latin typeface="Arial" panose="020B0604020202020204" pitchFamily="34" charset="0"/>
+                <a:cs typeface="Arial" panose="020B0604020202020204" pitchFamily="34" charset="0"/>
+              </a:rPr>
+              <a:t>Brasil;</a:t>
+            </a:r>
+          </a:p>
+          <a:p>
+            <a:pPr marL="914400" lvl="1" indent="-457200">
+              <a:buFont typeface="Arial" panose="020B0604020202020204" pitchFamily="34" charset="0"/>
+              <a:buChar char="•"/>
+            </a:pPr>
+            <a:r>
+              <a:rPr lang="pt-BR" sz="2400" dirty="0">
+                <a:solidFill>
+                  <a:schemeClr val="bg1"/>
+                </a:solidFill>
+                <a:latin typeface="Arial" panose="020B0604020202020204" pitchFamily="34" charset="0"/>
+                <a:cs typeface="Arial" panose="020B0604020202020204" pitchFamily="34" charset="0"/>
+              </a:rPr>
+              <a:t>número de músicas </a:t>
+            </a:r>
+            <a:r>
+              <a:rPr lang="pt-BR" sz="2400" dirty="0" smtClean="0">
+                <a:solidFill>
+                  <a:schemeClr val="bg1"/>
+                </a:solidFill>
+                <a:latin typeface="Arial" panose="020B0604020202020204" pitchFamily="34" charset="0"/>
+                <a:cs typeface="Arial" panose="020B0604020202020204" pitchFamily="34" charset="0"/>
+              </a:rPr>
+              <a:t>limitadas;</a:t>
+            </a:r>
+          </a:p>
+          <a:p>
+            <a:pPr marL="914400" lvl="1" indent="-457200">
+              <a:buFont typeface="Arial" panose="020B0604020202020204" pitchFamily="34" charset="0"/>
+              <a:buChar char="•"/>
+            </a:pPr>
+            <a:r>
+              <a:rPr lang="pt-BR" sz="2400" dirty="0">
+                <a:solidFill>
+                  <a:schemeClr val="bg1"/>
+                </a:solidFill>
+                <a:latin typeface="Arial" panose="020B0604020202020204" pitchFamily="34" charset="0"/>
+                <a:cs typeface="Arial" panose="020B0604020202020204" pitchFamily="34" charset="0"/>
+              </a:rPr>
+              <a:t>baixo número de </a:t>
+            </a:r>
+            <a:r>
+              <a:rPr lang="pt-BR" sz="2400" dirty="0" smtClean="0">
+                <a:solidFill>
+                  <a:schemeClr val="bg1"/>
+                </a:solidFill>
+                <a:latin typeface="Arial" panose="020B0604020202020204" pitchFamily="34" charset="0"/>
+                <a:cs typeface="Arial" panose="020B0604020202020204" pitchFamily="34" charset="0"/>
+              </a:rPr>
+              <a:t>parcerias;</a:t>
+            </a:r>
+            <a:endParaRPr lang="pt-BR" sz="2400" dirty="0">
+              <a:solidFill>
+                <a:schemeClr val="bg1"/>
+              </a:solidFill>
+              <a:latin typeface="Arial" panose="020B0604020202020204" pitchFamily="34" charset="0"/>
+              <a:cs typeface="Arial" panose="020B0604020202020204" pitchFamily="34" charset="0"/>
+            </a:endParaRPr>
+          </a:p>
+        </p:txBody>
+      </p:sp>
+      <p:pic>
+        <p:nvPicPr>
+          <p:cNvPr id="8" name="Imagem 7"/>
+          <p:cNvPicPr>
+            <a:picLocks noChangeAspect="1"/>
+          </p:cNvPicPr>
+          <p:nvPr/>
+        </p:nvPicPr>
+        <p:blipFill>
+          <a:blip r:embed="rId2" cstate="print">
+            <a:extLst>
+              <a:ext uri="{28A0092B-C50C-407E-A947-70E740481C1C}">
+                <a14:useLocalDpi xmlns:a14="http://schemas.microsoft.com/office/drawing/2010/main" val="0"/>
+              </a:ext>
+            </a:extLst>
+          </a:blip>
+          <a:stretch>
+            <a:fillRect/>
+          </a:stretch>
+        </p:blipFill>
+        <p:spPr>
+          <a:xfrm>
+            <a:off x="9496261" y="6031831"/>
+            <a:ext cx="2695739" cy="810339"/>
+          </a:xfrm>
+          <a:prstGeom prst="rect">
+            <a:avLst/>
+          </a:prstGeom>
+        </p:spPr>
+      </p:pic>
+      <p:sp>
+        <p:nvSpPr>
+          <p:cNvPr id="10" name="CaixaDeTexto 9"/>
+          <p:cNvSpPr txBox="1"/>
+          <p:nvPr/>
+        </p:nvSpPr>
+        <p:spPr>
+          <a:xfrm>
+            <a:off x="1366233" y="965916"/>
+            <a:ext cx="3272094" cy="523220"/>
+          </a:xfrm>
+          <a:prstGeom prst="rect">
+            <a:avLst/>
+          </a:prstGeom>
+          <a:noFill/>
+        </p:spPr>
+        <p:txBody>
+          <a:bodyPr wrap="square" rtlCol="0">
+            <a:spAutoFit/>
+          </a:bodyPr>
+          <a:lstStyle/>
+          <a:p>
+            <a:r>
+              <a:rPr lang="pt-BR" sz="2800" dirty="0" smtClean="0">
+                <a:solidFill>
+                  <a:schemeClr val="bg1"/>
+                </a:solidFill>
+                <a:latin typeface="Arial" panose="020B0604020202020204" pitchFamily="34" charset="0"/>
+                <a:cs typeface="Arial" panose="020B0604020202020204" pitchFamily="34" charset="0"/>
+              </a:rPr>
+              <a:t>PONTOS FORTES</a:t>
+            </a:r>
+            <a:endParaRPr lang="pt-BR" sz="2800" dirty="0">
+              <a:solidFill>
+                <a:schemeClr val="bg1"/>
+              </a:solidFill>
+              <a:latin typeface="Arial" panose="020B0604020202020204" pitchFamily="34" charset="0"/>
+              <a:cs typeface="Arial" panose="020B0604020202020204" pitchFamily="34" charset="0"/>
+            </a:endParaRPr>
+          </a:p>
+        </p:txBody>
+      </p:sp>
+      <p:sp>
+        <p:nvSpPr>
+          <p:cNvPr id="11" name="Retângulo 10"/>
+          <p:cNvSpPr/>
+          <p:nvPr/>
+        </p:nvSpPr>
+        <p:spPr>
+          <a:xfrm>
+            <a:off x="7345031" y="1042860"/>
+            <a:ext cx="3288016" cy="523220"/>
+          </a:xfrm>
+          <a:prstGeom prst="rect">
+            <a:avLst/>
+          </a:prstGeom>
+        </p:spPr>
+        <p:txBody>
+          <a:bodyPr wrap="none">
+            <a:spAutoFit/>
+          </a:bodyPr>
+          <a:lstStyle/>
+          <a:p>
+            <a:r>
+              <a:rPr lang="pt-BR" sz="2800" dirty="0">
+                <a:solidFill>
+                  <a:schemeClr val="bg1"/>
+                </a:solidFill>
+                <a:latin typeface="Arial" panose="020B0604020202020204" pitchFamily="34" charset="0"/>
+                <a:cs typeface="Arial" panose="020B0604020202020204" pitchFamily="34" charset="0"/>
+              </a:rPr>
+              <a:t>PONTOS </a:t>
+            </a:r>
+            <a:r>
+              <a:rPr lang="pt-BR" sz="2800" dirty="0" smtClean="0">
+                <a:solidFill>
+                  <a:schemeClr val="bg1"/>
+                </a:solidFill>
+                <a:latin typeface="Arial" panose="020B0604020202020204" pitchFamily="34" charset="0"/>
+                <a:cs typeface="Arial" panose="020B0604020202020204" pitchFamily="34" charset="0"/>
+              </a:rPr>
+              <a:t>FRACOS</a:t>
+            </a:r>
+            <a:endParaRPr lang="pt-BR" sz="2800" dirty="0">
+              <a:solidFill>
+                <a:schemeClr val="bg1"/>
+              </a:solidFill>
+              <a:latin typeface="Arial" panose="020B0604020202020204" pitchFamily="34" charset="0"/>
+              <a:cs typeface="Arial" panose="020B0604020202020204" pitchFamily="34" charset="0"/>
+            </a:endParaRPr>
+          </a:p>
+        </p:txBody>
+      </p:sp>
+    </p:spTree>
+    <p:extLst>
+      <p:ext uri="{BB962C8B-B14F-4D97-AF65-F5344CB8AC3E}">
+        <p14:creationId xmlns:p14="http://schemas.microsoft.com/office/powerpoint/2010/main" val="195006273"/>
+      </p:ext>
+    </p:extLst>
+  </p:cSld>
+  <p:clrMapOvr>
+    <a:masterClrMapping/>
+  </p:clrMapOvr>
+  <p:timing>
+    <p:tnLst>
+      <p:par>
+        <p:cTn id="1" dur="indefinite" restart="never" nodeType="tmRoot"/>
+      </p:par>
+    </p:tnLst>
+  </p:timing>
+</p:sld>
+</file>
+
+<file path=ppt/slides/slide11.xml><?xml version="1.0" encoding="utf-8"?>
+<p:sld xmlns:a="http://schemas.openxmlformats.org/drawingml/2006/main" xmlns:r="http://schemas.openxmlformats.org/officeDocument/2006/relationships" xmlns:p="http://schemas.openxmlformats.org/presentationml/2006/main">
+  <p:cSld>
+    <p:spTree>
+      <p:nvGrpSpPr>
+        <p:cNvPr id="1" name=""/>
+        <p:cNvGrpSpPr/>
+        <p:nvPr/>
+      </p:nvGrpSpPr>
+      <p:grpSpPr>
+        <a:xfrm>
+          <a:off x="0" y="0"/>
+          <a:ext cx="0" cy="0"/>
+          <a:chOff x="0" y="0"/>
+          <a:chExt cx="0" cy="0"/>
+        </a:xfrm>
+      </p:grpSpPr>
+      <p:sp>
+        <p:nvSpPr>
+          <p:cNvPr id="3" name="Espaço Reservado para Conteúdo 2"/>
+          <p:cNvSpPr>
+            <a:spLocks noGrp="1"/>
+          </p:cNvSpPr>
+          <p:nvPr>
+            <p:ph idx="1"/>
+          </p:nvPr>
+        </p:nvSpPr>
+        <p:spPr>
+          <a:xfrm>
+            <a:off x="838200" y="1825625"/>
+            <a:ext cx="3848100" cy="4351338"/>
+          </a:xfrm>
+        </p:spPr>
+        <p:txBody>
+          <a:bodyPr>
+            <a:normAutofit/>
+          </a:bodyPr>
+          <a:lstStyle/>
+          <a:p>
+            <a:pPr lvl="1"/>
+            <a:r>
+              <a:rPr lang="pt-BR" dirty="0" smtClean="0">
+                <a:solidFill>
+                  <a:schemeClr val="bg1"/>
+                </a:solidFill>
+              </a:rPr>
+              <a:t>Rápido </a:t>
+            </a:r>
+            <a:r>
+              <a:rPr lang="pt-BR" dirty="0">
+                <a:solidFill>
+                  <a:schemeClr val="bg1"/>
+                </a:solidFill>
+              </a:rPr>
+              <a:t>crescimento no </a:t>
+            </a:r>
+            <a:r>
+              <a:rPr lang="pt-BR" dirty="0" smtClean="0">
+                <a:solidFill>
+                  <a:schemeClr val="bg1"/>
+                </a:solidFill>
+              </a:rPr>
+              <a:t>mercado;</a:t>
+            </a:r>
+          </a:p>
+          <a:p>
+            <a:pPr lvl="1"/>
+            <a:r>
+              <a:rPr lang="pt-BR" dirty="0">
+                <a:solidFill>
+                  <a:schemeClr val="bg1"/>
+                </a:solidFill>
+              </a:rPr>
+              <a:t>fazer parcerias visando um público </a:t>
+            </a:r>
+            <a:r>
+              <a:rPr lang="pt-BR" dirty="0" smtClean="0">
+                <a:solidFill>
+                  <a:schemeClr val="bg1"/>
+                </a:solidFill>
+              </a:rPr>
+              <a:t>alvo;</a:t>
+            </a:r>
+          </a:p>
+          <a:p>
+            <a:pPr lvl="1"/>
+            <a:r>
+              <a:rPr lang="pt-BR" dirty="0">
+                <a:solidFill>
+                  <a:schemeClr val="bg1"/>
+                </a:solidFill>
+              </a:rPr>
+              <a:t>empresas rivais enfrentam </a:t>
+            </a:r>
+            <a:r>
+              <a:rPr lang="pt-BR" dirty="0" smtClean="0">
+                <a:solidFill>
+                  <a:schemeClr val="bg1"/>
+                </a:solidFill>
+              </a:rPr>
+              <a:t>dificuldades;</a:t>
+            </a:r>
+          </a:p>
+          <a:p>
+            <a:pPr lvl="1"/>
+            <a:r>
+              <a:rPr lang="pt-BR" dirty="0">
+                <a:solidFill>
+                  <a:schemeClr val="bg1"/>
+                </a:solidFill>
+              </a:rPr>
+              <a:t>criação de streaming de </a:t>
+            </a:r>
+            <a:r>
+              <a:rPr lang="pt-BR" dirty="0" smtClean="0">
+                <a:solidFill>
+                  <a:schemeClr val="bg1"/>
+                </a:solidFill>
+              </a:rPr>
+              <a:t>vídeos;</a:t>
+            </a:r>
+          </a:p>
+          <a:p>
+            <a:pPr lvl="1"/>
+            <a:r>
+              <a:rPr lang="pt-BR" dirty="0">
+                <a:solidFill>
+                  <a:schemeClr val="bg1"/>
+                </a:solidFill>
+              </a:rPr>
+              <a:t>aumentar a credibilidade da empresa e da iniciativa no </a:t>
+            </a:r>
+            <a:r>
+              <a:rPr lang="pt-BR" dirty="0" smtClean="0">
+                <a:solidFill>
+                  <a:schemeClr val="bg1"/>
+                </a:solidFill>
+              </a:rPr>
+              <a:t>mercado;</a:t>
+            </a:r>
+          </a:p>
+          <a:p>
+            <a:pPr lvl="1"/>
+            <a:endParaRPr lang="pt-BR" dirty="0">
+              <a:solidFill>
+                <a:schemeClr val="bg1"/>
+              </a:solidFill>
+            </a:endParaRPr>
+          </a:p>
+        </p:txBody>
+      </p:sp>
+      <p:sp>
+        <p:nvSpPr>
+          <p:cNvPr id="4" name="CaixaDeTexto 3"/>
+          <p:cNvSpPr txBox="1"/>
+          <p:nvPr/>
+        </p:nvSpPr>
+        <p:spPr>
+          <a:xfrm>
+            <a:off x="6454140" y="1825625"/>
+            <a:ext cx="4914900" cy="954107"/>
+          </a:xfrm>
+          <a:prstGeom prst="rect">
+            <a:avLst/>
+          </a:prstGeom>
+          <a:noFill/>
+        </p:spPr>
+        <p:txBody>
+          <a:bodyPr wrap="square" rtlCol="0">
+            <a:spAutoFit/>
+          </a:bodyPr>
+          <a:lstStyle/>
+          <a:p>
+            <a:pPr lvl="1"/>
+            <a:r>
+              <a:rPr lang="pt-BR" sz="2800" dirty="0" smtClean="0">
+                <a:solidFill>
+                  <a:schemeClr val="bg1"/>
+                </a:solidFill>
+              </a:rPr>
+              <a:t>Criação </a:t>
+            </a:r>
+            <a:r>
+              <a:rPr lang="pt-BR" sz="2800" dirty="0">
+                <a:solidFill>
+                  <a:schemeClr val="bg1"/>
+                </a:solidFill>
+              </a:rPr>
+              <a:t>de sites streamings de música cada vez </a:t>
+            </a:r>
+            <a:r>
+              <a:rPr lang="pt-BR" sz="2800" dirty="0" smtClean="0">
+                <a:solidFill>
+                  <a:schemeClr val="bg1"/>
+                </a:solidFill>
+              </a:rPr>
+              <a:t>maior.</a:t>
+            </a:r>
+            <a:endParaRPr lang="pt-BR" sz="2800" dirty="0">
+              <a:solidFill>
+                <a:schemeClr val="bg1"/>
+              </a:solidFill>
+            </a:endParaRPr>
+          </a:p>
+        </p:txBody>
+      </p:sp>
+      <p:cxnSp>
+        <p:nvCxnSpPr>
+          <p:cNvPr id="5" name="Conector reto 4"/>
+          <p:cNvCxnSpPr/>
+          <p:nvPr/>
+        </p:nvCxnSpPr>
+        <p:spPr>
+          <a:xfrm>
+            <a:off x="5737860" y="1690688"/>
+            <a:ext cx="0" cy="3954780"/>
+          </a:xfrm>
+          <a:prstGeom prst="line">
+            <a:avLst/>
+          </a:prstGeom>
+        </p:spPr>
+        <p:style>
+          <a:lnRef idx="1">
+            <a:schemeClr val="accent1"/>
+          </a:lnRef>
+          <a:fillRef idx="0">
+            <a:schemeClr val="accent1"/>
+          </a:fillRef>
+          <a:effectRef idx="0">
+            <a:schemeClr val="accent1"/>
+          </a:effectRef>
+          <a:fontRef idx="minor">
+            <a:schemeClr val="tx1"/>
+          </a:fontRef>
+        </p:style>
+      </p:cxnSp>
+      <p:pic>
+        <p:nvPicPr>
+          <p:cNvPr id="6" name="Imagem 5"/>
+          <p:cNvPicPr>
+            <a:picLocks noChangeAspect="1"/>
+          </p:cNvPicPr>
+          <p:nvPr/>
+        </p:nvPicPr>
+        <p:blipFill>
+          <a:blip r:embed="rId2" cstate="print">
+            <a:extLst>
+              <a:ext uri="{28A0092B-C50C-407E-A947-70E740481C1C}">
+                <a14:useLocalDpi xmlns:a14="http://schemas.microsoft.com/office/drawing/2010/main" val="0"/>
+              </a:ext>
+            </a:extLst>
+          </a:blip>
+          <a:stretch>
+            <a:fillRect/>
+          </a:stretch>
+        </p:blipFill>
+        <p:spPr>
+          <a:xfrm>
+            <a:off x="9496261" y="6031831"/>
+            <a:ext cx="2695739" cy="810339"/>
+          </a:xfrm>
+          <a:prstGeom prst="rect">
+            <a:avLst/>
+          </a:prstGeom>
+        </p:spPr>
+      </p:pic>
+      <p:sp>
+        <p:nvSpPr>
+          <p:cNvPr id="7" name="Retângulo 6"/>
+          <p:cNvSpPr/>
+          <p:nvPr/>
+        </p:nvSpPr>
+        <p:spPr>
+          <a:xfrm>
+            <a:off x="1107822" y="784469"/>
+            <a:ext cx="3308855" cy="523220"/>
+          </a:xfrm>
+          <a:prstGeom prst="rect">
+            <a:avLst/>
+          </a:prstGeom>
+        </p:spPr>
+        <p:txBody>
+          <a:bodyPr wrap="none">
+            <a:spAutoFit/>
+          </a:bodyPr>
+          <a:lstStyle/>
+          <a:p>
+            <a:r>
+              <a:rPr lang="pt-BR" sz="2800" dirty="0">
+                <a:solidFill>
+                  <a:schemeClr val="bg1"/>
+                </a:solidFill>
+                <a:latin typeface="Arial" panose="020B0604020202020204" pitchFamily="34" charset="0"/>
+                <a:cs typeface="Arial" panose="020B0604020202020204" pitchFamily="34" charset="0"/>
+              </a:rPr>
+              <a:t>OPORTUNIDADES</a:t>
+            </a:r>
+          </a:p>
+        </p:txBody>
+      </p:sp>
+      <p:sp>
+        <p:nvSpPr>
+          <p:cNvPr id="8" name="Retângulo 7"/>
+          <p:cNvSpPr/>
+          <p:nvPr/>
+        </p:nvSpPr>
+        <p:spPr>
+          <a:xfrm>
+            <a:off x="7557910" y="784469"/>
+            <a:ext cx="1938351" cy="954107"/>
+          </a:xfrm>
+          <a:prstGeom prst="rect">
+            <a:avLst/>
+          </a:prstGeom>
+        </p:spPr>
+        <p:txBody>
+          <a:bodyPr wrap="none">
+            <a:spAutoFit/>
+          </a:bodyPr>
+          <a:lstStyle/>
+          <a:p>
+            <a:r>
+              <a:rPr lang="pt-BR" sz="2800" dirty="0" smtClean="0">
+                <a:solidFill>
+                  <a:schemeClr val="bg1"/>
+                </a:solidFill>
+                <a:latin typeface="Arial" panose="020B0604020202020204" pitchFamily="34" charset="0"/>
+                <a:cs typeface="Arial" panose="020B0604020202020204" pitchFamily="34" charset="0"/>
+              </a:rPr>
+              <a:t>AMEAÇAS</a:t>
+            </a:r>
+          </a:p>
+          <a:p>
+            <a:endParaRPr lang="pt-BR" sz="2800" dirty="0">
+              <a:solidFill>
+                <a:schemeClr val="bg1"/>
+              </a:solidFill>
+              <a:latin typeface="Arial" panose="020B0604020202020204" pitchFamily="34" charset="0"/>
+              <a:cs typeface="Arial" panose="020B0604020202020204" pitchFamily="34" charset="0"/>
+            </a:endParaRPr>
+          </a:p>
+        </p:txBody>
+      </p:sp>
+      <p:pic>
+        <p:nvPicPr>
+          <p:cNvPr id="9" name="Imagem 8"/>
+          <p:cNvPicPr>
+            <a:picLocks noChangeAspect="1"/>
+          </p:cNvPicPr>
+          <p:nvPr/>
+        </p:nvPicPr>
+        <p:blipFill>
+          <a:blip r:embed="rId3" cstate="print">
+            <a:extLst>
+              <a:ext uri="{28A0092B-C50C-407E-A947-70E740481C1C}">
+                <a14:useLocalDpi xmlns:a14="http://schemas.microsoft.com/office/drawing/2010/main" val="0"/>
+              </a:ext>
+            </a:extLst>
+          </a:blip>
+          <a:stretch>
+            <a:fillRect/>
+          </a:stretch>
+        </p:blipFill>
+        <p:spPr>
+          <a:xfrm>
+            <a:off x="6789421" y="2866781"/>
+            <a:ext cx="4256626" cy="2394352"/>
+          </a:xfrm>
+          <a:prstGeom prst="rect">
+            <a:avLst/>
+          </a:prstGeom>
+        </p:spPr>
+      </p:pic>
+    </p:spTree>
+    <p:extLst>
+      <p:ext uri="{BB962C8B-B14F-4D97-AF65-F5344CB8AC3E}">
+        <p14:creationId xmlns:p14="http://schemas.microsoft.com/office/powerpoint/2010/main" val="4150593372"/>
+      </p:ext>
+    </p:extLst>
+  </p:cSld>
+  <p:clrMapOvr>
+    <a:masterClrMapping/>
+  </p:clrMapOvr>
+  <p:timing>
+    <p:tnLst>
+      <p:par>
+        <p:cTn id="1" dur="indefinite" restart="never" nodeType="tmRoot"/>
+      </p:par>
+    </p:tnLst>
+  </p:timing>
+</p:sld>
+</file>
+
+<file path=ppt/slides/slide12.xml><?xml version="1.0" encoding="utf-8"?>
+<p:sld xmlns:a="http://schemas.openxmlformats.org/drawingml/2006/main" xmlns:r="http://schemas.openxmlformats.org/officeDocument/2006/relationships" xmlns:p="http://schemas.openxmlformats.org/presentationml/2006/main">
+  <p:cSld>
+    <p:spTree>
+      <p:nvGrpSpPr>
+        <p:cNvPr id="1" name=""/>
+        <p:cNvGrpSpPr/>
+        <p:nvPr/>
+      </p:nvGrpSpPr>
+      <p:grpSpPr>
+        <a:xfrm>
+          <a:off x="0" y="0"/>
+          <a:ext cx="0" cy="0"/>
+          <a:chOff x="0" y="0"/>
+          <a:chExt cx="0" cy="0"/>
+        </a:xfrm>
+      </p:grpSpPr>
+      <p:pic>
+        <p:nvPicPr>
+          <p:cNvPr id="4" name="Imagem 3"/>
+          <p:cNvPicPr>
+            <a:picLocks noChangeAspect="1"/>
+          </p:cNvPicPr>
+          <p:nvPr/>
+        </p:nvPicPr>
+        <p:blipFill>
+          <a:blip r:embed="rId2" cstate="print">
+            <a:extLst>
+              <a:ext uri="{28A0092B-C50C-407E-A947-70E740481C1C}">
+                <a14:useLocalDpi xmlns:a14="http://schemas.microsoft.com/office/drawing/2010/main" val="0"/>
+              </a:ext>
+            </a:extLst>
+          </a:blip>
+          <a:stretch>
+            <a:fillRect/>
+          </a:stretch>
+        </p:blipFill>
+        <p:spPr>
+          <a:xfrm>
+            <a:off x="9496261" y="6031831"/>
+            <a:ext cx="2695739" cy="810339"/>
+          </a:xfrm>
+          <a:prstGeom prst="rect">
+            <a:avLst/>
+          </a:prstGeom>
+        </p:spPr>
+      </p:pic>
+      <p:graphicFrame>
+        <p:nvGraphicFramePr>
+          <p:cNvPr id="5" name="Tabela 4"/>
+          <p:cNvGraphicFramePr>
+            <a:graphicFrameLocks noGrp="1"/>
+          </p:cNvGraphicFramePr>
+          <p:nvPr>
+            <p:extLst>
+              <p:ext uri="{D42A27DB-BD31-4B8C-83A1-F6EECF244321}">
+                <p14:modId xmlns:p14="http://schemas.microsoft.com/office/powerpoint/2010/main" val="1339892033"/>
+              </p:ext>
+            </p:extLst>
+          </p:nvPr>
+        </p:nvGraphicFramePr>
+        <p:xfrm>
+          <a:off x="553910" y="1352282"/>
+          <a:ext cx="11062834" cy="4301049"/>
+        </p:xfrm>
+        <a:graphic>
+          <a:graphicData uri="http://schemas.openxmlformats.org/drawingml/2006/table">
+            <a:tbl>
+              <a:tblPr>
+                <a:tableStyleId>{5C22544A-7EE6-4342-B048-85BDC9FD1C3A}</a:tableStyleId>
+              </a:tblPr>
+              <a:tblGrid>
+                <a:gridCol w="3167336"/>
+                <a:gridCol w="3140687"/>
+                <a:gridCol w="2162316"/>
+                <a:gridCol w="2592495"/>
+              </a:tblGrid>
+              <a:tr h="420425">
+                <a:tc>
+                  <a:txBody>
+                    <a:bodyPr/>
+                    <a:lstStyle/>
+                    <a:p>
+                      <a:pPr algn="l" fontAlgn="b"/>
+                      <a:r>
+                        <a:rPr lang="pt-BR" sz="1600" u="none" strike="noStrike" dirty="0">
+                          <a:effectLst/>
+                          <a:latin typeface="Arial" panose="020B0604020202020204" pitchFamily="34" charset="0"/>
+                          <a:cs typeface="Arial" panose="020B0604020202020204" pitchFamily="34" charset="0"/>
+                        </a:rPr>
+                        <a:t> </a:t>
+                      </a:r>
+                      <a:endParaRPr lang="pt-BR" sz="1600" b="0" i="0" u="none" strike="noStrike" dirty="0">
+                        <a:solidFill>
+                          <a:srgbClr val="000000"/>
+                        </a:solidFill>
+                        <a:effectLst/>
+                        <a:latin typeface="Arial" panose="020B0604020202020204" pitchFamily="34" charset="0"/>
+                        <a:cs typeface="Arial" panose="020B0604020202020204" pitchFamily="34" charset="0"/>
+                      </a:endParaRPr>
+                    </a:p>
+                  </a:txBody>
+                  <a:tcPr marL="9525" marR="9525" marT="9525" marB="0" anchor="ctr">
+                    <a:lnL w="12700" cap="flat" cmpd="sng" algn="ctr">
+                      <a:solidFill>
+                        <a:schemeClr val="tx1"/>
+                      </a:solidFill>
+                      <a:prstDash val="solid"/>
+                      <a:round/>
+                      <a:headEnd type="none" w="med" len="med"/>
+                      <a:tailEnd type="none" w="med" len="med"/>
+                    </a:lnL>
+                    <a:lnR w="12700" cap="flat" cmpd="sng" algn="ctr">
+                      <a:solidFill>
+                        <a:schemeClr val="tx1"/>
+                      </a:solidFill>
+                      <a:prstDash val="solid"/>
+                      <a:round/>
+                      <a:headEnd type="none" w="med" len="med"/>
+                      <a:tailEnd type="none" w="med" len="med"/>
+                    </a:lnR>
+                    <a:lnT w="12700" cap="flat" cmpd="sng" algn="ctr">
+                      <a:solidFill>
+                        <a:schemeClr val="tx1"/>
+                      </a:solidFill>
+                      <a:prstDash val="solid"/>
+                      <a:round/>
+                      <a:headEnd type="none" w="med" len="med"/>
+                      <a:tailEnd type="none" w="med" len="med"/>
+                    </a:lnT>
+                    <a:lnB w="12700" cap="flat" cmpd="sng" algn="ctr">
+                      <a:solidFill>
+                        <a:schemeClr val="tx1"/>
+                      </a:solidFill>
+                      <a:prstDash val="solid"/>
+                      <a:round/>
+                      <a:headEnd type="none" w="med" len="med"/>
+                      <a:tailEnd type="none" w="med" len="med"/>
+                    </a:lnB>
+                  </a:tcPr>
+                </a:tc>
+                <a:tc>
+                  <a:txBody>
+                    <a:bodyPr/>
+                    <a:lstStyle/>
+                    <a:p>
+                      <a:pPr algn="l" fontAlgn="b"/>
+                      <a:r>
+                        <a:rPr lang="pt-BR" sz="1600" b="1" u="none" strike="noStrike" dirty="0">
+                          <a:effectLst/>
+                          <a:latin typeface="Arial" panose="020B0604020202020204" pitchFamily="34" charset="0"/>
+                          <a:cs typeface="Arial" panose="020B0604020202020204" pitchFamily="34" charset="0"/>
+                        </a:rPr>
+                        <a:t>Amanda Vieira </a:t>
+                      </a:r>
+                      <a:r>
+                        <a:rPr lang="pt-BR" sz="1600" b="1" u="none" strike="noStrike" dirty="0" err="1">
+                          <a:effectLst/>
+                          <a:latin typeface="Arial" panose="020B0604020202020204" pitchFamily="34" charset="0"/>
+                          <a:cs typeface="Arial" panose="020B0604020202020204" pitchFamily="34" charset="0"/>
+                        </a:rPr>
+                        <a:t>Angelo</a:t>
+                      </a:r>
+                      <a:endParaRPr lang="pt-BR" sz="1600" b="1" i="0" u="none" strike="noStrike" dirty="0">
+                        <a:solidFill>
+                          <a:srgbClr val="000000"/>
+                        </a:solidFill>
+                        <a:effectLst/>
+                        <a:latin typeface="Arial" panose="020B0604020202020204" pitchFamily="34" charset="0"/>
+                        <a:cs typeface="Arial" panose="020B0604020202020204" pitchFamily="34" charset="0"/>
+                      </a:endParaRPr>
+                    </a:p>
+                  </a:txBody>
+                  <a:tcPr marL="9525" marR="9525" marT="9525" marB="0" anchor="ctr">
+                    <a:lnL w="12700" cap="flat" cmpd="sng" algn="ctr">
+                      <a:solidFill>
+                        <a:schemeClr val="tx1"/>
+                      </a:solidFill>
+                      <a:prstDash val="solid"/>
+                      <a:round/>
+                      <a:headEnd type="none" w="med" len="med"/>
+                      <a:tailEnd type="none" w="med" len="med"/>
+                    </a:lnL>
+                    <a:lnR w="12700" cap="flat" cmpd="sng" algn="ctr">
+                      <a:solidFill>
+                        <a:schemeClr val="tx1"/>
+                      </a:solidFill>
+                      <a:prstDash val="solid"/>
+                      <a:round/>
+                      <a:headEnd type="none" w="med" len="med"/>
+                      <a:tailEnd type="none" w="med" len="med"/>
+                    </a:lnR>
+                    <a:lnT w="12700" cap="flat" cmpd="sng" algn="ctr">
+                      <a:solidFill>
+                        <a:schemeClr val="tx1"/>
+                      </a:solidFill>
+                      <a:prstDash val="solid"/>
+                      <a:round/>
+                      <a:headEnd type="none" w="med" len="med"/>
+                      <a:tailEnd type="none" w="med" len="med"/>
+                    </a:lnT>
+                    <a:lnB w="12700" cap="flat" cmpd="sng" algn="ctr">
+                      <a:solidFill>
+                        <a:schemeClr val="tx1"/>
+                      </a:solidFill>
+                      <a:prstDash val="solid"/>
+                      <a:round/>
+                      <a:headEnd type="none" w="med" len="med"/>
+                      <a:tailEnd type="none" w="med" len="med"/>
+                    </a:lnB>
+                  </a:tcPr>
+                </a:tc>
+                <a:tc>
+                  <a:txBody>
+                    <a:bodyPr/>
+                    <a:lstStyle/>
+                    <a:p>
+                      <a:pPr algn="l" fontAlgn="b"/>
+                      <a:r>
+                        <a:rPr lang="pt-BR" sz="1600" b="1" u="none" strike="noStrike" dirty="0">
+                          <a:effectLst/>
+                          <a:latin typeface="Arial" panose="020B0604020202020204" pitchFamily="34" charset="0"/>
+                          <a:cs typeface="Arial" panose="020B0604020202020204" pitchFamily="34" charset="0"/>
+                        </a:rPr>
+                        <a:t>Murilo </a:t>
+                      </a:r>
+                      <a:r>
+                        <a:rPr lang="pt-BR" sz="1600" b="1" u="none" strike="noStrike" dirty="0" err="1">
+                          <a:effectLst/>
+                          <a:latin typeface="Arial" panose="020B0604020202020204" pitchFamily="34" charset="0"/>
+                          <a:cs typeface="Arial" panose="020B0604020202020204" pitchFamily="34" charset="0"/>
+                        </a:rPr>
+                        <a:t>Shiguemori</a:t>
+                      </a:r>
+                      <a:endParaRPr lang="pt-BR" sz="1600" b="1" i="0" u="none" strike="noStrike" dirty="0">
+                        <a:solidFill>
+                          <a:srgbClr val="000000"/>
+                        </a:solidFill>
+                        <a:effectLst/>
+                        <a:latin typeface="Arial" panose="020B0604020202020204" pitchFamily="34" charset="0"/>
+                        <a:cs typeface="Arial" panose="020B0604020202020204" pitchFamily="34" charset="0"/>
+                      </a:endParaRPr>
+                    </a:p>
+                  </a:txBody>
+                  <a:tcPr marL="9525" marR="9525" marT="9525" marB="0" anchor="ctr">
+                    <a:lnL w="12700" cap="flat" cmpd="sng" algn="ctr">
+                      <a:solidFill>
+                        <a:schemeClr val="tx1"/>
+                      </a:solidFill>
+                      <a:prstDash val="solid"/>
+                      <a:round/>
+                      <a:headEnd type="none" w="med" len="med"/>
+                      <a:tailEnd type="none" w="med" len="med"/>
+                    </a:lnL>
+                    <a:lnR w="12700" cap="flat" cmpd="sng" algn="ctr">
+                      <a:solidFill>
+                        <a:schemeClr val="tx1"/>
+                      </a:solidFill>
+                      <a:prstDash val="solid"/>
+                      <a:round/>
+                      <a:headEnd type="none" w="med" len="med"/>
+                      <a:tailEnd type="none" w="med" len="med"/>
+                    </a:lnR>
+                    <a:lnT w="12700" cap="flat" cmpd="sng" algn="ctr">
+                      <a:solidFill>
+                        <a:schemeClr val="tx1"/>
+                      </a:solidFill>
+                      <a:prstDash val="solid"/>
+                      <a:round/>
+                      <a:headEnd type="none" w="med" len="med"/>
+                      <a:tailEnd type="none" w="med" len="med"/>
+                    </a:lnT>
+                    <a:lnB w="12700" cap="flat" cmpd="sng" algn="ctr">
+                      <a:solidFill>
+                        <a:schemeClr val="tx1"/>
+                      </a:solidFill>
+                      <a:prstDash val="solid"/>
+                      <a:round/>
+                      <a:headEnd type="none" w="med" len="med"/>
+                      <a:tailEnd type="none" w="med" len="med"/>
+                    </a:lnB>
+                  </a:tcPr>
+                </a:tc>
+                <a:tc>
+                  <a:txBody>
+                    <a:bodyPr/>
+                    <a:lstStyle/>
+                    <a:p>
+                      <a:pPr algn="l" fontAlgn="b"/>
+                      <a:r>
+                        <a:rPr lang="pt-BR" sz="1600" b="1" u="none" strike="noStrike" dirty="0">
+                          <a:effectLst/>
+                          <a:latin typeface="Arial" panose="020B0604020202020204" pitchFamily="34" charset="0"/>
+                          <a:cs typeface="Arial" panose="020B0604020202020204" pitchFamily="34" charset="0"/>
+                        </a:rPr>
+                        <a:t>Maria das </a:t>
+                      </a:r>
+                      <a:r>
+                        <a:rPr lang="pt-BR" sz="1600" b="1" u="none" strike="noStrike" dirty="0" err="1">
+                          <a:effectLst/>
+                          <a:latin typeface="Arial" panose="020B0604020202020204" pitchFamily="34" charset="0"/>
+                          <a:cs typeface="Arial" panose="020B0604020202020204" pitchFamily="34" charset="0"/>
+                        </a:rPr>
+                        <a:t>Graçcas</a:t>
+                      </a:r>
+                      <a:endParaRPr lang="pt-BR" sz="1600" b="1" i="0" u="none" strike="noStrike" dirty="0">
+                        <a:solidFill>
+                          <a:srgbClr val="000000"/>
+                        </a:solidFill>
+                        <a:effectLst/>
+                        <a:latin typeface="Arial" panose="020B0604020202020204" pitchFamily="34" charset="0"/>
+                        <a:cs typeface="Arial" panose="020B0604020202020204" pitchFamily="34" charset="0"/>
+                      </a:endParaRPr>
+                    </a:p>
+                  </a:txBody>
+                  <a:tcPr marL="9525" marR="9525" marT="9525" marB="0" anchor="ctr">
+                    <a:lnL w="12700" cap="flat" cmpd="sng" algn="ctr">
+                      <a:solidFill>
+                        <a:schemeClr val="tx1"/>
+                      </a:solidFill>
+                      <a:prstDash val="solid"/>
+                      <a:round/>
+                      <a:headEnd type="none" w="med" len="med"/>
+                      <a:tailEnd type="none" w="med" len="med"/>
+                    </a:lnL>
+                    <a:lnR w="12700" cap="flat" cmpd="sng" algn="ctr">
+                      <a:solidFill>
+                        <a:schemeClr val="tx1"/>
+                      </a:solidFill>
+                      <a:prstDash val="solid"/>
+                      <a:round/>
+                      <a:headEnd type="none" w="med" len="med"/>
+                      <a:tailEnd type="none" w="med" len="med"/>
+                    </a:lnR>
+                    <a:lnT w="12700" cap="flat" cmpd="sng" algn="ctr">
+                      <a:solidFill>
+                        <a:schemeClr val="tx1"/>
+                      </a:solidFill>
+                      <a:prstDash val="solid"/>
+                      <a:round/>
+                      <a:headEnd type="none" w="med" len="med"/>
+                      <a:tailEnd type="none" w="med" len="med"/>
+                    </a:lnT>
+                    <a:lnB w="12700" cap="flat" cmpd="sng" algn="ctr">
+                      <a:solidFill>
+                        <a:schemeClr val="tx1"/>
+                      </a:solidFill>
+                      <a:prstDash val="solid"/>
+                      <a:round/>
+                      <a:headEnd type="none" w="med" len="med"/>
+                      <a:tailEnd type="none" w="med" len="med"/>
+                    </a:lnB>
+                  </a:tcPr>
+                </a:tc>
+              </a:tr>
+              <a:tr h="420425">
+                <a:tc>
+                  <a:txBody>
+                    <a:bodyPr/>
+                    <a:lstStyle/>
+                    <a:p>
+                      <a:pPr algn="l" fontAlgn="b"/>
+                      <a:r>
+                        <a:rPr lang="pt-BR" sz="1600" b="1" u="none" strike="noStrike" dirty="0">
+                          <a:effectLst/>
+                          <a:latin typeface="Arial" panose="020B0604020202020204" pitchFamily="34" charset="0"/>
+                          <a:cs typeface="Arial" panose="020B0604020202020204" pitchFamily="34" charset="0"/>
+                        </a:rPr>
+                        <a:t>Profissão, idade, gênero?</a:t>
+                      </a:r>
+                      <a:endParaRPr lang="pt-BR" sz="1600" b="1" i="0" u="none" strike="noStrike" dirty="0">
+                        <a:solidFill>
+                          <a:srgbClr val="000000"/>
+                        </a:solidFill>
+                        <a:effectLst/>
+                        <a:latin typeface="Arial" panose="020B0604020202020204" pitchFamily="34" charset="0"/>
+                        <a:cs typeface="Arial" panose="020B0604020202020204" pitchFamily="34" charset="0"/>
+                      </a:endParaRPr>
+                    </a:p>
+                  </a:txBody>
+                  <a:tcPr marL="9525" marR="9525" marT="9525" marB="0" anchor="ctr">
+                    <a:lnL w="12700" cap="flat" cmpd="sng" algn="ctr">
+                      <a:solidFill>
+                        <a:schemeClr val="tx1"/>
+                      </a:solidFill>
+                      <a:prstDash val="solid"/>
+                      <a:round/>
+                      <a:headEnd type="none" w="med" len="med"/>
+                      <a:tailEnd type="none" w="med" len="med"/>
+                    </a:lnL>
+                    <a:lnR w="12700" cap="flat" cmpd="sng" algn="ctr">
+                      <a:solidFill>
+                        <a:schemeClr val="tx1"/>
+                      </a:solidFill>
+                      <a:prstDash val="solid"/>
+                      <a:round/>
+                      <a:headEnd type="none" w="med" len="med"/>
+                      <a:tailEnd type="none" w="med" len="med"/>
+                    </a:lnR>
+                    <a:lnT w="12700" cap="flat" cmpd="sng" algn="ctr">
+                      <a:solidFill>
+                        <a:schemeClr val="tx1"/>
+                      </a:solidFill>
+                      <a:prstDash val="solid"/>
+                      <a:round/>
+                      <a:headEnd type="none" w="med" len="med"/>
+                      <a:tailEnd type="none" w="med" len="med"/>
+                    </a:lnT>
+                    <a:lnB w="12700" cap="flat" cmpd="sng" algn="ctr">
+                      <a:solidFill>
+                        <a:schemeClr val="tx1"/>
+                      </a:solidFill>
+                      <a:prstDash val="solid"/>
+                      <a:round/>
+                      <a:headEnd type="none" w="med" len="med"/>
+                      <a:tailEnd type="none" w="med" len="med"/>
+                    </a:lnB>
+                  </a:tcPr>
+                </a:tc>
+                <a:tc>
+                  <a:txBody>
+                    <a:bodyPr/>
+                    <a:lstStyle/>
+                    <a:p>
+                      <a:pPr algn="l" fontAlgn="b"/>
+                      <a:r>
+                        <a:rPr lang="pt-BR" sz="1600" u="none" strike="noStrike" dirty="0">
+                          <a:effectLst/>
+                          <a:latin typeface="Arial" panose="020B0604020202020204" pitchFamily="34" charset="0"/>
+                          <a:cs typeface="Arial" panose="020B0604020202020204" pitchFamily="34" charset="0"/>
+                        </a:rPr>
+                        <a:t>Servidora Pública, 24 anos, feminino.</a:t>
+                      </a:r>
+                      <a:endParaRPr lang="pt-BR" sz="1600" b="0" i="0" u="none" strike="noStrike" dirty="0">
+                        <a:solidFill>
+                          <a:srgbClr val="000000"/>
+                        </a:solidFill>
+                        <a:effectLst/>
+                        <a:latin typeface="Arial" panose="020B0604020202020204" pitchFamily="34" charset="0"/>
+                        <a:cs typeface="Arial" panose="020B0604020202020204" pitchFamily="34" charset="0"/>
+                      </a:endParaRPr>
+                    </a:p>
+                  </a:txBody>
+                  <a:tcPr marL="9525" marR="9525" marT="9525" marB="0" anchor="ctr">
+                    <a:lnL w="12700" cap="flat" cmpd="sng" algn="ctr">
+                      <a:solidFill>
+                        <a:schemeClr val="tx1"/>
+                      </a:solidFill>
+                      <a:prstDash val="solid"/>
+                      <a:round/>
+                      <a:headEnd type="none" w="med" len="med"/>
+                      <a:tailEnd type="none" w="med" len="med"/>
+                    </a:lnL>
+                    <a:lnR w="12700" cap="flat" cmpd="sng" algn="ctr">
+                      <a:solidFill>
+                        <a:schemeClr val="tx1"/>
+                      </a:solidFill>
+                      <a:prstDash val="solid"/>
+                      <a:round/>
+                      <a:headEnd type="none" w="med" len="med"/>
+                      <a:tailEnd type="none" w="med" len="med"/>
+                    </a:lnR>
+                    <a:lnT w="12700" cap="flat" cmpd="sng" algn="ctr">
+                      <a:solidFill>
+                        <a:schemeClr val="tx1"/>
+                      </a:solidFill>
+                      <a:prstDash val="solid"/>
+                      <a:round/>
+                      <a:headEnd type="none" w="med" len="med"/>
+                      <a:tailEnd type="none" w="med" len="med"/>
+                    </a:lnT>
+                    <a:lnB w="12700" cap="flat" cmpd="sng" algn="ctr">
+                      <a:solidFill>
+                        <a:schemeClr val="tx1"/>
+                      </a:solidFill>
+                      <a:prstDash val="solid"/>
+                      <a:round/>
+                      <a:headEnd type="none" w="med" len="med"/>
+                      <a:tailEnd type="none" w="med" len="med"/>
+                    </a:lnB>
+                  </a:tcPr>
+                </a:tc>
+                <a:tc>
+                  <a:txBody>
+                    <a:bodyPr/>
+                    <a:lstStyle/>
+                    <a:p>
+                      <a:pPr algn="l" fontAlgn="b"/>
+                      <a:r>
+                        <a:rPr lang="pt-BR" sz="1600" u="none" strike="noStrike">
+                          <a:effectLst/>
+                          <a:latin typeface="Arial" panose="020B0604020202020204" pitchFamily="34" charset="0"/>
+                          <a:cs typeface="Arial" panose="020B0604020202020204" pitchFamily="34" charset="0"/>
+                        </a:rPr>
+                        <a:t>Estagiário, 21, masculino</a:t>
+                      </a:r>
+                      <a:endParaRPr lang="pt-BR" sz="1600" b="0" i="0" u="none" strike="noStrike">
+                        <a:solidFill>
+                          <a:srgbClr val="000000"/>
+                        </a:solidFill>
+                        <a:effectLst/>
+                        <a:latin typeface="Arial" panose="020B0604020202020204" pitchFamily="34" charset="0"/>
+                        <a:cs typeface="Arial" panose="020B0604020202020204" pitchFamily="34" charset="0"/>
+                      </a:endParaRPr>
+                    </a:p>
+                  </a:txBody>
+                  <a:tcPr marL="9525" marR="9525" marT="9525" marB="0" anchor="ctr">
+                    <a:lnL w="12700" cap="flat" cmpd="sng" algn="ctr">
+                      <a:solidFill>
+                        <a:schemeClr val="tx1"/>
+                      </a:solidFill>
+                      <a:prstDash val="solid"/>
+                      <a:round/>
+                      <a:headEnd type="none" w="med" len="med"/>
+                      <a:tailEnd type="none" w="med" len="med"/>
+                    </a:lnL>
+                    <a:lnR w="12700" cap="flat" cmpd="sng" algn="ctr">
+                      <a:solidFill>
+                        <a:schemeClr val="tx1"/>
+                      </a:solidFill>
+                      <a:prstDash val="solid"/>
+                      <a:round/>
+                      <a:headEnd type="none" w="med" len="med"/>
+                      <a:tailEnd type="none" w="med" len="med"/>
+                    </a:lnR>
+                    <a:lnT w="12700" cap="flat" cmpd="sng" algn="ctr">
+                      <a:solidFill>
+                        <a:schemeClr val="tx1"/>
+                      </a:solidFill>
+                      <a:prstDash val="solid"/>
+                      <a:round/>
+                      <a:headEnd type="none" w="med" len="med"/>
+                      <a:tailEnd type="none" w="med" len="med"/>
+                    </a:lnT>
+                    <a:lnB w="12700" cap="flat" cmpd="sng" algn="ctr">
+                      <a:solidFill>
+                        <a:schemeClr val="tx1"/>
+                      </a:solidFill>
+                      <a:prstDash val="solid"/>
+                      <a:round/>
+                      <a:headEnd type="none" w="med" len="med"/>
+                      <a:tailEnd type="none" w="med" len="med"/>
+                    </a:lnB>
+                  </a:tcPr>
+                </a:tc>
+                <a:tc>
+                  <a:txBody>
+                    <a:bodyPr/>
+                    <a:lstStyle/>
+                    <a:p>
+                      <a:pPr algn="l" fontAlgn="b"/>
+                      <a:r>
+                        <a:rPr lang="pt-BR" sz="1600" u="none" strike="noStrike" dirty="0">
+                          <a:effectLst/>
+                          <a:latin typeface="Arial" panose="020B0604020202020204" pitchFamily="34" charset="0"/>
+                          <a:cs typeface="Arial" panose="020B0604020202020204" pitchFamily="34" charset="0"/>
+                        </a:rPr>
+                        <a:t>Do lar, 62 anos, feminino.</a:t>
+                      </a:r>
+                      <a:endParaRPr lang="pt-BR" sz="1600" b="0" i="0" u="none" strike="noStrike" dirty="0">
+                        <a:solidFill>
+                          <a:srgbClr val="000000"/>
+                        </a:solidFill>
+                        <a:effectLst/>
+                        <a:latin typeface="Arial" panose="020B0604020202020204" pitchFamily="34" charset="0"/>
+                        <a:cs typeface="Arial" panose="020B0604020202020204" pitchFamily="34" charset="0"/>
+                      </a:endParaRPr>
+                    </a:p>
+                  </a:txBody>
+                  <a:tcPr marL="9525" marR="9525" marT="9525" marB="0" anchor="ctr">
+                    <a:lnL w="12700" cap="flat" cmpd="sng" algn="ctr">
+                      <a:solidFill>
+                        <a:schemeClr val="tx1"/>
+                      </a:solidFill>
+                      <a:prstDash val="solid"/>
+                      <a:round/>
+                      <a:headEnd type="none" w="med" len="med"/>
+                      <a:tailEnd type="none" w="med" len="med"/>
+                    </a:lnL>
+                    <a:lnR w="12700" cap="flat" cmpd="sng" algn="ctr">
+                      <a:solidFill>
+                        <a:schemeClr val="tx1"/>
+                      </a:solidFill>
+                      <a:prstDash val="solid"/>
+                      <a:round/>
+                      <a:headEnd type="none" w="med" len="med"/>
+                      <a:tailEnd type="none" w="med" len="med"/>
+                    </a:lnR>
+                    <a:lnT w="12700" cap="flat" cmpd="sng" algn="ctr">
+                      <a:solidFill>
+                        <a:schemeClr val="tx1"/>
+                      </a:solidFill>
+                      <a:prstDash val="solid"/>
+                      <a:round/>
+                      <a:headEnd type="none" w="med" len="med"/>
+                      <a:tailEnd type="none" w="med" len="med"/>
+                    </a:lnT>
+                    <a:lnB w="12700" cap="flat" cmpd="sng" algn="ctr">
+                      <a:solidFill>
+                        <a:schemeClr val="tx1"/>
+                      </a:solidFill>
+                      <a:prstDash val="solid"/>
+                      <a:round/>
+                      <a:headEnd type="none" w="med" len="med"/>
+                      <a:tailEnd type="none" w="med" len="med"/>
+                    </a:lnB>
+                  </a:tcPr>
+                </a:tc>
+              </a:tr>
+              <a:tr h="800809">
+                <a:tc>
+                  <a:txBody>
+                    <a:bodyPr/>
+                    <a:lstStyle/>
+                    <a:p>
+                      <a:pPr algn="l" fontAlgn="b"/>
+                      <a:r>
+                        <a:rPr lang="pt-BR" sz="1600" b="1" u="none" strike="noStrike" dirty="0">
+                          <a:effectLst/>
+                          <a:latin typeface="Arial" panose="020B0604020202020204" pitchFamily="34" charset="0"/>
+                          <a:cs typeface="Arial" panose="020B0604020202020204" pitchFamily="34" charset="0"/>
+                        </a:rPr>
+                        <a:t>Como você utiliza o serviço?</a:t>
+                      </a:r>
+                      <a:endParaRPr lang="pt-BR" sz="1600" b="1" i="0" u="none" strike="noStrike" dirty="0">
+                        <a:solidFill>
+                          <a:srgbClr val="000000"/>
+                        </a:solidFill>
+                        <a:effectLst/>
+                        <a:latin typeface="Arial" panose="020B0604020202020204" pitchFamily="34" charset="0"/>
+                        <a:cs typeface="Arial" panose="020B0604020202020204" pitchFamily="34" charset="0"/>
+                      </a:endParaRPr>
+                    </a:p>
+                  </a:txBody>
+                  <a:tcPr marL="9525" marR="9525" marT="9525" marB="0" anchor="ctr">
+                    <a:lnL w="12700" cap="flat" cmpd="sng" algn="ctr">
+                      <a:solidFill>
+                        <a:schemeClr val="tx1"/>
+                      </a:solidFill>
+                      <a:prstDash val="solid"/>
+                      <a:round/>
+                      <a:headEnd type="none" w="med" len="med"/>
+                      <a:tailEnd type="none" w="med" len="med"/>
+                    </a:lnL>
+                    <a:lnR w="12700" cap="flat" cmpd="sng" algn="ctr">
+                      <a:solidFill>
+                        <a:schemeClr val="tx1"/>
+                      </a:solidFill>
+                      <a:prstDash val="solid"/>
+                      <a:round/>
+                      <a:headEnd type="none" w="med" len="med"/>
+                      <a:tailEnd type="none" w="med" len="med"/>
+                    </a:lnR>
+                    <a:lnT w="12700" cap="flat" cmpd="sng" algn="ctr">
+                      <a:solidFill>
+                        <a:schemeClr val="tx1"/>
+                      </a:solidFill>
+                      <a:prstDash val="solid"/>
+                      <a:round/>
+                      <a:headEnd type="none" w="med" len="med"/>
+                      <a:tailEnd type="none" w="med" len="med"/>
+                    </a:lnT>
+                    <a:lnB w="12700" cap="flat" cmpd="sng" algn="ctr">
+                      <a:solidFill>
+                        <a:schemeClr val="tx1"/>
+                      </a:solidFill>
+                      <a:prstDash val="solid"/>
+                      <a:round/>
+                      <a:headEnd type="none" w="med" len="med"/>
+                      <a:tailEnd type="none" w="med" len="med"/>
+                    </a:lnB>
+                  </a:tcPr>
+                </a:tc>
+                <a:tc>
+                  <a:txBody>
+                    <a:bodyPr/>
+                    <a:lstStyle/>
+                    <a:p>
+                      <a:pPr algn="l" fontAlgn="ctr"/>
+                      <a:r>
+                        <a:rPr lang="pt-BR" sz="1600" u="none" strike="noStrike" dirty="0">
+                          <a:effectLst/>
+                          <a:latin typeface="Arial" panose="020B0604020202020204" pitchFamily="34" charset="0"/>
+                          <a:cs typeface="Arial" panose="020B0604020202020204" pitchFamily="34" charset="0"/>
+                        </a:rPr>
+                        <a:t>Pelo aplicativo e pelo programa instalado no computador</a:t>
+                      </a:r>
+                      <a:endParaRPr lang="pt-BR" sz="1600" b="0" i="0" u="none" strike="noStrike" dirty="0">
+                        <a:solidFill>
+                          <a:srgbClr val="000000"/>
+                        </a:solidFill>
+                        <a:effectLst/>
+                        <a:latin typeface="Arial" panose="020B0604020202020204" pitchFamily="34" charset="0"/>
+                        <a:cs typeface="Arial" panose="020B0604020202020204" pitchFamily="34" charset="0"/>
+                      </a:endParaRPr>
+                    </a:p>
+                  </a:txBody>
+                  <a:tcPr marL="9525" marR="9525" marT="9525" marB="0" anchor="ctr">
+                    <a:lnL w="12700" cap="flat" cmpd="sng" algn="ctr">
+                      <a:solidFill>
+                        <a:schemeClr val="tx1"/>
+                      </a:solidFill>
+                      <a:prstDash val="solid"/>
+                      <a:round/>
+                      <a:headEnd type="none" w="med" len="med"/>
+                      <a:tailEnd type="none" w="med" len="med"/>
+                    </a:lnL>
+                    <a:lnR w="12700" cap="flat" cmpd="sng" algn="ctr">
+                      <a:solidFill>
+                        <a:schemeClr val="tx1"/>
+                      </a:solidFill>
+                      <a:prstDash val="solid"/>
+                      <a:round/>
+                      <a:headEnd type="none" w="med" len="med"/>
+                      <a:tailEnd type="none" w="med" len="med"/>
+                    </a:lnR>
+                    <a:lnT w="12700" cap="flat" cmpd="sng" algn="ctr">
+                      <a:solidFill>
+                        <a:schemeClr val="tx1"/>
+                      </a:solidFill>
+                      <a:prstDash val="solid"/>
+                      <a:round/>
+                      <a:headEnd type="none" w="med" len="med"/>
+                      <a:tailEnd type="none" w="med" len="med"/>
+                    </a:lnT>
+                    <a:lnB w="12700" cap="flat" cmpd="sng" algn="ctr">
+                      <a:solidFill>
+                        <a:schemeClr val="tx1"/>
+                      </a:solidFill>
+                      <a:prstDash val="solid"/>
+                      <a:round/>
+                      <a:headEnd type="none" w="med" len="med"/>
+                      <a:tailEnd type="none" w="med" len="med"/>
+                    </a:lnB>
+                  </a:tcPr>
+                </a:tc>
+                <a:tc>
+                  <a:txBody>
+                    <a:bodyPr/>
+                    <a:lstStyle/>
+                    <a:p>
+                      <a:pPr algn="l" fontAlgn="b"/>
+                      <a:r>
+                        <a:rPr lang="pt-BR" sz="1600" u="none" strike="noStrike" dirty="0">
+                          <a:effectLst/>
+                          <a:latin typeface="Arial" panose="020B0604020202020204" pitchFamily="34" charset="0"/>
+                          <a:cs typeface="Arial" panose="020B0604020202020204" pitchFamily="34" charset="0"/>
+                        </a:rPr>
+                        <a:t>On-line no celular</a:t>
+                      </a:r>
+                      <a:endParaRPr lang="pt-BR" sz="1600" b="0" i="0" u="none" strike="noStrike" dirty="0">
+                        <a:solidFill>
+                          <a:srgbClr val="000000"/>
+                        </a:solidFill>
+                        <a:effectLst/>
+                        <a:latin typeface="Arial" panose="020B0604020202020204" pitchFamily="34" charset="0"/>
+                        <a:cs typeface="Arial" panose="020B0604020202020204" pitchFamily="34" charset="0"/>
+                      </a:endParaRPr>
+                    </a:p>
+                  </a:txBody>
+                  <a:tcPr marL="9525" marR="9525" marT="9525" marB="0" anchor="ctr">
+                    <a:lnL w="12700" cap="flat" cmpd="sng" algn="ctr">
+                      <a:solidFill>
+                        <a:schemeClr val="tx1"/>
+                      </a:solidFill>
+                      <a:prstDash val="solid"/>
+                      <a:round/>
+                      <a:headEnd type="none" w="med" len="med"/>
+                      <a:tailEnd type="none" w="med" len="med"/>
+                    </a:lnL>
+                    <a:lnR w="12700" cap="flat" cmpd="sng" algn="ctr">
+                      <a:solidFill>
+                        <a:schemeClr val="tx1"/>
+                      </a:solidFill>
+                      <a:prstDash val="solid"/>
+                      <a:round/>
+                      <a:headEnd type="none" w="med" len="med"/>
+                      <a:tailEnd type="none" w="med" len="med"/>
+                    </a:lnR>
+                    <a:lnT w="12700" cap="flat" cmpd="sng" algn="ctr">
+                      <a:solidFill>
+                        <a:schemeClr val="tx1"/>
+                      </a:solidFill>
+                      <a:prstDash val="solid"/>
+                      <a:round/>
+                      <a:headEnd type="none" w="med" len="med"/>
+                      <a:tailEnd type="none" w="med" len="med"/>
+                    </a:lnT>
+                    <a:lnB w="12700" cap="flat" cmpd="sng" algn="ctr">
+                      <a:solidFill>
+                        <a:schemeClr val="tx1"/>
+                      </a:solidFill>
+                      <a:prstDash val="solid"/>
+                      <a:round/>
+                      <a:headEnd type="none" w="med" len="med"/>
+                      <a:tailEnd type="none" w="med" len="med"/>
+                    </a:lnB>
+                  </a:tcPr>
+                </a:tc>
+                <a:tc>
+                  <a:txBody>
+                    <a:bodyPr/>
+                    <a:lstStyle/>
+                    <a:p>
+                      <a:pPr algn="l" fontAlgn="b"/>
+                      <a:r>
+                        <a:rPr lang="pt-BR" sz="1600" u="none" strike="noStrike">
+                          <a:effectLst/>
+                          <a:latin typeface="Arial" panose="020B0604020202020204" pitchFamily="34" charset="0"/>
+                          <a:cs typeface="Arial" panose="020B0604020202020204" pitchFamily="34" charset="0"/>
+                        </a:rPr>
+                        <a:t>Apenas pelo aparelho celular.</a:t>
+                      </a:r>
+                      <a:endParaRPr lang="pt-BR" sz="1600" b="0" i="0" u="none" strike="noStrike">
+                        <a:solidFill>
+                          <a:srgbClr val="000000"/>
+                        </a:solidFill>
+                        <a:effectLst/>
+                        <a:latin typeface="Arial" panose="020B0604020202020204" pitchFamily="34" charset="0"/>
+                        <a:cs typeface="Arial" panose="020B0604020202020204" pitchFamily="34" charset="0"/>
+                      </a:endParaRPr>
+                    </a:p>
+                  </a:txBody>
+                  <a:tcPr marL="9525" marR="9525" marT="9525" marB="0" anchor="ctr">
+                    <a:lnL w="12700" cap="flat" cmpd="sng" algn="ctr">
+                      <a:solidFill>
+                        <a:schemeClr val="tx1"/>
+                      </a:solidFill>
+                      <a:prstDash val="solid"/>
+                      <a:round/>
+                      <a:headEnd type="none" w="med" len="med"/>
+                      <a:tailEnd type="none" w="med" len="med"/>
+                    </a:lnL>
+                    <a:lnR w="12700" cap="flat" cmpd="sng" algn="ctr">
+                      <a:solidFill>
+                        <a:schemeClr val="tx1"/>
+                      </a:solidFill>
+                      <a:prstDash val="solid"/>
+                      <a:round/>
+                      <a:headEnd type="none" w="med" len="med"/>
+                      <a:tailEnd type="none" w="med" len="med"/>
+                    </a:lnR>
+                    <a:lnT w="12700" cap="flat" cmpd="sng" algn="ctr">
+                      <a:solidFill>
+                        <a:schemeClr val="tx1"/>
+                      </a:solidFill>
+                      <a:prstDash val="solid"/>
+                      <a:round/>
+                      <a:headEnd type="none" w="med" len="med"/>
+                      <a:tailEnd type="none" w="med" len="med"/>
+                    </a:lnT>
+                    <a:lnB w="12700" cap="flat" cmpd="sng" algn="ctr">
+                      <a:solidFill>
+                        <a:schemeClr val="tx1"/>
+                      </a:solidFill>
+                      <a:prstDash val="solid"/>
+                      <a:round/>
+                      <a:headEnd type="none" w="med" len="med"/>
+                      <a:tailEnd type="none" w="med" len="med"/>
+                    </a:lnB>
+                  </a:tcPr>
+                </a:tc>
+              </a:tr>
+              <a:tr h="1261275">
+                <a:tc>
+                  <a:txBody>
+                    <a:bodyPr/>
+                    <a:lstStyle/>
+                    <a:p>
+                      <a:pPr algn="l" fontAlgn="ctr"/>
+                      <a:r>
+                        <a:rPr lang="pt-BR" sz="1600" b="1" u="none" strike="noStrike" dirty="0">
+                          <a:effectLst/>
+                          <a:latin typeface="Arial" panose="020B0604020202020204" pitchFamily="34" charset="0"/>
+                          <a:cs typeface="Arial" panose="020B0604020202020204" pitchFamily="34" charset="0"/>
+                        </a:rPr>
+                        <a:t>O que você acha mais interessante no serviço (valor para o usuário)?</a:t>
+                      </a:r>
+                      <a:endParaRPr lang="pt-BR" sz="1600" b="1" i="0" u="none" strike="noStrike" dirty="0">
+                        <a:solidFill>
+                          <a:srgbClr val="000000"/>
+                        </a:solidFill>
+                        <a:effectLst/>
+                        <a:latin typeface="Arial" panose="020B0604020202020204" pitchFamily="34" charset="0"/>
+                        <a:cs typeface="Arial" panose="020B0604020202020204" pitchFamily="34" charset="0"/>
+                      </a:endParaRPr>
+                    </a:p>
+                  </a:txBody>
+                  <a:tcPr marL="9525" marR="9525" marT="9525" marB="0" anchor="ctr">
+                    <a:lnL w="12700" cap="flat" cmpd="sng" algn="ctr">
+                      <a:solidFill>
+                        <a:schemeClr val="tx1"/>
+                      </a:solidFill>
+                      <a:prstDash val="solid"/>
+                      <a:round/>
+                      <a:headEnd type="none" w="med" len="med"/>
+                      <a:tailEnd type="none" w="med" len="med"/>
+                    </a:lnL>
+                    <a:lnR w="12700" cap="flat" cmpd="sng" algn="ctr">
+                      <a:solidFill>
+                        <a:schemeClr val="tx1"/>
+                      </a:solidFill>
+                      <a:prstDash val="solid"/>
+                      <a:round/>
+                      <a:headEnd type="none" w="med" len="med"/>
+                      <a:tailEnd type="none" w="med" len="med"/>
+                    </a:lnR>
+                    <a:lnT w="12700" cap="flat" cmpd="sng" algn="ctr">
+                      <a:solidFill>
+                        <a:schemeClr val="tx1"/>
+                      </a:solidFill>
+                      <a:prstDash val="solid"/>
+                      <a:round/>
+                      <a:headEnd type="none" w="med" len="med"/>
+                      <a:tailEnd type="none" w="med" len="med"/>
+                    </a:lnT>
+                    <a:lnB w="12700" cap="flat" cmpd="sng" algn="ctr">
+                      <a:solidFill>
+                        <a:schemeClr val="tx1"/>
+                      </a:solidFill>
+                      <a:prstDash val="solid"/>
+                      <a:round/>
+                      <a:headEnd type="none" w="med" len="med"/>
+                      <a:tailEnd type="none" w="med" len="med"/>
+                    </a:lnB>
+                  </a:tcPr>
+                </a:tc>
+                <a:tc>
+                  <a:txBody>
+                    <a:bodyPr/>
+                    <a:lstStyle/>
+                    <a:p>
+                      <a:pPr algn="l" fontAlgn="b"/>
+                      <a:r>
+                        <a:rPr lang="pt-BR" sz="1600" u="none" strike="noStrike" dirty="0">
+                          <a:effectLst/>
+                          <a:latin typeface="Arial" panose="020B0604020202020204" pitchFamily="34" charset="0"/>
+                          <a:cs typeface="Arial" panose="020B0604020202020204" pitchFamily="34" charset="0"/>
+                        </a:rPr>
+                        <a:t>Músicas ilimitadas, a qualquer hora e em qualquer lugar.</a:t>
+                      </a:r>
+                      <a:endParaRPr lang="pt-BR" sz="1600" b="0" i="0" u="none" strike="noStrike" dirty="0">
+                        <a:solidFill>
+                          <a:srgbClr val="000000"/>
+                        </a:solidFill>
+                        <a:effectLst/>
+                        <a:latin typeface="Arial" panose="020B0604020202020204" pitchFamily="34" charset="0"/>
+                        <a:cs typeface="Arial" panose="020B0604020202020204" pitchFamily="34" charset="0"/>
+                      </a:endParaRPr>
+                    </a:p>
+                  </a:txBody>
+                  <a:tcPr marL="9525" marR="9525" marT="9525" marB="0" anchor="ctr">
+                    <a:lnL w="12700" cap="flat" cmpd="sng" algn="ctr">
+                      <a:solidFill>
+                        <a:schemeClr val="tx1"/>
+                      </a:solidFill>
+                      <a:prstDash val="solid"/>
+                      <a:round/>
+                      <a:headEnd type="none" w="med" len="med"/>
+                      <a:tailEnd type="none" w="med" len="med"/>
+                    </a:lnL>
+                    <a:lnR w="12700" cap="flat" cmpd="sng" algn="ctr">
+                      <a:solidFill>
+                        <a:schemeClr val="tx1"/>
+                      </a:solidFill>
+                      <a:prstDash val="solid"/>
+                      <a:round/>
+                      <a:headEnd type="none" w="med" len="med"/>
+                      <a:tailEnd type="none" w="med" len="med"/>
+                    </a:lnR>
+                    <a:lnT w="12700" cap="flat" cmpd="sng" algn="ctr">
+                      <a:solidFill>
+                        <a:schemeClr val="tx1"/>
+                      </a:solidFill>
+                      <a:prstDash val="solid"/>
+                      <a:round/>
+                      <a:headEnd type="none" w="med" len="med"/>
+                      <a:tailEnd type="none" w="med" len="med"/>
+                    </a:lnT>
+                    <a:lnB w="12700" cap="flat" cmpd="sng" algn="ctr">
+                      <a:solidFill>
+                        <a:schemeClr val="tx1"/>
+                      </a:solidFill>
+                      <a:prstDash val="solid"/>
+                      <a:round/>
+                      <a:headEnd type="none" w="med" len="med"/>
+                      <a:tailEnd type="none" w="med" len="med"/>
+                    </a:lnB>
+                  </a:tcPr>
+                </a:tc>
+                <a:tc>
+                  <a:txBody>
+                    <a:bodyPr/>
+                    <a:lstStyle/>
+                    <a:p>
+                      <a:pPr algn="l" fontAlgn="b"/>
+                      <a:r>
+                        <a:rPr lang="pt-BR" sz="1600" u="none" strike="noStrike" dirty="0">
+                          <a:effectLst/>
+                          <a:latin typeface="Arial" panose="020B0604020202020204" pitchFamily="34" charset="0"/>
+                          <a:cs typeface="Arial" panose="020B0604020202020204" pitchFamily="34" charset="0"/>
+                        </a:rPr>
+                        <a:t>Música </a:t>
+                      </a:r>
+                      <a:r>
+                        <a:rPr lang="pt-BR" sz="1600" u="none" strike="noStrike" dirty="0" err="1">
+                          <a:effectLst/>
+                          <a:latin typeface="Arial" panose="020B0604020202020204" pitchFamily="34" charset="0"/>
+                          <a:cs typeface="Arial" panose="020B0604020202020204" pitchFamily="34" charset="0"/>
+                        </a:rPr>
+                        <a:t>offline</a:t>
+                      </a:r>
+                      <a:endParaRPr lang="pt-BR" sz="1600" b="0" i="0" u="none" strike="noStrike" dirty="0">
+                        <a:solidFill>
+                          <a:srgbClr val="000000"/>
+                        </a:solidFill>
+                        <a:effectLst/>
+                        <a:latin typeface="Arial" panose="020B0604020202020204" pitchFamily="34" charset="0"/>
+                        <a:cs typeface="Arial" panose="020B0604020202020204" pitchFamily="34" charset="0"/>
+                      </a:endParaRPr>
+                    </a:p>
+                  </a:txBody>
+                  <a:tcPr marL="9525" marR="9525" marT="9525" marB="0" anchor="ctr">
+                    <a:lnL w="12700" cap="flat" cmpd="sng" algn="ctr">
+                      <a:solidFill>
+                        <a:schemeClr val="tx1"/>
+                      </a:solidFill>
+                      <a:prstDash val="solid"/>
+                      <a:round/>
+                      <a:headEnd type="none" w="med" len="med"/>
+                      <a:tailEnd type="none" w="med" len="med"/>
+                    </a:lnL>
+                    <a:lnR w="12700" cap="flat" cmpd="sng" algn="ctr">
+                      <a:solidFill>
+                        <a:schemeClr val="tx1"/>
+                      </a:solidFill>
+                      <a:prstDash val="solid"/>
+                      <a:round/>
+                      <a:headEnd type="none" w="med" len="med"/>
+                      <a:tailEnd type="none" w="med" len="med"/>
+                    </a:lnR>
+                    <a:lnT w="12700" cap="flat" cmpd="sng" algn="ctr">
+                      <a:solidFill>
+                        <a:schemeClr val="tx1"/>
+                      </a:solidFill>
+                      <a:prstDash val="solid"/>
+                      <a:round/>
+                      <a:headEnd type="none" w="med" len="med"/>
+                      <a:tailEnd type="none" w="med" len="med"/>
+                    </a:lnT>
+                    <a:lnB w="12700" cap="flat" cmpd="sng" algn="ctr">
+                      <a:solidFill>
+                        <a:schemeClr val="tx1"/>
+                      </a:solidFill>
+                      <a:prstDash val="solid"/>
+                      <a:round/>
+                      <a:headEnd type="none" w="med" len="med"/>
+                      <a:tailEnd type="none" w="med" len="med"/>
+                    </a:lnB>
+                  </a:tcPr>
+                </a:tc>
+                <a:tc>
+                  <a:txBody>
+                    <a:bodyPr/>
+                    <a:lstStyle/>
+                    <a:p>
+                      <a:pPr algn="l" fontAlgn="b"/>
+                      <a:r>
+                        <a:rPr lang="pt-BR" sz="1600" u="none" strike="noStrike" dirty="0">
+                          <a:effectLst/>
+                          <a:latin typeface="Arial" panose="020B0604020202020204" pitchFamily="34" charset="0"/>
+                          <a:cs typeface="Arial" panose="020B0604020202020204" pitchFamily="34" charset="0"/>
+                        </a:rPr>
+                        <a:t>Pode escutar a música que quiser e a qualquer momento.</a:t>
+                      </a:r>
+                      <a:endParaRPr lang="pt-BR" sz="1600" b="0" i="0" u="none" strike="noStrike" dirty="0">
+                        <a:solidFill>
+                          <a:srgbClr val="000000"/>
+                        </a:solidFill>
+                        <a:effectLst/>
+                        <a:latin typeface="Arial" panose="020B0604020202020204" pitchFamily="34" charset="0"/>
+                        <a:cs typeface="Arial" panose="020B0604020202020204" pitchFamily="34" charset="0"/>
+                      </a:endParaRPr>
+                    </a:p>
+                  </a:txBody>
+                  <a:tcPr marL="9525" marR="9525" marT="9525" marB="0" anchor="ctr">
+                    <a:lnL w="12700" cap="flat" cmpd="sng" algn="ctr">
+                      <a:solidFill>
+                        <a:schemeClr val="tx1"/>
+                      </a:solidFill>
+                      <a:prstDash val="solid"/>
+                      <a:round/>
+                      <a:headEnd type="none" w="med" len="med"/>
+                      <a:tailEnd type="none" w="med" len="med"/>
+                    </a:lnL>
+                    <a:lnR w="12700" cap="flat" cmpd="sng" algn="ctr">
+                      <a:solidFill>
+                        <a:schemeClr val="tx1"/>
+                      </a:solidFill>
+                      <a:prstDash val="solid"/>
+                      <a:round/>
+                      <a:headEnd type="none" w="med" len="med"/>
+                      <a:tailEnd type="none" w="med" len="med"/>
+                    </a:lnR>
+                    <a:lnT w="12700" cap="flat" cmpd="sng" algn="ctr">
+                      <a:solidFill>
+                        <a:schemeClr val="tx1"/>
+                      </a:solidFill>
+                      <a:prstDash val="solid"/>
+                      <a:round/>
+                      <a:headEnd type="none" w="med" len="med"/>
+                      <a:tailEnd type="none" w="med" len="med"/>
+                    </a:lnT>
+                    <a:lnB w="12700" cap="flat" cmpd="sng" algn="ctr">
+                      <a:solidFill>
+                        <a:schemeClr val="tx1"/>
+                      </a:solidFill>
+                      <a:prstDash val="solid"/>
+                      <a:round/>
+                      <a:headEnd type="none" w="med" len="med"/>
+                      <a:tailEnd type="none" w="med" len="med"/>
+                    </a:lnB>
+                  </a:tcPr>
+                </a:tc>
+              </a:tr>
+              <a:tr h="1321335">
+                <a:tc>
+                  <a:txBody>
+                    <a:bodyPr/>
+                    <a:lstStyle/>
+                    <a:p>
+                      <a:pPr algn="l" fontAlgn="b"/>
+                      <a:r>
+                        <a:rPr lang="pt-BR" sz="1600" b="1" u="none" strike="noStrike" dirty="0">
+                          <a:effectLst/>
+                          <a:latin typeface="Arial" panose="020B0604020202020204" pitchFamily="34" charset="0"/>
+                          <a:cs typeface="Arial" panose="020B0604020202020204" pitchFamily="34" charset="0"/>
+                        </a:rPr>
+                        <a:t>Em sua opinião o que falta no serviço ou poderia ser melhorado?</a:t>
+                      </a:r>
+                      <a:endParaRPr lang="pt-BR" sz="1600" b="1" i="0" u="none" strike="noStrike" dirty="0">
+                        <a:solidFill>
+                          <a:srgbClr val="000000"/>
+                        </a:solidFill>
+                        <a:effectLst/>
+                        <a:latin typeface="Arial" panose="020B0604020202020204" pitchFamily="34" charset="0"/>
+                        <a:cs typeface="Arial" panose="020B0604020202020204" pitchFamily="34" charset="0"/>
+                      </a:endParaRPr>
+                    </a:p>
+                  </a:txBody>
+                  <a:tcPr marL="9525" marR="9525" marT="9525" marB="0" anchor="ctr">
+                    <a:lnL w="12700" cap="flat" cmpd="sng" algn="ctr">
+                      <a:solidFill>
+                        <a:schemeClr val="tx1"/>
+                      </a:solidFill>
+                      <a:prstDash val="solid"/>
+                      <a:round/>
+                      <a:headEnd type="none" w="med" len="med"/>
+                      <a:tailEnd type="none" w="med" len="med"/>
+                    </a:lnL>
+                    <a:lnR w="12700" cap="flat" cmpd="sng" algn="ctr">
+                      <a:solidFill>
+                        <a:schemeClr val="tx1"/>
+                      </a:solidFill>
+                      <a:prstDash val="solid"/>
+                      <a:round/>
+                      <a:headEnd type="none" w="med" len="med"/>
+                      <a:tailEnd type="none" w="med" len="med"/>
+                    </a:lnR>
+                    <a:lnT w="12700" cap="flat" cmpd="sng" algn="ctr">
+                      <a:solidFill>
+                        <a:schemeClr val="tx1"/>
+                      </a:solidFill>
+                      <a:prstDash val="solid"/>
+                      <a:round/>
+                      <a:headEnd type="none" w="med" len="med"/>
+                      <a:tailEnd type="none" w="med" len="med"/>
+                    </a:lnT>
+                    <a:lnB w="12700" cap="flat" cmpd="sng" algn="ctr">
+                      <a:solidFill>
+                        <a:schemeClr val="tx1"/>
+                      </a:solidFill>
+                      <a:prstDash val="solid"/>
+                      <a:round/>
+                      <a:headEnd type="none" w="med" len="med"/>
+                      <a:tailEnd type="none" w="med" len="med"/>
+                    </a:lnB>
+                  </a:tcPr>
+                </a:tc>
+                <a:tc>
+                  <a:txBody>
+                    <a:bodyPr/>
+                    <a:lstStyle/>
+                    <a:p>
+                      <a:pPr algn="l" fontAlgn="b"/>
+                      <a:r>
+                        <a:rPr lang="pt-BR" sz="1600" u="none" strike="noStrike">
+                          <a:effectLst/>
+                          <a:latin typeface="Arial" panose="020B0604020202020204" pitchFamily="34" charset="0"/>
+                          <a:cs typeface="Arial" panose="020B0604020202020204" pitchFamily="34" charset="0"/>
+                        </a:rPr>
+                        <a:t>A rádio, pois ela dá umas travadas e você não consegue ouvir.</a:t>
+                      </a:r>
+                      <a:endParaRPr lang="pt-BR" sz="1600" b="0" i="0" u="none" strike="noStrike">
+                        <a:solidFill>
+                          <a:srgbClr val="000000"/>
+                        </a:solidFill>
+                        <a:effectLst/>
+                        <a:latin typeface="Arial" panose="020B0604020202020204" pitchFamily="34" charset="0"/>
+                        <a:cs typeface="Arial" panose="020B0604020202020204" pitchFamily="34" charset="0"/>
+                      </a:endParaRPr>
+                    </a:p>
+                  </a:txBody>
+                  <a:tcPr marL="9525" marR="9525" marT="9525" marB="0" anchor="ctr">
+                    <a:lnL w="12700" cap="flat" cmpd="sng" algn="ctr">
+                      <a:solidFill>
+                        <a:schemeClr val="tx1"/>
+                      </a:solidFill>
+                      <a:prstDash val="solid"/>
+                      <a:round/>
+                      <a:headEnd type="none" w="med" len="med"/>
+                      <a:tailEnd type="none" w="med" len="med"/>
+                    </a:lnL>
+                    <a:lnR w="12700" cap="flat" cmpd="sng" algn="ctr">
+                      <a:solidFill>
+                        <a:schemeClr val="tx1"/>
+                      </a:solidFill>
+                      <a:prstDash val="solid"/>
+                      <a:round/>
+                      <a:headEnd type="none" w="med" len="med"/>
+                      <a:tailEnd type="none" w="med" len="med"/>
+                    </a:lnR>
+                    <a:lnT w="12700" cap="flat" cmpd="sng" algn="ctr">
+                      <a:solidFill>
+                        <a:schemeClr val="tx1"/>
+                      </a:solidFill>
+                      <a:prstDash val="solid"/>
+                      <a:round/>
+                      <a:headEnd type="none" w="med" len="med"/>
+                      <a:tailEnd type="none" w="med" len="med"/>
+                    </a:lnT>
+                    <a:lnB w="12700" cap="flat" cmpd="sng" algn="ctr">
+                      <a:solidFill>
+                        <a:schemeClr val="tx1"/>
+                      </a:solidFill>
+                      <a:prstDash val="solid"/>
+                      <a:round/>
+                      <a:headEnd type="none" w="med" len="med"/>
+                      <a:tailEnd type="none" w="med" len="med"/>
+                    </a:lnB>
+                  </a:tcPr>
+                </a:tc>
+                <a:tc>
+                  <a:txBody>
+                    <a:bodyPr/>
+                    <a:lstStyle/>
+                    <a:p>
+                      <a:pPr algn="l" fontAlgn="b"/>
+                      <a:r>
+                        <a:rPr lang="pt-BR" sz="1600" u="none" strike="noStrike" dirty="0">
+                          <a:effectLst/>
+                          <a:latin typeface="Arial" panose="020B0604020202020204" pitchFamily="34" charset="0"/>
+                          <a:cs typeface="Arial" panose="020B0604020202020204" pitchFamily="34" charset="0"/>
+                        </a:rPr>
+                        <a:t>Vídeo da música</a:t>
+                      </a:r>
+                      <a:endParaRPr lang="pt-BR" sz="1600" b="0" i="0" u="none" strike="noStrike" dirty="0">
+                        <a:solidFill>
+                          <a:srgbClr val="000000"/>
+                        </a:solidFill>
+                        <a:effectLst/>
+                        <a:latin typeface="Arial" panose="020B0604020202020204" pitchFamily="34" charset="0"/>
+                        <a:cs typeface="Arial" panose="020B0604020202020204" pitchFamily="34" charset="0"/>
+                      </a:endParaRPr>
+                    </a:p>
+                  </a:txBody>
+                  <a:tcPr marL="9525" marR="9525" marT="9525" marB="0" anchor="ctr">
+                    <a:lnL w="12700" cap="flat" cmpd="sng" algn="ctr">
+                      <a:solidFill>
+                        <a:schemeClr val="tx1"/>
+                      </a:solidFill>
+                      <a:prstDash val="solid"/>
+                      <a:round/>
+                      <a:headEnd type="none" w="med" len="med"/>
+                      <a:tailEnd type="none" w="med" len="med"/>
+                    </a:lnL>
+                    <a:lnR w="12700" cap="flat" cmpd="sng" algn="ctr">
+                      <a:solidFill>
+                        <a:schemeClr val="tx1"/>
+                      </a:solidFill>
+                      <a:prstDash val="solid"/>
+                      <a:round/>
+                      <a:headEnd type="none" w="med" len="med"/>
+                      <a:tailEnd type="none" w="med" len="med"/>
+                    </a:lnR>
+                    <a:lnT w="12700" cap="flat" cmpd="sng" algn="ctr">
+                      <a:solidFill>
+                        <a:schemeClr val="tx1"/>
+                      </a:solidFill>
+                      <a:prstDash val="solid"/>
+                      <a:round/>
+                      <a:headEnd type="none" w="med" len="med"/>
+                      <a:tailEnd type="none" w="med" len="med"/>
+                    </a:lnT>
+                    <a:lnB w="12700" cap="flat" cmpd="sng" algn="ctr">
+                      <a:solidFill>
+                        <a:schemeClr val="tx1"/>
+                      </a:solidFill>
+                      <a:prstDash val="solid"/>
+                      <a:round/>
+                      <a:headEnd type="none" w="med" len="med"/>
+                      <a:tailEnd type="none" w="med" len="med"/>
+                    </a:lnB>
+                  </a:tcPr>
+                </a:tc>
+                <a:tc>
+                  <a:txBody>
+                    <a:bodyPr/>
+                    <a:lstStyle/>
+                    <a:p>
+                      <a:pPr algn="l" fontAlgn="ctr"/>
+                      <a:r>
+                        <a:rPr lang="pt-BR" sz="1600" u="none" strike="noStrike" dirty="0">
+                          <a:effectLst/>
+                          <a:latin typeface="Arial" panose="020B0604020202020204" pitchFamily="34" charset="0"/>
+                          <a:cs typeface="Arial" panose="020B0604020202020204" pitchFamily="34" charset="0"/>
+                        </a:rPr>
+                        <a:t>Pra mim está ótimo o aplicativo, ele atende todas as minhas expectativas.</a:t>
+                      </a:r>
+                      <a:endParaRPr lang="pt-BR" sz="1600" b="0" i="0" u="none" strike="noStrike" dirty="0">
+                        <a:solidFill>
+                          <a:srgbClr val="000000"/>
+                        </a:solidFill>
+                        <a:effectLst/>
+                        <a:latin typeface="Arial" panose="020B0604020202020204" pitchFamily="34" charset="0"/>
+                        <a:cs typeface="Arial" panose="020B0604020202020204" pitchFamily="34" charset="0"/>
+                      </a:endParaRPr>
+                    </a:p>
+                  </a:txBody>
+                  <a:tcPr marL="9525" marR="9525" marT="9525" marB="0" anchor="ctr">
+                    <a:lnL w="12700" cap="flat" cmpd="sng" algn="ctr">
+                      <a:solidFill>
+                        <a:schemeClr val="tx1"/>
+                      </a:solidFill>
+                      <a:prstDash val="solid"/>
+                      <a:round/>
+                      <a:headEnd type="none" w="med" len="med"/>
+                      <a:tailEnd type="none" w="med" len="med"/>
+                    </a:lnL>
+                    <a:lnR w="12700" cap="flat" cmpd="sng" algn="ctr">
+                      <a:solidFill>
+                        <a:schemeClr val="tx1"/>
+                      </a:solidFill>
+                      <a:prstDash val="solid"/>
+                      <a:round/>
+                      <a:headEnd type="none" w="med" len="med"/>
+                      <a:tailEnd type="none" w="med" len="med"/>
+                    </a:lnR>
+                    <a:lnT w="12700" cap="flat" cmpd="sng" algn="ctr">
+                      <a:solidFill>
+                        <a:schemeClr val="tx1"/>
+                      </a:solidFill>
+                      <a:prstDash val="solid"/>
+                      <a:round/>
+                      <a:headEnd type="none" w="med" len="med"/>
+                      <a:tailEnd type="none" w="med" len="med"/>
+                    </a:lnT>
+                    <a:lnB w="12700" cap="flat" cmpd="sng" algn="ctr">
+                      <a:solidFill>
+                        <a:schemeClr val="tx1"/>
+                      </a:solidFill>
+                      <a:prstDash val="solid"/>
+                      <a:round/>
+                      <a:headEnd type="none" w="med" len="med"/>
+                      <a:tailEnd type="none" w="med" len="med"/>
+                    </a:lnB>
+                  </a:tcPr>
+                </a:tc>
+              </a:tr>
+            </a:tbl>
+          </a:graphicData>
+        </a:graphic>
+      </p:graphicFrame>
+      <p:sp>
+        <p:nvSpPr>
+          <p:cNvPr id="6" name="CaixaDeTexto 5"/>
+          <p:cNvSpPr txBox="1"/>
+          <p:nvPr/>
+        </p:nvSpPr>
+        <p:spPr>
+          <a:xfrm>
+            <a:off x="553910" y="450562"/>
+            <a:ext cx="6040191" cy="523220"/>
+          </a:xfrm>
+          <a:prstGeom prst="rect">
+            <a:avLst/>
+          </a:prstGeom>
+          <a:noFill/>
+        </p:spPr>
+        <p:txBody>
+          <a:bodyPr wrap="square" rtlCol="0">
+            <a:spAutoFit/>
+          </a:bodyPr>
+          <a:lstStyle/>
+          <a:p>
+            <a:r>
+              <a:rPr lang="pt-BR" sz="2800" dirty="0" smtClean="0">
+                <a:solidFill>
+                  <a:schemeClr val="bg1"/>
+                </a:solidFill>
+                <a:latin typeface="Arial" panose="020B0604020202020204" pitchFamily="34" charset="0"/>
+                <a:cs typeface="Arial" panose="020B0604020202020204" pitchFamily="34" charset="0"/>
+              </a:rPr>
+              <a:t>Entrevistas</a:t>
+            </a:r>
+            <a:endParaRPr lang="pt-BR" sz="2800" dirty="0">
+              <a:solidFill>
+                <a:schemeClr val="bg1"/>
+              </a:solidFill>
+              <a:latin typeface="Arial" panose="020B0604020202020204" pitchFamily="34" charset="0"/>
+              <a:cs typeface="Arial" panose="020B0604020202020204" pitchFamily="34" charset="0"/>
+            </a:endParaRPr>
+          </a:p>
+        </p:txBody>
+      </p:sp>
+    </p:spTree>
+    <p:extLst>
+      <p:ext uri="{BB962C8B-B14F-4D97-AF65-F5344CB8AC3E}">
+        <p14:creationId xmlns:p14="http://schemas.microsoft.com/office/powerpoint/2010/main" val="1899754124"/>
+      </p:ext>
+    </p:extLst>
+  </p:cSld>
+  <p:clrMapOvr>
+    <a:masterClrMapping/>
+  </p:clrMapOvr>
+  <p:timing>
+    <p:tnLst>
+      <p:par>
+        <p:cTn id="1" dur="indefinite" restart="never" nodeType="tmRoot"/>
+      </p:par>
+    </p:tnLst>
+  </p:timing>
+</p:sld>
+</file>
+
+<file path=ppt/slides/slide13.xml><?xml version="1.0" encoding="utf-8"?>
+<p:sld xmlns:a="http://schemas.openxmlformats.org/drawingml/2006/main" xmlns:r="http://schemas.openxmlformats.org/officeDocument/2006/relationships" xmlns:p="http://schemas.openxmlformats.org/presentationml/2006/main">
+  <p:cSld>
+    <p:spTree>
+      <p:nvGrpSpPr>
+        <p:cNvPr id="1" name=""/>
+        <p:cNvGrpSpPr/>
+        <p:nvPr/>
+      </p:nvGrpSpPr>
+      <p:grpSpPr>
+        <a:xfrm>
+          <a:off x="0" y="0"/>
+          <a:ext cx="0" cy="0"/>
+          <a:chOff x="0" y="0"/>
+          <a:chExt cx="0" cy="0"/>
+        </a:xfrm>
+      </p:grpSpPr>
+      <p:pic>
+        <p:nvPicPr>
+          <p:cNvPr id="4" name="Imagem 3"/>
+          <p:cNvPicPr>
+            <a:picLocks noChangeAspect="1"/>
+          </p:cNvPicPr>
+          <p:nvPr/>
+        </p:nvPicPr>
+        <p:blipFill>
+          <a:blip r:embed="rId2" cstate="print">
+            <a:extLst>
+              <a:ext uri="{28A0092B-C50C-407E-A947-70E740481C1C}">
+                <a14:useLocalDpi xmlns:a14="http://schemas.microsoft.com/office/drawing/2010/main" val="0"/>
+              </a:ext>
+            </a:extLst>
+          </a:blip>
+          <a:stretch>
+            <a:fillRect/>
+          </a:stretch>
+        </p:blipFill>
+        <p:spPr>
+          <a:xfrm>
+            <a:off x="9496261" y="6031831"/>
+            <a:ext cx="2695739" cy="810339"/>
+          </a:xfrm>
+          <a:prstGeom prst="rect">
+            <a:avLst/>
+          </a:prstGeom>
+        </p:spPr>
+      </p:pic>
+      <p:sp>
+        <p:nvSpPr>
+          <p:cNvPr id="5" name="CaixaDeTexto 4"/>
+          <p:cNvSpPr txBox="1"/>
+          <p:nvPr/>
+        </p:nvSpPr>
+        <p:spPr>
+          <a:xfrm>
+            <a:off x="3567448" y="2088303"/>
+            <a:ext cx="5164428" cy="2923877"/>
+          </a:xfrm>
+          <a:prstGeom prst="rect">
+            <a:avLst/>
+          </a:prstGeom>
+          <a:noFill/>
+        </p:spPr>
+        <p:txBody>
+          <a:bodyPr wrap="square" rtlCol="0">
+            <a:spAutoFit/>
+          </a:bodyPr>
+          <a:lstStyle/>
+          <a:p>
+            <a:pPr algn="ctr"/>
+            <a:r>
+              <a:rPr lang="pt-BR" sz="7200" dirty="0" smtClean="0">
+                <a:solidFill>
+                  <a:schemeClr val="bg1"/>
+                </a:solidFill>
+                <a:latin typeface="Arial" panose="020B0604020202020204" pitchFamily="34" charset="0"/>
+                <a:cs typeface="Arial" panose="020B0604020202020204" pitchFamily="34" charset="0"/>
+              </a:rPr>
+              <a:t>Fim</a:t>
+            </a:r>
+          </a:p>
+          <a:p>
+            <a:pPr algn="ctr"/>
+            <a:endParaRPr lang="pt-BR" sz="7200" dirty="0">
+              <a:solidFill>
+                <a:schemeClr val="bg1"/>
+              </a:solidFill>
+              <a:latin typeface="Arial" panose="020B0604020202020204" pitchFamily="34" charset="0"/>
+              <a:cs typeface="Arial" panose="020B0604020202020204" pitchFamily="34" charset="0"/>
+            </a:endParaRPr>
+          </a:p>
+          <a:p>
+            <a:pPr algn="ctr"/>
+            <a:r>
+              <a:rPr lang="pt-BR" sz="4000" dirty="0" smtClean="0">
+                <a:solidFill>
+                  <a:schemeClr val="bg1"/>
+                </a:solidFill>
+                <a:latin typeface="Arial" panose="020B0604020202020204" pitchFamily="34" charset="0"/>
+                <a:cs typeface="Arial" panose="020B0604020202020204" pitchFamily="34" charset="0"/>
+              </a:rPr>
+              <a:t>Perguntas?</a:t>
+            </a:r>
+            <a:endParaRPr lang="pt-BR" sz="4000" dirty="0">
+              <a:solidFill>
+                <a:schemeClr val="bg1"/>
+              </a:solidFill>
+              <a:latin typeface="Arial" panose="020B0604020202020204" pitchFamily="34" charset="0"/>
+              <a:cs typeface="Arial" panose="020B0604020202020204" pitchFamily="34" charset="0"/>
+            </a:endParaRPr>
+          </a:p>
+        </p:txBody>
+      </p:sp>
+    </p:spTree>
+    <p:extLst>
+      <p:ext uri="{BB962C8B-B14F-4D97-AF65-F5344CB8AC3E}">
+        <p14:creationId xmlns:p14="http://schemas.microsoft.com/office/powerpoint/2010/main" val="1220010618"/>
+      </p:ext>
+    </p:extLst>
+  </p:cSld>
+  <p:clrMapOvr>
+    <a:masterClrMapping/>
+  </p:clrMapOvr>
+  <p:timing>
+    <p:tnLst>
+      <p:par>
+        <p:cTn id="1" dur="indefinite" restart="never" nodeType="tmRoot"/>
+      </p:par>
+    </p:tnLst>
+  </p:timing>
+</p:sld>
+</file>
+
+<file path=ppt/slides/slide2.xml><?xml version="1.0" encoding="utf-8"?>
+<p:sld xmlns:a="http://schemas.openxmlformats.org/drawingml/2006/main" xmlns:r="http://schemas.openxmlformats.org/officeDocument/2006/relationships" xmlns:p="http://schemas.openxmlformats.org/presentationml/2006/main">
+  <p:cSld>
+    <p:spTree>
+      <p:nvGrpSpPr>
+        <p:cNvPr id="1" name=""/>
+        <p:cNvGrpSpPr/>
+        <p:nvPr/>
+      </p:nvGrpSpPr>
+      <p:grpSpPr>
+        <a:xfrm>
+          <a:off x="0" y="0"/>
+          <a:ext cx="0" cy="0"/>
+          <a:chOff x="0" y="0"/>
+          <a:chExt cx="0" cy="0"/>
+        </a:xfrm>
+      </p:grpSpPr>
+      <p:pic>
+        <p:nvPicPr>
+          <p:cNvPr id="30" name="Imagem 29"/>
+          <p:cNvPicPr>
+            <a:picLocks noChangeAspect="1"/>
+          </p:cNvPicPr>
+          <p:nvPr/>
+        </p:nvPicPr>
+        <p:blipFill>
+          <a:blip r:embed="rId2" cstate="print">
+            <a:extLst>
+              <a:ext uri="{28A0092B-C50C-407E-A947-70E740481C1C}">
+                <a14:useLocalDpi xmlns:a14="http://schemas.microsoft.com/office/drawing/2010/main" val="0"/>
+              </a:ext>
+            </a:extLst>
+          </a:blip>
+          <a:stretch>
+            <a:fillRect/>
+          </a:stretch>
+        </p:blipFill>
+        <p:spPr>
+          <a:xfrm>
+            <a:off x="2426056" y="1011905"/>
+            <a:ext cx="2038088" cy="2038088"/>
+          </a:xfrm>
+          <a:prstGeom prst="rect">
+            <a:avLst/>
+          </a:prstGeom>
+        </p:spPr>
+      </p:pic>
+      <p:sp>
+        <p:nvSpPr>
+          <p:cNvPr id="9" name="Seta para a direita listrada 8"/>
+          <p:cNvSpPr/>
+          <p:nvPr/>
+        </p:nvSpPr>
+        <p:spPr>
+          <a:xfrm>
+            <a:off x="9362942" y="2717439"/>
+            <a:ext cx="2266680" cy="1043189"/>
+          </a:xfrm>
+          <a:prstGeom prst="stripedRightArrow">
+            <a:avLst/>
+          </a:prstGeom>
+          <a:solidFill>
+            <a:schemeClr val="accent6"/>
+          </a:solidFill>
+        </p:spPr>
+        <p:style>
+          <a:lnRef idx="2">
+            <a:schemeClr val="accent1">
+              <a:shade val="50000"/>
+            </a:schemeClr>
+          </a:lnRef>
+          <a:fillRef idx="1">
+            <a:schemeClr val="accent1"/>
+          </a:fillRef>
+          <a:effectRef idx="0">
+            <a:schemeClr val="accent1"/>
+          </a:effectRef>
+          <a:fontRef idx="minor">
+            <a:schemeClr val="lt1"/>
+          </a:fontRef>
+        </p:style>
+        <p:txBody>
+          <a:bodyPr rtlCol="0" anchor="ctr"/>
+          <a:lstStyle/>
+          <a:p>
+            <a:pPr algn="ctr"/>
+            <a:endParaRPr lang="pt-BR"/>
+          </a:p>
+        </p:txBody>
+      </p:sp>
+      <p:sp>
+        <p:nvSpPr>
+          <p:cNvPr id="11" name="Seta para a direita listrada 10"/>
+          <p:cNvSpPr/>
+          <p:nvPr/>
+        </p:nvSpPr>
+        <p:spPr>
+          <a:xfrm>
+            <a:off x="4829582" y="2704555"/>
+            <a:ext cx="4533360" cy="1043189"/>
+          </a:xfrm>
+          <a:prstGeom prst="stripedRightArrow">
+            <a:avLst/>
+          </a:prstGeom>
+          <a:solidFill>
+            <a:schemeClr val="accent6"/>
+          </a:solidFill>
+        </p:spPr>
+        <p:style>
+          <a:lnRef idx="2">
+            <a:schemeClr val="accent1">
+              <a:shade val="50000"/>
+            </a:schemeClr>
+          </a:lnRef>
+          <a:fillRef idx="1">
+            <a:schemeClr val="accent1"/>
+          </a:fillRef>
+          <a:effectRef idx="0">
+            <a:schemeClr val="accent1"/>
+          </a:effectRef>
+          <a:fontRef idx="minor">
+            <a:schemeClr val="lt1"/>
+          </a:fontRef>
+        </p:style>
+        <p:txBody>
+          <a:bodyPr rtlCol="0" anchor="ctr"/>
+          <a:lstStyle/>
+          <a:p>
+            <a:pPr algn="ctr"/>
+            <a:endParaRPr lang="pt-BR"/>
+          </a:p>
+        </p:txBody>
+      </p:sp>
+      <p:sp>
+        <p:nvSpPr>
+          <p:cNvPr id="12" name="Seta para a direita listrada 11"/>
+          <p:cNvSpPr/>
+          <p:nvPr/>
+        </p:nvSpPr>
+        <p:spPr>
+          <a:xfrm>
+            <a:off x="2562902" y="2698113"/>
+            <a:ext cx="2266680" cy="1043189"/>
+          </a:xfrm>
+          <a:prstGeom prst="stripedRightArrow">
+            <a:avLst/>
+          </a:prstGeom>
+          <a:solidFill>
+            <a:schemeClr val="accent6"/>
+          </a:solidFill>
+        </p:spPr>
+        <p:style>
+          <a:lnRef idx="2">
+            <a:schemeClr val="accent1">
+              <a:shade val="50000"/>
+            </a:schemeClr>
+          </a:lnRef>
+          <a:fillRef idx="1">
+            <a:schemeClr val="accent1"/>
+          </a:fillRef>
+          <a:effectRef idx="0">
+            <a:schemeClr val="accent1"/>
+          </a:effectRef>
+          <a:fontRef idx="minor">
+            <a:schemeClr val="lt1"/>
+          </a:fontRef>
+        </p:style>
+        <p:txBody>
+          <a:bodyPr rtlCol="0" anchor="ctr"/>
+          <a:lstStyle/>
+          <a:p>
+            <a:pPr algn="ctr"/>
+            <a:endParaRPr lang="pt-BR"/>
+          </a:p>
+        </p:txBody>
+      </p:sp>
+      <p:sp>
+        <p:nvSpPr>
+          <p:cNvPr id="13" name="Seta para a direita listrada 12"/>
+          <p:cNvSpPr/>
+          <p:nvPr/>
+        </p:nvSpPr>
+        <p:spPr>
+          <a:xfrm>
+            <a:off x="296222" y="2698112"/>
+            <a:ext cx="2266680" cy="1043189"/>
+          </a:xfrm>
+          <a:prstGeom prst="stripedRightArrow">
+            <a:avLst/>
+          </a:prstGeom>
+          <a:solidFill>
+            <a:schemeClr val="accent6"/>
+          </a:solidFill>
+        </p:spPr>
+        <p:style>
+          <a:lnRef idx="2">
+            <a:schemeClr val="accent1">
+              <a:shade val="50000"/>
+            </a:schemeClr>
+          </a:lnRef>
+          <a:fillRef idx="1">
+            <a:schemeClr val="accent1"/>
+          </a:fillRef>
+          <a:effectRef idx="0">
+            <a:schemeClr val="accent1"/>
+          </a:effectRef>
+          <a:fontRef idx="minor">
+            <a:schemeClr val="lt1"/>
+          </a:fontRef>
+        </p:style>
+        <p:txBody>
+          <a:bodyPr rtlCol="0" anchor="ctr"/>
+          <a:lstStyle/>
+          <a:p>
+            <a:pPr algn="ctr"/>
+            <a:endParaRPr lang="pt-BR"/>
+          </a:p>
+        </p:txBody>
+      </p:sp>
+      <p:sp>
+        <p:nvSpPr>
+          <p:cNvPr id="14" name="CaixaDeTexto 13"/>
+          <p:cNvSpPr txBox="1"/>
+          <p:nvPr/>
+        </p:nvSpPr>
+        <p:spPr>
+          <a:xfrm>
+            <a:off x="399253" y="567463"/>
+            <a:ext cx="1558336" cy="1200329"/>
+          </a:xfrm>
+          <a:prstGeom prst="rect">
+            <a:avLst/>
+          </a:prstGeom>
+          <a:noFill/>
+        </p:spPr>
+        <p:txBody>
+          <a:bodyPr wrap="square" rtlCol="0">
+            <a:spAutoFit/>
+          </a:bodyPr>
+          <a:lstStyle/>
+          <a:p>
+            <a:r>
+              <a:rPr lang="pt-BR" dirty="0">
+                <a:solidFill>
+                  <a:schemeClr val="bg1"/>
+                </a:solidFill>
+              </a:rPr>
+              <a:t>O jovem sueco Daniel EK e a criação da </a:t>
+            </a:r>
+            <a:r>
+              <a:rPr lang="pt-BR" dirty="0" smtClean="0">
+                <a:solidFill>
+                  <a:schemeClr val="bg1"/>
+                </a:solidFill>
+              </a:rPr>
+              <a:t>Advertigo;</a:t>
+            </a:r>
+            <a:endParaRPr lang="pt-BR" dirty="0">
+              <a:solidFill>
+                <a:schemeClr val="bg1"/>
+              </a:solidFill>
+            </a:endParaRPr>
+          </a:p>
+        </p:txBody>
+      </p:sp>
+      <p:cxnSp>
+        <p:nvCxnSpPr>
+          <p:cNvPr id="16" name="Conector reto 15"/>
+          <p:cNvCxnSpPr/>
+          <p:nvPr/>
+        </p:nvCxnSpPr>
+        <p:spPr>
+          <a:xfrm>
+            <a:off x="1178421" y="1970468"/>
+            <a:ext cx="0" cy="850005"/>
+          </a:xfrm>
+          <a:prstGeom prst="line">
+            <a:avLst/>
+          </a:prstGeom>
+        </p:spPr>
+        <p:style>
+          <a:lnRef idx="1">
+            <a:schemeClr val="accent1"/>
+          </a:lnRef>
+          <a:fillRef idx="0">
+            <a:schemeClr val="accent1"/>
+          </a:fillRef>
+          <a:effectRef idx="0">
+            <a:schemeClr val="accent1"/>
+          </a:effectRef>
+          <a:fontRef idx="minor">
+            <a:schemeClr val="tx1"/>
+          </a:fontRef>
+        </p:style>
+      </p:cxnSp>
+      <p:cxnSp>
+        <p:nvCxnSpPr>
+          <p:cNvPr id="18" name="Conector reto 17"/>
+          <p:cNvCxnSpPr/>
+          <p:nvPr/>
+        </p:nvCxnSpPr>
+        <p:spPr>
+          <a:xfrm>
+            <a:off x="296222" y="1847281"/>
+            <a:ext cx="1764398" cy="0"/>
+          </a:xfrm>
+          <a:prstGeom prst="line">
+            <a:avLst/>
+          </a:prstGeom>
+        </p:spPr>
+        <p:style>
+          <a:lnRef idx="1">
+            <a:schemeClr val="accent1"/>
+          </a:lnRef>
+          <a:fillRef idx="0">
+            <a:schemeClr val="accent1"/>
+          </a:fillRef>
+          <a:effectRef idx="0">
+            <a:schemeClr val="accent1"/>
+          </a:effectRef>
+          <a:fontRef idx="minor">
+            <a:schemeClr val="tx1"/>
+          </a:fontRef>
+        </p:style>
+      </p:cxnSp>
+      <p:sp>
+        <p:nvSpPr>
+          <p:cNvPr id="19" name="CaixaDeTexto 18"/>
+          <p:cNvSpPr txBox="1"/>
+          <p:nvPr/>
+        </p:nvSpPr>
+        <p:spPr>
+          <a:xfrm>
+            <a:off x="457208" y="4592131"/>
+            <a:ext cx="1687132" cy="1477328"/>
+          </a:xfrm>
+          <a:prstGeom prst="rect">
+            <a:avLst/>
+          </a:prstGeom>
+          <a:noFill/>
+        </p:spPr>
+        <p:txBody>
+          <a:bodyPr wrap="square" rtlCol="0">
+            <a:spAutoFit/>
+          </a:bodyPr>
+          <a:lstStyle/>
+          <a:p>
+            <a:r>
+              <a:rPr lang="pt-BR" dirty="0">
+                <a:solidFill>
+                  <a:schemeClr val="bg1"/>
+                </a:solidFill>
+                <a:latin typeface="Arial" panose="020B0604020202020204" pitchFamily="34" charset="0"/>
+                <a:cs typeface="Arial" panose="020B0604020202020204" pitchFamily="34" charset="0"/>
+              </a:rPr>
+              <a:t>Milionário aos 23 anos e a mesma ideia quando era mais jovem</a:t>
+            </a:r>
+            <a:endParaRPr lang="pt-BR" dirty="0"/>
+          </a:p>
+        </p:txBody>
+      </p:sp>
+      <p:cxnSp>
+        <p:nvCxnSpPr>
+          <p:cNvPr id="20" name="Conector reto 19"/>
+          <p:cNvCxnSpPr/>
+          <p:nvPr/>
+        </p:nvCxnSpPr>
+        <p:spPr>
+          <a:xfrm>
+            <a:off x="379942" y="4592131"/>
+            <a:ext cx="1764398" cy="0"/>
+          </a:xfrm>
+          <a:prstGeom prst="line">
+            <a:avLst/>
+          </a:prstGeom>
+        </p:spPr>
+        <p:style>
+          <a:lnRef idx="1">
+            <a:schemeClr val="accent1"/>
+          </a:lnRef>
+          <a:fillRef idx="0">
+            <a:schemeClr val="accent1"/>
+          </a:fillRef>
+          <a:effectRef idx="0">
+            <a:schemeClr val="accent1"/>
+          </a:effectRef>
+          <a:fontRef idx="minor">
+            <a:schemeClr val="tx1"/>
+          </a:fontRef>
+        </p:style>
+      </p:cxnSp>
+      <p:cxnSp>
+        <p:nvCxnSpPr>
+          <p:cNvPr id="21" name="Conector reto 20"/>
+          <p:cNvCxnSpPr/>
+          <p:nvPr/>
+        </p:nvCxnSpPr>
+        <p:spPr>
+          <a:xfrm>
+            <a:off x="1178421" y="3616817"/>
+            <a:ext cx="0" cy="850005"/>
+          </a:xfrm>
+          <a:prstGeom prst="line">
+            <a:avLst/>
+          </a:prstGeom>
+        </p:spPr>
+        <p:style>
+          <a:lnRef idx="1">
+            <a:schemeClr val="accent1"/>
+          </a:lnRef>
+          <a:fillRef idx="0">
+            <a:schemeClr val="accent1"/>
+          </a:fillRef>
+          <a:effectRef idx="0">
+            <a:schemeClr val="accent1"/>
+          </a:effectRef>
+          <a:fontRef idx="minor">
+            <a:schemeClr val="tx1"/>
+          </a:fontRef>
+        </p:style>
+      </p:cxnSp>
+      <p:sp>
+        <p:nvSpPr>
+          <p:cNvPr id="22" name="Retângulo 21"/>
+          <p:cNvSpPr/>
+          <p:nvPr/>
+        </p:nvSpPr>
+        <p:spPr>
+          <a:xfrm>
+            <a:off x="2562902" y="4730630"/>
+            <a:ext cx="2142186" cy="1200329"/>
+          </a:xfrm>
+          <a:prstGeom prst="rect">
+            <a:avLst/>
+          </a:prstGeom>
+        </p:spPr>
+        <p:txBody>
+          <a:bodyPr wrap="square">
+            <a:spAutoFit/>
+          </a:bodyPr>
+          <a:lstStyle/>
+          <a:p>
+            <a:r>
+              <a:rPr lang="pt-BR" dirty="0">
+                <a:solidFill>
+                  <a:schemeClr val="bg1"/>
+                </a:solidFill>
+                <a:latin typeface="Arial" panose="020B0604020202020204" pitchFamily="34" charset="0"/>
+                <a:cs typeface="Arial" panose="020B0604020202020204" pitchFamily="34" charset="0"/>
+              </a:rPr>
+              <a:t>Juntou se com Martin Lorentzon para a criação do SPOTIFY em 2006</a:t>
+            </a:r>
+            <a:endParaRPr lang="pt-BR" dirty="0"/>
+          </a:p>
+        </p:txBody>
+      </p:sp>
+      <p:cxnSp>
+        <p:nvCxnSpPr>
+          <p:cNvPr id="23" name="Conector reto 22"/>
+          <p:cNvCxnSpPr/>
+          <p:nvPr/>
+        </p:nvCxnSpPr>
+        <p:spPr>
+          <a:xfrm>
+            <a:off x="2562902" y="4592131"/>
+            <a:ext cx="1764398" cy="0"/>
+          </a:xfrm>
+          <a:prstGeom prst="line">
+            <a:avLst/>
+          </a:prstGeom>
+        </p:spPr>
+        <p:style>
+          <a:lnRef idx="1">
+            <a:schemeClr val="accent1"/>
+          </a:lnRef>
+          <a:fillRef idx="0">
+            <a:schemeClr val="accent1"/>
+          </a:fillRef>
+          <a:effectRef idx="0">
+            <a:schemeClr val="accent1"/>
+          </a:effectRef>
+          <a:fontRef idx="minor">
+            <a:schemeClr val="tx1"/>
+          </a:fontRef>
+        </p:style>
+      </p:cxnSp>
+      <p:cxnSp>
+        <p:nvCxnSpPr>
+          <p:cNvPr id="24" name="Conector reto 23"/>
+          <p:cNvCxnSpPr/>
+          <p:nvPr/>
+        </p:nvCxnSpPr>
+        <p:spPr>
+          <a:xfrm>
+            <a:off x="3462277" y="3616816"/>
+            <a:ext cx="0" cy="850005"/>
+          </a:xfrm>
+          <a:prstGeom prst="line">
+            <a:avLst/>
+          </a:prstGeom>
+        </p:spPr>
+        <p:style>
+          <a:lnRef idx="1">
+            <a:schemeClr val="accent1"/>
+          </a:lnRef>
+          <a:fillRef idx="0">
+            <a:schemeClr val="accent1"/>
+          </a:fillRef>
+          <a:effectRef idx="0">
+            <a:schemeClr val="accent1"/>
+          </a:effectRef>
+          <a:fontRef idx="minor">
+            <a:schemeClr val="tx1"/>
+          </a:fontRef>
+        </p:style>
+      </p:cxnSp>
+      <p:sp>
+        <p:nvSpPr>
+          <p:cNvPr id="25" name="CaixaDeTexto 24"/>
+          <p:cNvSpPr txBox="1"/>
+          <p:nvPr/>
+        </p:nvSpPr>
+        <p:spPr>
+          <a:xfrm>
+            <a:off x="3101669" y="2603467"/>
+            <a:ext cx="721216" cy="369332"/>
+          </a:xfrm>
+          <a:prstGeom prst="rect">
+            <a:avLst/>
+          </a:prstGeom>
+          <a:noFill/>
+        </p:spPr>
+        <p:txBody>
+          <a:bodyPr wrap="square" rtlCol="0">
+            <a:spAutoFit/>
+          </a:bodyPr>
+          <a:lstStyle/>
+          <a:p>
+            <a:r>
+              <a:rPr lang="pt-BR" dirty="0" smtClean="0">
+                <a:solidFill>
+                  <a:schemeClr val="bg1"/>
+                </a:solidFill>
+              </a:rPr>
+              <a:t>2006</a:t>
+            </a:r>
+            <a:endParaRPr lang="pt-BR" dirty="0">
+              <a:solidFill>
+                <a:schemeClr val="bg1"/>
+              </a:solidFill>
+            </a:endParaRPr>
+          </a:p>
+        </p:txBody>
+      </p:sp>
+      <p:sp>
+        <p:nvSpPr>
+          <p:cNvPr id="26" name="Retângulo 25"/>
+          <p:cNvSpPr/>
+          <p:nvPr/>
+        </p:nvSpPr>
+        <p:spPr>
+          <a:xfrm>
+            <a:off x="4829581" y="680095"/>
+            <a:ext cx="2158791" cy="923330"/>
+          </a:xfrm>
+          <a:prstGeom prst="rect">
+            <a:avLst/>
+          </a:prstGeom>
+        </p:spPr>
+        <p:txBody>
+          <a:bodyPr wrap="square">
+            <a:spAutoFit/>
+          </a:bodyPr>
+          <a:lstStyle/>
+          <a:p>
+            <a:r>
+              <a:rPr lang="pt-BR" dirty="0">
+                <a:solidFill>
+                  <a:schemeClr val="bg1"/>
+                </a:solidFill>
+                <a:latin typeface="Arial" panose="020B0604020202020204" pitchFamily="34" charset="0"/>
+                <a:cs typeface="Arial" panose="020B0604020202020204" pitchFamily="34" charset="0"/>
+              </a:rPr>
+              <a:t>Lançamento oficial: 7 de Outubro de 2008</a:t>
+            </a:r>
+            <a:endParaRPr lang="pt-BR" dirty="0"/>
+          </a:p>
+        </p:txBody>
+      </p:sp>
+      <p:cxnSp>
+        <p:nvCxnSpPr>
+          <p:cNvPr id="27" name="Conector reto 26"/>
+          <p:cNvCxnSpPr/>
+          <p:nvPr/>
+        </p:nvCxnSpPr>
+        <p:spPr>
+          <a:xfrm>
+            <a:off x="4983469" y="1847281"/>
+            <a:ext cx="3962676" cy="0"/>
+          </a:xfrm>
+          <a:prstGeom prst="line">
+            <a:avLst/>
+          </a:prstGeom>
+        </p:spPr>
+        <p:style>
+          <a:lnRef idx="1">
+            <a:schemeClr val="accent1"/>
+          </a:lnRef>
+          <a:fillRef idx="0">
+            <a:schemeClr val="accent1"/>
+          </a:fillRef>
+          <a:effectRef idx="0">
+            <a:schemeClr val="accent1"/>
+          </a:effectRef>
+          <a:fontRef idx="minor">
+            <a:schemeClr val="tx1"/>
+          </a:fontRef>
+        </p:style>
+      </p:cxnSp>
+      <p:cxnSp>
+        <p:nvCxnSpPr>
+          <p:cNvPr id="28" name="Conector reto 27"/>
+          <p:cNvCxnSpPr/>
+          <p:nvPr/>
+        </p:nvCxnSpPr>
+        <p:spPr>
+          <a:xfrm>
+            <a:off x="5774033" y="1970468"/>
+            <a:ext cx="0" cy="850005"/>
+          </a:xfrm>
+          <a:prstGeom prst="line">
+            <a:avLst/>
+          </a:prstGeom>
+        </p:spPr>
+        <p:style>
+          <a:lnRef idx="1">
+            <a:schemeClr val="accent1"/>
+          </a:lnRef>
+          <a:fillRef idx="0">
+            <a:schemeClr val="accent1"/>
+          </a:fillRef>
+          <a:effectRef idx="0">
+            <a:schemeClr val="accent1"/>
+          </a:effectRef>
+          <a:fontRef idx="minor">
+            <a:schemeClr val="tx1"/>
+          </a:fontRef>
+        </p:style>
+      </p:cxnSp>
+      <p:pic>
+        <p:nvPicPr>
+          <p:cNvPr id="29" name="Imagem 28"/>
+          <p:cNvPicPr>
+            <a:picLocks noChangeAspect="1"/>
+          </p:cNvPicPr>
+          <p:nvPr/>
+        </p:nvPicPr>
+        <p:blipFill>
+          <a:blip r:embed="rId3">
+            <a:extLst>
+              <a:ext uri="{28A0092B-C50C-407E-A947-70E740481C1C}">
+                <a14:useLocalDpi xmlns:a14="http://schemas.microsoft.com/office/drawing/2010/main" val="0"/>
+              </a:ext>
+            </a:extLst>
+          </a:blip>
+          <a:stretch>
+            <a:fillRect/>
+          </a:stretch>
+        </p:blipFill>
+        <p:spPr>
+          <a:xfrm>
+            <a:off x="2430547" y="494091"/>
+            <a:ext cx="2029108" cy="1076475"/>
+          </a:xfrm>
+          <a:prstGeom prst="rect">
+            <a:avLst/>
+          </a:prstGeom>
+        </p:spPr>
+      </p:pic>
+      <p:sp>
+        <p:nvSpPr>
+          <p:cNvPr id="31" name="Retângulo 30"/>
+          <p:cNvSpPr/>
+          <p:nvPr/>
+        </p:nvSpPr>
+        <p:spPr>
+          <a:xfrm>
+            <a:off x="5026778" y="4730630"/>
+            <a:ext cx="1677780" cy="923330"/>
+          </a:xfrm>
+          <a:prstGeom prst="rect">
+            <a:avLst/>
+          </a:prstGeom>
+        </p:spPr>
+        <p:txBody>
+          <a:bodyPr wrap="square">
+            <a:spAutoFit/>
+          </a:bodyPr>
+          <a:lstStyle/>
+          <a:p>
+            <a:r>
+              <a:rPr lang="pt-BR" dirty="0">
+                <a:solidFill>
+                  <a:schemeClr val="bg1"/>
+                </a:solidFill>
+                <a:latin typeface="Arial" panose="020B0604020202020204" pitchFamily="34" charset="0"/>
+                <a:cs typeface="Arial" panose="020B0604020202020204" pitchFamily="34" charset="0"/>
+              </a:rPr>
+              <a:t>Um aplicativo com um diferencial</a:t>
+            </a:r>
+            <a:endParaRPr lang="pt-BR" dirty="0"/>
+          </a:p>
+        </p:txBody>
+      </p:sp>
+      <p:cxnSp>
+        <p:nvCxnSpPr>
+          <p:cNvPr id="33" name="Conector reto 32"/>
+          <p:cNvCxnSpPr/>
+          <p:nvPr/>
+        </p:nvCxnSpPr>
+        <p:spPr>
+          <a:xfrm>
+            <a:off x="5774033" y="3616816"/>
+            <a:ext cx="0" cy="850005"/>
+          </a:xfrm>
+          <a:prstGeom prst="line">
+            <a:avLst/>
+          </a:prstGeom>
+        </p:spPr>
+        <p:style>
+          <a:lnRef idx="1">
+            <a:schemeClr val="accent1"/>
+          </a:lnRef>
+          <a:fillRef idx="0">
+            <a:schemeClr val="accent1"/>
+          </a:fillRef>
+          <a:effectRef idx="0">
+            <a:schemeClr val="accent1"/>
+          </a:effectRef>
+          <a:fontRef idx="minor">
+            <a:schemeClr val="tx1"/>
+          </a:fontRef>
+        </p:style>
+      </p:cxnSp>
+      <p:sp>
+        <p:nvSpPr>
+          <p:cNvPr id="34" name="Retângulo 33"/>
+          <p:cNvSpPr/>
+          <p:nvPr/>
+        </p:nvSpPr>
+        <p:spPr>
+          <a:xfrm>
+            <a:off x="6378186" y="2635807"/>
+            <a:ext cx="652743" cy="369332"/>
+          </a:xfrm>
+          <a:prstGeom prst="rect">
+            <a:avLst/>
+          </a:prstGeom>
+        </p:spPr>
+        <p:txBody>
+          <a:bodyPr wrap="none">
+            <a:spAutoFit/>
+          </a:bodyPr>
+          <a:lstStyle/>
+          <a:p>
+            <a:r>
+              <a:rPr lang="pt-BR" dirty="0" smtClean="0">
+                <a:solidFill>
+                  <a:schemeClr val="bg1"/>
+                </a:solidFill>
+              </a:rPr>
+              <a:t>2008</a:t>
+            </a:r>
+            <a:endParaRPr lang="pt-BR" dirty="0">
+              <a:solidFill>
+                <a:schemeClr val="bg1"/>
+              </a:solidFill>
+            </a:endParaRPr>
+          </a:p>
+        </p:txBody>
+      </p:sp>
+      <p:sp>
+        <p:nvSpPr>
+          <p:cNvPr id="35" name="Retângulo 34"/>
+          <p:cNvSpPr/>
+          <p:nvPr/>
+        </p:nvSpPr>
+        <p:spPr>
+          <a:xfrm>
+            <a:off x="7030929" y="541595"/>
+            <a:ext cx="2266680" cy="1200329"/>
+          </a:xfrm>
+          <a:prstGeom prst="rect">
+            <a:avLst/>
+          </a:prstGeom>
+        </p:spPr>
+        <p:txBody>
+          <a:bodyPr wrap="square">
+            <a:spAutoFit/>
+          </a:bodyPr>
+          <a:lstStyle/>
+          <a:p>
+            <a:r>
+              <a:rPr lang="pt-BR" dirty="0">
+                <a:solidFill>
+                  <a:schemeClr val="bg1"/>
+                </a:solidFill>
+                <a:latin typeface="Arial" panose="020B0604020202020204" pitchFamily="34" charset="0"/>
+                <a:cs typeface="Arial" panose="020B0604020202020204" pitchFamily="34" charset="0"/>
+              </a:rPr>
+              <a:t>2 anos de negociações com as gravadoras e os artistas</a:t>
+            </a:r>
+            <a:endParaRPr lang="pt-BR" dirty="0"/>
+          </a:p>
+        </p:txBody>
+      </p:sp>
+      <p:cxnSp>
+        <p:nvCxnSpPr>
+          <p:cNvPr id="37" name="Conector reto 36"/>
+          <p:cNvCxnSpPr/>
+          <p:nvPr/>
+        </p:nvCxnSpPr>
+        <p:spPr>
+          <a:xfrm>
+            <a:off x="7948416" y="1970468"/>
+            <a:ext cx="0" cy="850005"/>
+          </a:xfrm>
+          <a:prstGeom prst="line">
+            <a:avLst/>
+          </a:prstGeom>
+        </p:spPr>
+        <p:style>
+          <a:lnRef idx="1">
+            <a:schemeClr val="accent1"/>
+          </a:lnRef>
+          <a:fillRef idx="0">
+            <a:schemeClr val="accent1"/>
+          </a:fillRef>
+          <a:effectRef idx="0">
+            <a:schemeClr val="accent1"/>
+          </a:effectRef>
+          <a:fontRef idx="minor">
+            <a:schemeClr val="tx1"/>
+          </a:fontRef>
+        </p:style>
+      </p:cxnSp>
+      <p:sp>
+        <p:nvSpPr>
+          <p:cNvPr id="38" name="Retângulo 37"/>
+          <p:cNvSpPr/>
+          <p:nvPr/>
+        </p:nvSpPr>
+        <p:spPr>
+          <a:xfrm>
+            <a:off x="6935513" y="4701580"/>
+            <a:ext cx="2025805" cy="1477328"/>
+          </a:xfrm>
+          <a:prstGeom prst="rect">
+            <a:avLst/>
+          </a:prstGeom>
+        </p:spPr>
+        <p:txBody>
+          <a:bodyPr wrap="square">
+            <a:spAutoFit/>
+          </a:bodyPr>
+          <a:lstStyle/>
+          <a:p>
+            <a:pPr marL="285750" indent="-285750">
+              <a:buFont typeface="Arial" panose="020B0604020202020204" pitchFamily="34" charset="0"/>
+              <a:buChar char="•"/>
+            </a:pPr>
+            <a:r>
+              <a:rPr lang="pt-BR" dirty="0" smtClean="0">
+                <a:solidFill>
+                  <a:schemeClr val="bg1"/>
+                </a:solidFill>
+                <a:latin typeface="Arial" panose="020B0604020202020204" pitchFamily="34" charset="0"/>
+                <a:cs typeface="Arial" panose="020B0604020202020204" pitchFamily="34" charset="0"/>
+              </a:rPr>
+              <a:t>Suécia</a:t>
+            </a:r>
+          </a:p>
+          <a:p>
+            <a:pPr marL="285750" indent="-285750">
+              <a:buFont typeface="Arial" panose="020B0604020202020204" pitchFamily="34" charset="0"/>
+              <a:buChar char="•"/>
+            </a:pPr>
+            <a:r>
+              <a:rPr lang="pt-BR" dirty="0" smtClean="0">
+                <a:solidFill>
+                  <a:schemeClr val="bg1"/>
+                </a:solidFill>
+                <a:latin typeface="Arial" panose="020B0604020202020204" pitchFamily="34" charset="0"/>
+                <a:cs typeface="Arial" panose="020B0604020202020204" pitchFamily="34" charset="0"/>
+              </a:rPr>
+              <a:t>Finlândia</a:t>
+            </a:r>
+          </a:p>
+          <a:p>
+            <a:pPr marL="285750" indent="-285750">
+              <a:buFont typeface="Arial" panose="020B0604020202020204" pitchFamily="34" charset="0"/>
+              <a:buChar char="•"/>
+            </a:pPr>
+            <a:r>
+              <a:rPr lang="pt-BR" dirty="0" smtClean="0">
+                <a:solidFill>
+                  <a:schemeClr val="bg1"/>
+                </a:solidFill>
+                <a:latin typeface="Arial" panose="020B0604020202020204" pitchFamily="34" charset="0"/>
+                <a:cs typeface="Arial" panose="020B0604020202020204" pitchFamily="34" charset="0"/>
+              </a:rPr>
+              <a:t>Noruega</a:t>
+            </a:r>
+            <a:br>
+              <a:rPr lang="pt-BR" dirty="0" smtClean="0">
+                <a:solidFill>
+                  <a:schemeClr val="bg1"/>
+                </a:solidFill>
+                <a:latin typeface="Arial" panose="020B0604020202020204" pitchFamily="34" charset="0"/>
+                <a:cs typeface="Arial" panose="020B0604020202020204" pitchFamily="34" charset="0"/>
+              </a:rPr>
+            </a:br>
+            <a:r>
+              <a:rPr lang="pt-BR" dirty="0" smtClean="0">
+                <a:solidFill>
+                  <a:schemeClr val="bg1"/>
+                </a:solidFill>
+                <a:latin typeface="Arial" panose="020B0604020202020204" pitchFamily="34" charset="0"/>
+                <a:cs typeface="Arial" panose="020B0604020202020204" pitchFamily="34" charset="0"/>
+              </a:rPr>
+              <a:t>Reino Unido </a:t>
+            </a:r>
+          </a:p>
+          <a:p>
+            <a:pPr marL="285750" indent="-285750">
+              <a:buFont typeface="Arial" panose="020B0604020202020204" pitchFamily="34" charset="0"/>
+              <a:buChar char="•"/>
+            </a:pPr>
+            <a:r>
+              <a:rPr lang="pt-BR" dirty="0" smtClean="0">
+                <a:solidFill>
+                  <a:schemeClr val="bg1"/>
+                </a:solidFill>
+                <a:latin typeface="Arial" panose="020B0604020202020204" pitchFamily="34" charset="0"/>
+                <a:cs typeface="Arial" panose="020B0604020202020204" pitchFamily="34" charset="0"/>
+              </a:rPr>
+              <a:t>Espanha</a:t>
+            </a:r>
+            <a:endParaRPr lang="pt-BR" dirty="0"/>
+          </a:p>
+        </p:txBody>
+      </p:sp>
+      <p:cxnSp>
+        <p:nvCxnSpPr>
+          <p:cNvPr id="41" name="Conector reto 40"/>
+          <p:cNvCxnSpPr/>
+          <p:nvPr/>
+        </p:nvCxnSpPr>
+        <p:spPr>
+          <a:xfrm>
+            <a:off x="5114924" y="4556950"/>
+            <a:ext cx="3962676" cy="0"/>
+          </a:xfrm>
+          <a:prstGeom prst="line">
+            <a:avLst/>
+          </a:prstGeom>
+        </p:spPr>
+        <p:style>
+          <a:lnRef idx="1">
+            <a:schemeClr val="accent1"/>
+          </a:lnRef>
+          <a:fillRef idx="0">
+            <a:schemeClr val="accent1"/>
+          </a:fillRef>
+          <a:effectRef idx="0">
+            <a:schemeClr val="accent1"/>
+          </a:effectRef>
+          <a:fontRef idx="minor">
+            <a:schemeClr val="tx1"/>
+          </a:fontRef>
+        </p:style>
+      </p:cxnSp>
+      <p:cxnSp>
+        <p:nvCxnSpPr>
+          <p:cNvPr id="42" name="Conector reto 41"/>
+          <p:cNvCxnSpPr/>
+          <p:nvPr/>
+        </p:nvCxnSpPr>
+        <p:spPr>
+          <a:xfrm>
+            <a:off x="7948415" y="3616815"/>
+            <a:ext cx="0" cy="850005"/>
+          </a:xfrm>
+          <a:prstGeom prst="line">
+            <a:avLst/>
+          </a:prstGeom>
+        </p:spPr>
+        <p:style>
+          <a:lnRef idx="1">
+            <a:schemeClr val="accent1"/>
+          </a:lnRef>
+          <a:fillRef idx="0">
+            <a:schemeClr val="accent1"/>
+          </a:fillRef>
+          <a:effectRef idx="0">
+            <a:schemeClr val="accent1"/>
+          </a:effectRef>
+          <a:fontRef idx="minor">
+            <a:schemeClr val="tx1"/>
+          </a:fontRef>
+        </p:style>
+      </p:cxnSp>
+      <p:sp>
+        <p:nvSpPr>
+          <p:cNvPr id="43" name="Retângulo 42"/>
+          <p:cNvSpPr/>
+          <p:nvPr/>
+        </p:nvSpPr>
+        <p:spPr>
+          <a:xfrm>
+            <a:off x="9671637" y="677610"/>
+            <a:ext cx="1700409" cy="923330"/>
+          </a:xfrm>
+          <a:prstGeom prst="rect">
+            <a:avLst/>
+          </a:prstGeom>
+        </p:spPr>
+        <p:txBody>
+          <a:bodyPr wrap="square">
+            <a:spAutoFit/>
+          </a:bodyPr>
+          <a:lstStyle/>
+          <a:p>
+            <a:r>
+              <a:rPr lang="pt-BR" dirty="0" smtClean="0">
+                <a:solidFill>
+                  <a:schemeClr val="bg1"/>
+                </a:solidFill>
+                <a:latin typeface="Arial" panose="020B0604020202020204" pitchFamily="34" charset="0"/>
+                <a:cs typeface="Arial" panose="020B0604020202020204" pitchFamily="34" charset="0"/>
+              </a:rPr>
+              <a:t>Parceria </a:t>
+            </a:r>
+            <a:r>
+              <a:rPr lang="pt-BR" dirty="0">
+                <a:solidFill>
+                  <a:schemeClr val="bg1"/>
+                </a:solidFill>
+                <a:latin typeface="Arial" panose="020B0604020202020204" pitchFamily="34" charset="0"/>
+                <a:cs typeface="Arial" panose="020B0604020202020204" pitchFamily="34" charset="0"/>
+              </a:rPr>
+              <a:t>com a Universal Music</a:t>
+            </a:r>
+            <a:endParaRPr lang="pt-BR" dirty="0"/>
+          </a:p>
+        </p:txBody>
+      </p:sp>
+      <p:cxnSp>
+        <p:nvCxnSpPr>
+          <p:cNvPr id="44" name="Conector reto 43"/>
+          <p:cNvCxnSpPr/>
+          <p:nvPr/>
+        </p:nvCxnSpPr>
+        <p:spPr>
+          <a:xfrm>
+            <a:off x="9614083" y="1847281"/>
+            <a:ext cx="1764398" cy="0"/>
+          </a:xfrm>
+          <a:prstGeom prst="line">
+            <a:avLst/>
+          </a:prstGeom>
+        </p:spPr>
+        <p:style>
+          <a:lnRef idx="1">
+            <a:schemeClr val="accent1"/>
+          </a:lnRef>
+          <a:fillRef idx="0">
+            <a:schemeClr val="accent1"/>
+          </a:fillRef>
+          <a:effectRef idx="0">
+            <a:schemeClr val="accent1"/>
+          </a:effectRef>
+          <a:fontRef idx="minor">
+            <a:schemeClr val="tx1"/>
+          </a:fontRef>
+        </p:style>
+      </p:cxnSp>
+      <p:cxnSp>
+        <p:nvCxnSpPr>
+          <p:cNvPr id="45" name="Conector reto 44"/>
+          <p:cNvCxnSpPr/>
+          <p:nvPr/>
+        </p:nvCxnSpPr>
+        <p:spPr>
+          <a:xfrm>
+            <a:off x="10496282" y="2030949"/>
+            <a:ext cx="0" cy="850005"/>
+          </a:xfrm>
+          <a:prstGeom prst="line">
+            <a:avLst/>
+          </a:prstGeom>
+        </p:spPr>
+        <p:style>
+          <a:lnRef idx="1">
+            <a:schemeClr val="accent1"/>
+          </a:lnRef>
+          <a:fillRef idx="0">
+            <a:schemeClr val="accent1"/>
+          </a:fillRef>
+          <a:effectRef idx="0">
+            <a:schemeClr val="accent1"/>
+          </a:effectRef>
+          <a:fontRef idx="minor">
+            <a:schemeClr val="tx1"/>
+          </a:fontRef>
+        </p:style>
+      </p:cxnSp>
+      <p:sp>
+        <p:nvSpPr>
+          <p:cNvPr id="46" name="Retângulo 45"/>
+          <p:cNvSpPr/>
+          <p:nvPr/>
+        </p:nvSpPr>
+        <p:spPr>
+          <a:xfrm>
+            <a:off x="9796427" y="2603467"/>
+            <a:ext cx="652743" cy="369332"/>
+          </a:xfrm>
+          <a:prstGeom prst="rect">
+            <a:avLst/>
+          </a:prstGeom>
+        </p:spPr>
+        <p:txBody>
+          <a:bodyPr wrap="none">
+            <a:spAutoFit/>
+          </a:bodyPr>
+          <a:lstStyle/>
+          <a:p>
+            <a:r>
+              <a:rPr lang="pt-BR" dirty="0" smtClean="0">
+                <a:solidFill>
+                  <a:schemeClr val="bg1"/>
+                </a:solidFill>
+              </a:rPr>
+              <a:t>2009</a:t>
+            </a:r>
+            <a:endParaRPr lang="pt-BR" dirty="0"/>
+          </a:p>
+        </p:txBody>
+      </p:sp>
+      <p:pic>
+        <p:nvPicPr>
+          <p:cNvPr id="48" name="Imagem 47"/>
+          <p:cNvPicPr>
+            <a:picLocks noChangeAspect="1"/>
+          </p:cNvPicPr>
+          <p:nvPr/>
+        </p:nvPicPr>
+        <p:blipFill>
+          <a:blip r:embed="rId4">
+            <a:extLst>
+              <a:ext uri="{28A0092B-C50C-407E-A947-70E740481C1C}">
+                <a14:useLocalDpi xmlns:a14="http://schemas.microsoft.com/office/drawing/2010/main" val="0"/>
+              </a:ext>
+            </a:extLst>
+          </a:blip>
+          <a:stretch>
+            <a:fillRect/>
+          </a:stretch>
+        </p:blipFill>
+        <p:spPr>
+          <a:xfrm>
+            <a:off x="8871389" y="3915346"/>
+            <a:ext cx="3155562" cy="1746829"/>
+          </a:xfrm>
+          <a:prstGeom prst="rect">
+            <a:avLst/>
+          </a:prstGeom>
+        </p:spPr>
+      </p:pic>
+      <p:pic>
+        <p:nvPicPr>
+          <p:cNvPr id="50" name="Imagem 49"/>
+          <p:cNvPicPr>
+            <a:picLocks noChangeAspect="1"/>
+          </p:cNvPicPr>
+          <p:nvPr/>
+        </p:nvPicPr>
+        <p:blipFill>
+          <a:blip r:embed="rId5" cstate="print">
+            <a:extLst>
+              <a:ext uri="{28A0092B-C50C-407E-A947-70E740481C1C}">
+                <a14:useLocalDpi xmlns:a14="http://schemas.microsoft.com/office/drawing/2010/main" val="0"/>
+              </a:ext>
+            </a:extLst>
+          </a:blip>
+          <a:stretch>
+            <a:fillRect/>
+          </a:stretch>
+        </p:blipFill>
+        <p:spPr>
+          <a:xfrm>
+            <a:off x="9496261" y="6031831"/>
+            <a:ext cx="2695739" cy="810339"/>
+          </a:xfrm>
+          <a:prstGeom prst="rect">
+            <a:avLst/>
+          </a:prstGeom>
+        </p:spPr>
+      </p:pic>
+    </p:spTree>
+    <p:extLst>
+      <p:ext uri="{BB962C8B-B14F-4D97-AF65-F5344CB8AC3E}">
+        <p14:creationId xmlns:p14="http://schemas.microsoft.com/office/powerpoint/2010/main" val="1644567351"/>
+      </p:ext>
+    </p:extLst>
+  </p:cSld>
+  <p:clrMapOvr>
+    <a:masterClrMapping/>
+  </p:clrMapOvr>
+  <p:timing>
+    <p:tnLst>
+      <p:par>
+        <p:cTn id="1" dur="indefinite" restart="never" nodeType="tmRoot"/>
+      </p:par>
+    </p:tnLst>
+  </p:timing>
+</p:sld>
+</file>
+
+<file path=ppt/slides/slide3.xml><?xml version="1.0" encoding="utf-8"?>
+<p:sld xmlns:a="http://schemas.openxmlformats.org/drawingml/2006/main" xmlns:r="http://schemas.openxmlformats.org/officeDocument/2006/relationships" xmlns:p="http://schemas.openxmlformats.org/presentationml/2006/main">
+  <p:cSld>
+    <p:spTree>
+      <p:nvGrpSpPr>
+        <p:cNvPr id="1" name=""/>
+        <p:cNvGrpSpPr/>
+        <p:nvPr/>
+      </p:nvGrpSpPr>
+      <p:grpSpPr>
+        <a:xfrm>
+          <a:off x="0" y="0"/>
+          <a:ext cx="0" cy="0"/>
+          <a:chOff x="0" y="0"/>
+          <a:chExt cx="0" cy="0"/>
+        </a:xfrm>
+      </p:grpSpPr>
+      <p:sp>
+        <p:nvSpPr>
+          <p:cNvPr id="5" name="Seta para a direita listrada 4"/>
+          <p:cNvSpPr/>
+          <p:nvPr/>
+        </p:nvSpPr>
+        <p:spPr>
+          <a:xfrm>
+            <a:off x="9461676" y="2713088"/>
+            <a:ext cx="2266680" cy="1043189"/>
+          </a:xfrm>
+          <a:prstGeom prst="stripedRightArrow">
+            <a:avLst/>
+          </a:prstGeom>
+          <a:solidFill>
+            <a:schemeClr val="accent6"/>
+          </a:solidFill>
+        </p:spPr>
+        <p:style>
+          <a:lnRef idx="2">
+            <a:schemeClr val="accent1">
+              <a:shade val="50000"/>
+            </a:schemeClr>
+          </a:lnRef>
+          <a:fillRef idx="1">
+            <a:schemeClr val="accent1"/>
+          </a:fillRef>
+          <a:effectRef idx="0">
+            <a:schemeClr val="accent1"/>
+          </a:effectRef>
+          <a:fontRef idx="minor">
+            <a:schemeClr val="lt1"/>
+          </a:fontRef>
+        </p:style>
+        <p:txBody>
+          <a:bodyPr rtlCol="0" anchor="ctr"/>
+          <a:lstStyle/>
+          <a:p>
+            <a:pPr algn="ctr"/>
+            <a:endParaRPr lang="pt-BR"/>
+          </a:p>
+        </p:txBody>
+      </p:sp>
+      <p:sp>
+        <p:nvSpPr>
+          <p:cNvPr id="7" name="Seta para a direita listrada 6"/>
+          <p:cNvSpPr/>
+          <p:nvPr/>
+        </p:nvSpPr>
+        <p:spPr>
+          <a:xfrm>
+            <a:off x="2562902" y="2698113"/>
+            <a:ext cx="2266680" cy="1043189"/>
+          </a:xfrm>
+          <a:prstGeom prst="stripedRightArrow">
+            <a:avLst/>
+          </a:prstGeom>
+          <a:solidFill>
+            <a:schemeClr val="accent6"/>
+          </a:solidFill>
+        </p:spPr>
+        <p:style>
+          <a:lnRef idx="2">
+            <a:schemeClr val="accent1">
+              <a:shade val="50000"/>
+            </a:schemeClr>
+          </a:lnRef>
+          <a:fillRef idx="1">
+            <a:schemeClr val="accent1"/>
+          </a:fillRef>
+          <a:effectRef idx="0">
+            <a:schemeClr val="accent1"/>
+          </a:effectRef>
+          <a:fontRef idx="minor">
+            <a:schemeClr val="lt1"/>
+          </a:fontRef>
+        </p:style>
+        <p:txBody>
+          <a:bodyPr rtlCol="0" anchor="ctr"/>
+          <a:lstStyle/>
+          <a:p>
+            <a:pPr algn="ctr"/>
+            <a:endParaRPr lang="pt-BR"/>
+          </a:p>
+        </p:txBody>
+      </p:sp>
+      <p:sp>
+        <p:nvSpPr>
+          <p:cNvPr id="8" name="Seta para a direita listrada 7"/>
+          <p:cNvSpPr/>
+          <p:nvPr/>
+        </p:nvSpPr>
+        <p:spPr>
+          <a:xfrm>
+            <a:off x="296222" y="2698112"/>
+            <a:ext cx="2266680" cy="1043189"/>
+          </a:xfrm>
+          <a:prstGeom prst="stripedRightArrow">
+            <a:avLst/>
+          </a:prstGeom>
+          <a:solidFill>
+            <a:schemeClr val="accent6"/>
+          </a:solidFill>
+        </p:spPr>
+        <p:style>
+          <a:lnRef idx="2">
+            <a:schemeClr val="accent1">
+              <a:shade val="50000"/>
+            </a:schemeClr>
+          </a:lnRef>
+          <a:fillRef idx="1">
+            <a:schemeClr val="accent1"/>
+          </a:fillRef>
+          <a:effectRef idx="0">
+            <a:schemeClr val="accent1"/>
+          </a:effectRef>
+          <a:fontRef idx="minor">
+            <a:schemeClr val="lt1"/>
+          </a:fontRef>
+        </p:style>
+        <p:txBody>
+          <a:bodyPr rtlCol="0" anchor="ctr"/>
+          <a:lstStyle/>
+          <a:p>
+            <a:pPr algn="ctr"/>
+            <a:endParaRPr lang="pt-BR"/>
+          </a:p>
+        </p:txBody>
+      </p:sp>
+      <p:cxnSp>
+        <p:nvCxnSpPr>
+          <p:cNvPr id="10" name="Conector reto 9"/>
+          <p:cNvCxnSpPr/>
+          <p:nvPr/>
+        </p:nvCxnSpPr>
+        <p:spPr>
+          <a:xfrm>
+            <a:off x="1178421" y="1970468"/>
+            <a:ext cx="0" cy="850005"/>
+          </a:xfrm>
+          <a:prstGeom prst="line">
+            <a:avLst/>
+          </a:prstGeom>
+        </p:spPr>
+        <p:style>
+          <a:lnRef idx="1">
+            <a:schemeClr val="accent1"/>
+          </a:lnRef>
+          <a:fillRef idx="0">
+            <a:schemeClr val="accent1"/>
+          </a:fillRef>
+          <a:effectRef idx="0">
+            <a:schemeClr val="accent1"/>
+          </a:effectRef>
+          <a:fontRef idx="minor">
+            <a:schemeClr val="tx1"/>
+          </a:fontRef>
+        </p:style>
+      </p:cxnSp>
+      <p:cxnSp>
+        <p:nvCxnSpPr>
+          <p:cNvPr id="11" name="Conector reto 10"/>
+          <p:cNvCxnSpPr/>
+          <p:nvPr/>
+        </p:nvCxnSpPr>
+        <p:spPr>
+          <a:xfrm>
+            <a:off x="296222" y="1847281"/>
+            <a:ext cx="1764398" cy="0"/>
+          </a:xfrm>
+          <a:prstGeom prst="line">
+            <a:avLst/>
+          </a:prstGeom>
+        </p:spPr>
+        <p:style>
+          <a:lnRef idx="1">
+            <a:schemeClr val="accent1"/>
+          </a:lnRef>
+          <a:fillRef idx="0">
+            <a:schemeClr val="accent1"/>
+          </a:fillRef>
+          <a:effectRef idx="0">
+            <a:schemeClr val="accent1"/>
+          </a:effectRef>
+          <a:fontRef idx="minor">
+            <a:schemeClr val="tx1"/>
+          </a:fontRef>
+        </p:style>
+      </p:cxnSp>
+      <p:cxnSp>
+        <p:nvCxnSpPr>
+          <p:cNvPr id="16" name="Conector reto 15"/>
+          <p:cNvCxnSpPr/>
+          <p:nvPr/>
+        </p:nvCxnSpPr>
+        <p:spPr>
+          <a:xfrm>
+            <a:off x="2562902" y="4592131"/>
+            <a:ext cx="1764398" cy="0"/>
+          </a:xfrm>
+          <a:prstGeom prst="line">
+            <a:avLst/>
+          </a:prstGeom>
+        </p:spPr>
+        <p:style>
+          <a:lnRef idx="1">
+            <a:schemeClr val="accent1"/>
+          </a:lnRef>
+          <a:fillRef idx="0">
+            <a:schemeClr val="accent1"/>
+          </a:fillRef>
+          <a:effectRef idx="0">
+            <a:schemeClr val="accent1"/>
+          </a:effectRef>
+          <a:fontRef idx="minor">
+            <a:schemeClr val="tx1"/>
+          </a:fontRef>
+        </p:style>
+      </p:cxnSp>
+      <p:cxnSp>
+        <p:nvCxnSpPr>
+          <p:cNvPr id="17" name="Conector reto 16"/>
+          <p:cNvCxnSpPr/>
+          <p:nvPr/>
+        </p:nvCxnSpPr>
+        <p:spPr>
+          <a:xfrm>
+            <a:off x="3462277" y="3616816"/>
+            <a:ext cx="0" cy="850005"/>
+          </a:xfrm>
+          <a:prstGeom prst="line">
+            <a:avLst/>
+          </a:prstGeom>
+        </p:spPr>
+        <p:style>
+          <a:lnRef idx="1">
+            <a:schemeClr val="accent1"/>
+          </a:lnRef>
+          <a:fillRef idx="0">
+            <a:schemeClr val="accent1"/>
+          </a:fillRef>
+          <a:effectRef idx="0">
+            <a:schemeClr val="accent1"/>
+          </a:effectRef>
+          <a:fontRef idx="minor">
+            <a:schemeClr val="tx1"/>
+          </a:fontRef>
+        </p:style>
+      </p:cxnSp>
+      <p:cxnSp>
+        <p:nvCxnSpPr>
+          <p:cNvPr id="21" name="Conector reto 20"/>
+          <p:cNvCxnSpPr/>
+          <p:nvPr/>
+        </p:nvCxnSpPr>
+        <p:spPr>
+          <a:xfrm>
+            <a:off x="5774033" y="1970468"/>
+            <a:ext cx="0" cy="850005"/>
+          </a:xfrm>
+          <a:prstGeom prst="line">
+            <a:avLst/>
+          </a:prstGeom>
+        </p:spPr>
+        <p:style>
+          <a:lnRef idx="1">
+            <a:schemeClr val="accent1"/>
+          </a:lnRef>
+          <a:fillRef idx="0">
+            <a:schemeClr val="accent1"/>
+          </a:fillRef>
+          <a:effectRef idx="0">
+            <a:schemeClr val="accent1"/>
+          </a:effectRef>
+          <a:fontRef idx="minor">
+            <a:schemeClr val="tx1"/>
+          </a:fontRef>
+        </p:style>
+      </p:cxnSp>
+      <p:cxnSp>
+        <p:nvCxnSpPr>
+          <p:cNvPr id="27" name="Conector reto 26"/>
+          <p:cNvCxnSpPr/>
+          <p:nvPr/>
+        </p:nvCxnSpPr>
+        <p:spPr>
+          <a:xfrm>
+            <a:off x="7948416" y="1970468"/>
+            <a:ext cx="0" cy="850005"/>
+          </a:xfrm>
+          <a:prstGeom prst="line">
+            <a:avLst/>
+          </a:prstGeom>
+        </p:spPr>
+        <p:style>
+          <a:lnRef idx="1">
+            <a:schemeClr val="accent1"/>
+          </a:lnRef>
+          <a:fillRef idx="0">
+            <a:schemeClr val="accent1"/>
+          </a:fillRef>
+          <a:effectRef idx="0">
+            <a:schemeClr val="accent1"/>
+          </a:effectRef>
+          <a:fontRef idx="minor">
+            <a:schemeClr val="tx1"/>
+          </a:fontRef>
+        </p:style>
+      </p:cxnSp>
+      <p:cxnSp>
+        <p:nvCxnSpPr>
+          <p:cNvPr id="30" name="Conector reto 29"/>
+          <p:cNvCxnSpPr/>
+          <p:nvPr/>
+        </p:nvCxnSpPr>
+        <p:spPr>
+          <a:xfrm>
+            <a:off x="7948415" y="3616815"/>
+            <a:ext cx="0" cy="850005"/>
+          </a:xfrm>
+          <a:prstGeom prst="line">
+            <a:avLst/>
+          </a:prstGeom>
+        </p:spPr>
+        <p:style>
+          <a:lnRef idx="1">
+            <a:schemeClr val="accent1"/>
+          </a:lnRef>
+          <a:fillRef idx="0">
+            <a:schemeClr val="accent1"/>
+          </a:fillRef>
+          <a:effectRef idx="0">
+            <a:schemeClr val="accent1"/>
+          </a:effectRef>
+          <a:fontRef idx="minor">
+            <a:schemeClr val="tx1"/>
+          </a:fontRef>
+        </p:style>
+      </p:cxnSp>
+      <p:cxnSp>
+        <p:nvCxnSpPr>
+          <p:cNvPr id="32" name="Conector reto 31"/>
+          <p:cNvCxnSpPr/>
+          <p:nvPr/>
+        </p:nvCxnSpPr>
+        <p:spPr>
+          <a:xfrm>
+            <a:off x="9614083" y="1847281"/>
+            <a:ext cx="1764398" cy="0"/>
+          </a:xfrm>
+          <a:prstGeom prst="line">
+            <a:avLst/>
+          </a:prstGeom>
+        </p:spPr>
+        <p:style>
+          <a:lnRef idx="1">
+            <a:schemeClr val="accent1"/>
+          </a:lnRef>
+          <a:fillRef idx="0">
+            <a:schemeClr val="accent1"/>
+          </a:fillRef>
+          <a:effectRef idx="0">
+            <a:schemeClr val="accent1"/>
+          </a:effectRef>
+          <a:fontRef idx="minor">
+            <a:schemeClr val="tx1"/>
+          </a:fontRef>
+        </p:style>
+      </p:cxnSp>
+      <p:cxnSp>
+        <p:nvCxnSpPr>
+          <p:cNvPr id="33" name="Conector reto 32"/>
+          <p:cNvCxnSpPr/>
+          <p:nvPr/>
+        </p:nvCxnSpPr>
+        <p:spPr>
+          <a:xfrm>
+            <a:off x="10496282" y="2030949"/>
+            <a:ext cx="0" cy="850005"/>
+          </a:xfrm>
+          <a:prstGeom prst="line">
+            <a:avLst/>
+          </a:prstGeom>
+        </p:spPr>
+        <p:style>
+          <a:lnRef idx="1">
+            <a:schemeClr val="accent1"/>
+          </a:lnRef>
+          <a:fillRef idx="0">
+            <a:schemeClr val="accent1"/>
+          </a:fillRef>
+          <a:effectRef idx="0">
+            <a:schemeClr val="accent1"/>
+          </a:effectRef>
+          <a:fontRef idx="minor">
+            <a:schemeClr val="tx1"/>
+          </a:fontRef>
+        </p:style>
+      </p:cxnSp>
+      <p:sp>
+        <p:nvSpPr>
+          <p:cNvPr id="36" name="Retângulo 35"/>
+          <p:cNvSpPr/>
+          <p:nvPr/>
+        </p:nvSpPr>
+        <p:spPr>
+          <a:xfrm>
+            <a:off x="296222" y="783282"/>
+            <a:ext cx="2266680" cy="923330"/>
+          </a:xfrm>
+          <a:prstGeom prst="rect">
+            <a:avLst/>
+          </a:prstGeom>
+        </p:spPr>
+        <p:txBody>
+          <a:bodyPr wrap="square">
+            <a:spAutoFit/>
+          </a:bodyPr>
+          <a:lstStyle/>
+          <a:p>
+            <a:pPr marL="285750" indent="-285750">
+              <a:buFont typeface="Arial" panose="020B0604020202020204" pitchFamily="34" charset="0"/>
+              <a:buChar char="•"/>
+            </a:pPr>
+            <a:r>
+              <a:rPr lang="pt-BR" dirty="0">
+                <a:solidFill>
+                  <a:schemeClr val="bg1"/>
+                </a:solidFill>
+                <a:latin typeface="Arial" panose="020B0604020202020204" pitchFamily="34" charset="0"/>
+                <a:cs typeface="Arial" panose="020B0604020202020204" pitchFamily="34" charset="0"/>
+              </a:rPr>
+              <a:t>SPOTIFY </a:t>
+            </a:r>
+            <a:r>
+              <a:rPr lang="pt-BR" dirty="0" smtClean="0">
+                <a:solidFill>
+                  <a:schemeClr val="bg1"/>
+                </a:solidFill>
+                <a:latin typeface="Arial" panose="020B0604020202020204" pitchFamily="34" charset="0"/>
+                <a:cs typeface="Arial" panose="020B0604020202020204" pitchFamily="34" charset="0"/>
+              </a:rPr>
+              <a:t>UNLIMITED </a:t>
+            </a:r>
+          </a:p>
+          <a:p>
+            <a:pPr marL="285750" indent="-285750">
+              <a:buFont typeface="Arial" panose="020B0604020202020204" pitchFamily="34" charset="0"/>
+              <a:buChar char="•"/>
+            </a:pPr>
+            <a:r>
+              <a:rPr lang="pt-BR" dirty="0" smtClean="0">
+                <a:solidFill>
+                  <a:schemeClr val="bg1"/>
+                </a:solidFill>
+                <a:latin typeface="Arial" panose="020B0604020202020204" pitchFamily="34" charset="0"/>
+                <a:cs typeface="Arial" panose="020B0604020202020204" pitchFamily="34" charset="0"/>
+              </a:rPr>
+              <a:t>SPOTIFY </a:t>
+            </a:r>
+            <a:r>
+              <a:rPr lang="pt-BR" dirty="0">
+                <a:solidFill>
+                  <a:schemeClr val="bg1"/>
+                </a:solidFill>
+                <a:latin typeface="Arial" panose="020B0604020202020204" pitchFamily="34" charset="0"/>
+                <a:cs typeface="Arial" panose="020B0604020202020204" pitchFamily="34" charset="0"/>
+              </a:rPr>
+              <a:t>OPEN</a:t>
+            </a:r>
+            <a:endParaRPr lang="pt-BR" dirty="0"/>
+          </a:p>
+        </p:txBody>
+      </p:sp>
+      <p:sp>
+        <p:nvSpPr>
+          <p:cNvPr id="37" name="Retângulo 36"/>
+          <p:cNvSpPr/>
+          <p:nvPr/>
+        </p:nvSpPr>
+        <p:spPr>
+          <a:xfrm>
+            <a:off x="410950" y="2574926"/>
+            <a:ext cx="652743" cy="369332"/>
+          </a:xfrm>
+          <a:prstGeom prst="rect">
+            <a:avLst/>
+          </a:prstGeom>
+        </p:spPr>
+        <p:txBody>
+          <a:bodyPr wrap="none">
+            <a:spAutoFit/>
+          </a:bodyPr>
+          <a:lstStyle/>
+          <a:p>
+            <a:r>
+              <a:rPr lang="pt-BR" dirty="0" smtClean="0">
+                <a:solidFill>
+                  <a:schemeClr val="bg1"/>
+                </a:solidFill>
+              </a:rPr>
+              <a:t>2009</a:t>
+            </a:r>
+            <a:endParaRPr lang="pt-BR" dirty="0"/>
+          </a:p>
+        </p:txBody>
+      </p:sp>
+      <p:pic>
+        <p:nvPicPr>
+          <p:cNvPr id="38" name="Imagem 37"/>
+          <p:cNvPicPr>
+            <a:picLocks noChangeAspect="1"/>
+          </p:cNvPicPr>
+          <p:nvPr/>
+        </p:nvPicPr>
+        <p:blipFill>
+          <a:blip r:embed="rId2">
+            <a:extLst>
+              <a:ext uri="{28A0092B-C50C-407E-A947-70E740481C1C}">
+                <a14:useLocalDpi xmlns:a14="http://schemas.microsoft.com/office/drawing/2010/main" val="0"/>
+              </a:ext>
+            </a:extLst>
+          </a:blip>
+          <a:stretch>
+            <a:fillRect/>
+          </a:stretch>
+        </p:blipFill>
+        <p:spPr>
+          <a:xfrm>
+            <a:off x="296222" y="4041817"/>
+            <a:ext cx="2046024" cy="1545277"/>
+          </a:xfrm>
+          <a:prstGeom prst="rect">
+            <a:avLst/>
+          </a:prstGeom>
+        </p:spPr>
+      </p:pic>
+      <p:sp>
+        <p:nvSpPr>
+          <p:cNvPr id="39" name="Retângulo 38"/>
+          <p:cNvSpPr/>
+          <p:nvPr/>
+        </p:nvSpPr>
+        <p:spPr>
+          <a:xfrm>
+            <a:off x="2809534" y="2574926"/>
+            <a:ext cx="652743" cy="369332"/>
+          </a:xfrm>
+          <a:prstGeom prst="rect">
+            <a:avLst/>
+          </a:prstGeom>
+        </p:spPr>
+        <p:txBody>
+          <a:bodyPr wrap="none">
+            <a:spAutoFit/>
+          </a:bodyPr>
+          <a:lstStyle/>
+          <a:p>
+            <a:r>
+              <a:rPr lang="pt-BR" dirty="0" smtClean="0">
+                <a:solidFill>
+                  <a:schemeClr val="bg1"/>
+                </a:solidFill>
+              </a:rPr>
+              <a:t>2011</a:t>
+            </a:r>
+            <a:endParaRPr lang="pt-BR" dirty="0"/>
+          </a:p>
+        </p:txBody>
+      </p:sp>
+      <p:cxnSp>
+        <p:nvCxnSpPr>
+          <p:cNvPr id="40" name="Conector reto 39"/>
+          <p:cNvCxnSpPr/>
+          <p:nvPr/>
+        </p:nvCxnSpPr>
+        <p:spPr>
+          <a:xfrm>
+            <a:off x="3462277" y="1970467"/>
+            <a:ext cx="0" cy="850005"/>
+          </a:xfrm>
+          <a:prstGeom prst="line">
+            <a:avLst/>
+          </a:prstGeom>
+        </p:spPr>
+        <p:style>
+          <a:lnRef idx="1">
+            <a:schemeClr val="accent1"/>
+          </a:lnRef>
+          <a:fillRef idx="0">
+            <a:schemeClr val="accent1"/>
+          </a:fillRef>
+          <a:effectRef idx="0">
+            <a:schemeClr val="accent1"/>
+          </a:effectRef>
+          <a:fontRef idx="minor">
+            <a:schemeClr val="tx1"/>
+          </a:fontRef>
+        </p:style>
+      </p:cxnSp>
+      <p:cxnSp>
+        <p:nvCxnSpPr>
+          <p:cNvPr id="41" name="Conector reto 40"/>
+          <p:cNvCxnSpPr/>
+          <p:nvPr/>
+        </p:nvCxnSpPr>
+        <p:spPr>
+          <a:xfrm>
+            <a:off x="2580078" y="1847281"/>
+            <a:ext cx="1764398" cy="0"/>
+          </a:xfrm>
+          <a:prstGeom prst="line">
+            <a:avLst/>
+          </a:prstGeom>
+        </p:spPr>
+        <p:style>
+          <a:lnRef idx="1">
+            <a:schemeClr val="accent1"/>
+          </a:lnRef>
+          <a:fillRef idx="0">
+            <a:schemeClr val="accent1"/>
+          </a:fillRef>
+          <a:effectRef idx="0">
+            <a:schemeClr val="accent1"/>
+          </a:effectRef>
+          <a:fontRef idx="minor">
+            <a:schemeClr val="tx1"/>
+          </a:fontRef>
+        </p:style>
+      </p:cxnSp>
+      <p:sp>
+        <p:nvSpPr>
+          <p:cNvPr id="42" name="Retângulo 41"/>
+          <p:cNvSpPr/>
+          <p:nvPr/>
+        </p:nvSpPr>
+        <p:spPr>
+          <a:xfrm>
+            <a:off x="2526807" y="1119637"/>
+            <a:ext cx="1800493" cy="369332"/>
+          </a:xfrm>
+          <a:prstGeom prst="rect">
+            <a:avLst/>
+          </a:prstGeom>
+        </p:spPr>
+        <p:txBody>
+          <a:bodyPr wrap="none">
+            <a:spAutoFit/>
+          </a:bodyPr>
+          <a:lstStyle/>
+          <a:p>
+            <a:r>
+              <a:rPr lang="pt-BR" dirty="0" smtClean="0">
+                <a:solidFill>
+                  <a:schemeClr val="bg1"/>
+                </a:solidFill>
+                <a:latin typeface="Arial" panose="020B0604020202020204" pitchFamily="34" charset="0"/>
+                <a:cs typeface="Arial" panose="020B0604020202020204" pitchFamily="34" charset="0"/>
+              </a:rPr>
+              <a:t>Estados </a:t>
+            </a:r>
+            <a:r>
+              <a:rPr lang="pt-BR" dirty="0">
+                <a:solidFill>
+                  <a:schemeClr val="bg1"/>
+                </a:solidFill>
+                <a:latin typeface="Arial" panose="020B0604020202020204" pitchFamily="34" charset="0"/>
+                <a:cs typeface="Arial" panose="020B0604020202020204" pitchFamily="34" charset="0"/>
+              </a:rPr>
+              <a:t>Unidos</a:t>
+            </a:r>
+            <a:endParaRPr lang="pt-BR" dirty="0"/>
+          </a:p>
+        </p:txBody>
+      </p:sp>
+      <p:sp>
+        <p:nvSpPr>
+          <p:cNvPr id="43" name="Retângulo 42"/>
+          <p:cNvSpPr/>
+          <p:nvPr/>
+        </p:nvSpPr>
+        <p:spPr>
+          <a:xfrm>
+            <a:off x="2562902" y="4663000"/>
+            <a:ext cx="2112129" cy="1200329"/>
+          </a:xfrm>
+          <a:prstGeom prst="rect">
+            <a:avLst/>
+          </a:prstGeom>
+        </p:spPr>
+        <p:txBody>
+          <a:bodyPr wrap="square">
+            <a:spAutoFit/>
+          </a:bodyPr>
+          <a:lstStyle/>
+          <a:p>
+            <a:r>
+              <a:rPr lang="pt-BR" dirty="0" smtClean="0">
+                <a:solidFill>
+                  <a:schemeClr val="bg1"/>
+                </a:solidFill>
+                <a:latin typeface="Arial" panose="020B0604020202020204" pitchFamily="34" charset="0"/>
+                <a:cs typeface="Arial" panose="020B0604020202020204" pitchFamily="34" charset="0"/>
+              </a:rPr>
+              <a:t>A </a:t>
+            </a:r>
+            <a:r>
+              <a:rPr lang="pt-BR" dirty="0">
+                <a:solidFill>
+                  <a:schemeClr val="bg1"/>
+                </a:solidFill>
+                <a:latin typeface="Arial" panose="020B0604020202020204" pitchFamily="34" charset="0"/>
+                <a:cs typeface="Arial" panose="020B0604020202020204" pitchFamily="34" charset="0"/>
+              </a:rPr>
+              <a:t>criação do serviço SPOTIFY </a:t>
+            </a:r>
+            <a:r>
+              <a:rPr lang="pt-BR" dirty="0" smtClean="0">
+                <a:solidFill>
+                  <a:schemeClr val="bg1"/>
+                </a:solidFill>
+                <a:latin typeface="Arial" panose="020B0604020202020204" pitchFamily="34" charset="0"/>
+                <a:cs typeface="Arial" panose="020B0604020202020204" pitchFamily="34" charset="0"/>
+              </a:rPr>
+              <a:t>Apps</a:t>
+            </a:r>
+          </a:p>
+          <a:p>
+            <a:endParaRPr lang="pt-BR" dirty="0">
+              <a:solidFill>
+                <a:schemeClr val="bg1"/>
+              </a:solidFill>
+              <a:latin typeface="Arial" panose="020B0604020202020204" pitchFamily="34" charset="0"/>
+              <a:cs typeface="Arial" panose="020B0604020202020204" pitchFamily="34" charset="0"/>
+            </a:endParaRPr>
+          </a:p>
+        </p:txBody>
+      </p:sp>
+      <p:sp>
+        <p:nvSpPr>
+          <p:cNvPr id="44" name="Seta para a direita listrada 43"/>
+          <p:cNvSpPr/>
+          <p:nvPr/>
+        </p:nvSpPr>
+        <p:spPr>
+          <a:xfrm>
+            <a:off x="4846757" y="2713089"/>
+            <a:ext cx="2266680" cy="1043189"/>
+          </a:xfrm>
+          <a:prstGeom prst="stripedRightArrow">
+            <a:avLst/>
+          </a:prstGeom>
+          <a:solidFill>
+            <a:schemeClr val="accent6"/>
+          </a:solidFill>
+        </p:spPr>
+        <p:style>
+          <a:lnRef idx="2">
+            <a:schemeClr val="accent1">
+              <a:shade val="50000"/>
+            </a:schemeClr>
+          </a:lnRef>
+          <a:fillRef idx="1">
+            <a:schemeClr val="accent1"/>
+          </a:fillRef>
+          <a:effectRef idx="0">
+            <a:schemeClr val="accent1"/>
+          </a:effectRef>
+          <a:fontRef idx="minor">
+            <a:schemeClr val="lt1"/>
+          </a:fontRef>
+        </p:style>
+        <p:txBody>
+          <a:bodyPr rtlCol="0" anchor="ctr"/>
+          <a:lstStyle/>
+          <a:p>
+            <a:pPr algn="ctr"/>
+            <a:endParaRPr lang="pt-BR"/>
+          </a:p>
+        </p:txBody>
+      </p:sp>
+      <p:sp>
+        <p:nvSpPr>
+          <p:cNvPr id="45" name="Seta para a direita listrada 44"/>
+          <p:cNvSpPr/>
+          <p:nvPr/>
+        </p:nvSpPr>
+        <p:spPr>
+          <a:xfrm>
+            <a:off x="7141337" y="2713088"/>
+            <a:ext cx="2266680" cy="1043189"/>
+          </a:xfrm>
+          <a:prstGeom prst="stripedRightArrow">
+            <a:avLst/>
+          </a:prstGeom>
+          <a:solidFill>
+            <a:schemeClr val="accent6"/>
+          </a:solidFill>
+        </p:spPr>
+        <p:style>
+          <a:lnRef idx="2">
+            <a:schemeClr val="accent1">
+              <a:shade val="50000"/>
+            </a:schemeClr>
+          </a:lnRef>
+          <a:fillRef idx="1">
+            <a:schemeClr val="accent1"/>
+          </a:fillRef>
+          <a:effectRef idx="0">
+            <a:schemeClr val="accent1"/>
+          </a:effectRef>
+          <a:fontRef idx="minor">
+            <a:schemeClr val="lt1"/>
+          </a:fontRef>
+        </p:style>
+        <p:txBody>
+          <a:bodyPr rtlCol="0" anchor="ctr"/>
+          <a:lstStyle/>
+          <a:p>
+            <a:pPr algn="ctr"/>
+            <a:endParaRPr lang="pt-BR"/>
+          </a:p>
+        </p:txBody>
+      </p:sp>
+      <p:cxnSp>
+        <p:nvCxnSpPr>
+          <p:cNvPr id="46" name="Conector reto 45"/>
+          <p:cNvCxnSpPr/>
+          <p:nvPr/>
+        </p:nvCxnSpPr>
+        <p:spPr>
+          <a:xfrm>
+            <a:off x="4891834" y="1847281"/>
+            <a:ext cx="1764398" cy="0"/>
+          </a:xfrm>
+          <a:prstGeom prst="line">
+            <a:avLst/>
+          </a:prstGeom>
+        </p:spPr>
+        <p:style>
+          <a:lnRef idx="1">
+            <a:schemeClr val="accent1"/>
+          </a:lnRef>
+          <a:fillRef idx="0">
+            <a:schemeClr val="accent1"/>
+          </a:fillRef>
+          <a:effectRef idx="0">
+            <a:schemeClr val="accent1"/>
+          </a:effectRef>
+          <a:fontRef idx="minor">
+            <a:schemeClr val="tx1"/>
+          </a:fontRef>
+        </p:style>
+      </p:cxnSp>
+      <p:cxnSp>
+        <p:nvCxnSpPr>
+          <p:cNvPr id="47" name="Conector reto 46"/>
+          <p:cNvCxnSpPr/>
+          <p:nvPr/>
+        </p:nvCxnSpPr>
+        <p:spPr>
+          <a:xfrm>
+            <a:off x="7066216" y="1847281"/>
+            <a:ext cx="1764398" cy="0"/>
+          </a:xfrm>
+          <a:prstGeom prst="line">
+            <a:avLst/>
+          </a:prstGeom>
+        </p:spPr>
+        <p:style>
+          <a:lnRef idx="1">
+            <a:schemeClr val="accent1"/>
+          </a:lnRef>
+          <a:fillRef idx="0">
+            <a:schemeClr val="accent1"/>
+          </a:fillRef>
+          <a:effectRef idx="0">
+            <a:schemeClr val="accent1"/>
+          </a:effectRef>
+          <a:fontRef idx="minor">
+            <a:schemeClr val="tx1"/>
+          </a:fontRef>
+        </p:style>
+      </p:cxnSp>
+      <p:cxnSp>
+        <p:nvCxnSpPr>
+          <p:cNvPr id="49" name="Conector reto 48"/>
+          <p:cNvCxnSpPr/>
+          <p:nvPr/>
+        </p:nvCxnSpPr>
+        <p:spPr>
+          <a:xfrm>
+            <a:off x="7163712" y="4592131"/>
+            <a:ext cx="1764398" cy="0"/>
+          </a:xfrm>
+          <a:prstGeom prst="line">
+            <a:avLst/>
+          </a:prstGeom>
+        </p:spPr>
+        <p:style>
+          <a:lnRef idx="1">
+            <a:schemeClr val="accent1"/>
+          </a:lnRef>
+          <a:fillRef idx="0">
+            <a:schemeClr val="accent1"/>
+          </a:fillRef>
+          <a:effectRef idx="0">
+            <a:schemeClr val="accent1"/>
+          </a:effectRef>
+          <a:fontRef idx="minor">
+            <a:schemeClr val="tx1"/>
+          </a:fontRef>
+        </p:style>
+      </p:cxnSp>
+      <p:sp>
+        <p:nvSpPr>
+          <p:cNvPr id="51" name="Retângulo 50"/>
+          <p:cNvSpPr/>
+          <p:nvPr/>
+        </p:nvSpPr>
+        <p:spPr>
+          <a:xfrm>
+            <a:off x="5074179" y="2574926"/>
+            <a:ext cx="652743" cy="369332"/>
+          </a:xfrm>
+          <a:prstGeom prst="rect">
+            <a:avLst/>
+          </a:prstGeom>
+        </p:spPr>
+        <p:txBody>
+          <a:bodyPr wrap="none">
+            <a:spAutoFit/>
+          </a:bodyPr>
+          <a:lstStyle/>
+          <a:p>
+            <a:r>
+              <a:rPr lang="pt-BR" dirty="0" smtClean="0">
+                <a:solidFill>
+                  <a:schemeClr val="bg1"/>
+                </a:solidFill>
+              </a:rPr>
+              <a:t>2012</a:t>
+            </a:r>
+            <a:endParaRPr lang="pt-BR" dirty="0"/>
+          </a:p>
+        </p:txBody>
+      </p:sp>
+      <p:sp>
+        <p:nvSpPr>
+          <p:cNvPr id="52" name="Retângulo 51"/>
+          <p:cNvSpPr/>
+          <p:nvPr/>
+        </p:nvSpPr>
+        <p:spPr>
+          <a:xfrm>
+            <a:off x="4796481" y="835895"/>
+            <a:ext cx="2367231" cy="923330"/>
+          </a:xfrm>
+          <a:prstGeom prst="rect">
+            <a:avLst/>
+          </a:prstGeom>
+        </p:spPr>
+        <p:txBody>
+          <a:bodyPr wrap="square">
+            <a:spAutoFit/>
+          </a:bodyPr>
+          <a:lstStyle/>
+          <a:p>
+            <a:r>
+              <a:rPr lang="pt-BR" dirty="0">
+                <a:solidFill>
+                  <a:schemeClr val="bg1"/>
+                </a:solidFill>
+                <a:latin typeface="Arial" panose="020B0604020202020204" pitchFamily="34" charset="0"/>
+                <a:cs typeface="Arial" panose="020B0604020202020204" pitchFamily="34" charset="0"/>
+              </a:rPr>
+              <a:t>20 milhões de usuários, sendo 5 milhões pagantes</a:t>
+            </a:r>
+            <a:endParaRPr lang="pt-BR" dirty="0"/>
+          </a:p>
+        </p:txBody>
+      </p:sp>
+      <p:pic>
+        <p:nvPicPr>
+          <p:cNvPr id="54" name="Imagem 53"/>
+          <p:cNvPicPr>
+            <a:picLocks noChangeAspect="1"/>
+          </p:cNvPicPr>
+          <p:nvPr/>
+        </p:nvPicPr>
+        <p:blipFill>
+          <a:blip r:embed="rId3">
+            <a:extLst>
+              <a:ext uri="{28A0092B-C50C-407E-A947-70E740481C1C}">
+                <a14:useLocalDpi xmlns:a14="http://schemas.microsoft.com/office/drawing/2010/main" val="0"/>
+              </a:ext>
+            </a:extLst>
+          </a:blip>
+          <a:stretch>
+            <a:fillRect/>
+          </a:stretch>
+        </p:blipFill>
+        <p:spPr>
+          <a:xfrm>
+            <a:off x="4751224" y="4092163"/>
+            <a:ext cx="2166875" cy="1444583"/>
+          </a:xfrm>
+          <a:prstGeom prst="rect">
+            <a:avLst/>
+          </a:prstGeom>
+        </p:spPr>
+      </p:pic>
+      <p:sp>
+        <p:nvSpPr>
+          <p:cNvPr id="55" name="Retângulo 54"/>
+          <p:cNvSpPr/>
+          <p:nvPr/>
+        </p:nvSpPr>
+        <p:spPr>
+          <a:xfrm>
+            <a:off x="7208629" y="2574926"/>
+            <a:ext cx="652743" cy="369332"/>
+          </a:xfrm>
+          <a:prstGeom prst="rect">
+            <a:avLst/>
+          </a:prstGeom>
+        </p:spPr>
+        <p:txBody>
+          <a:bodyPr wrap="none">
+            <a:spAutoFit/>
+          </a:bodyPr>
+          <a:lstStyle/>
+          <a:p>
+            <a:r>
+              <a:rPr lang="pt-BR" dirty="0" smtClean="0">
+                <a:solidFill>
+                  <a:schemeClr val="bg1"/>
+                </a:solidFill>
+              </a:rPr>
+              <a:t>2014</a:t>
+            </a:r>
+            <a:endParaRPr lang="pt-BR" dirty="0"/>
+          </a:p>
+        </p:txBody>
+      </p:sp>
+      <p:sp>
+        <p:nvSpPr>
+          <p:cNvPr id="56" name="Retângulo 55"/>
+          <p:cNvSpPr/>
+          <p:nvPr/>
+        </p:nvSpPr>
+        <p:spPr>
+          <a:xfrm>
+            <a:off x="7041203" y="4717443"/>
+            <a:ext cx="2366814" cy="646331"/>
+          </a:xfrm>
+          <a:prstGeom prst="rect">
+            <a:avLst/>
+          </a:prstGeom>
+        </p:spPr>
+        <p:txBody>
+          <a:bodyPr wrap="square">
+            <a:spAutoFit/>
+          </a:bodyPr>
+          <a:lstStyle/>
+          <a:p>
+            <a:pPr marL="285750" indent="-285750">
+              <a:buFont typeface="Arial" panose="020B0604020202020204" pitchFamily="34" charset="0"/>
+              <a:buChar char="•"/>
+            </a:pPr>
+            <a:r>
+              <a:rPr lang="pt-BR" dirty="0">
+                <a:solidFill>
+                  <a:schemeClr val="bg1"/>
+                </a:solidFill>
+                <a:latin typeface="Arial" panose="020B0604020202020204" pitchFamily="34" charset="0"/>
+                <a:cs typeface="Arial" panose="020B0604020202020204" pitchFamily="34" charset="0"/>
+              </a:rPr>
+              <a:t>SPOTIFY </a:t>
+            </a:r>
+            <a:r>
+              <a:rPr lang="pt-BR" dirty="0" smtClean="0">
+                <a:solidFill>
+                  <a:schemeClr val="bg1"/>
+                </a:solidFill>
+                <a:latin typeface="Arial" panose="020B0604020202020204" pitchFamily="34" charset="0"/>
+                <a:cs typeface="Arial" panose="020B0604020202020204" pitchFamily="34" charset="0"/>
+              </a:rPr>
+              <a:t>FAMILY</a:t>
+            </a:r>
+          </a:p>
+          <a:p>
+            <a:pPr marL="285750" indent="-285750">
+              <a:buFont typeface="Arial" panose="020B0604020202020204" pitchFamily="34" charset="0"/>
+              <a:buChar char="•"/>
+            </a:pPr>
+            <a:r>
+              <a:rPr lang="pt-BR" dirty="0" smtClean="0">
+                <a:solidFill>
+                  <a:schemeClr val="bg1"/>
+                </a:solidFill>
+                <a:latin typeface="Arial" panose="020B0604020202020204" pitchFamily="34" charset="0"/>
+                <a:cs typeface="Arial" panose="020B0604020202020204" pitchFamily="34" charset="0"/>
+              </a:rPr>
+              <a:t>API </a:t>
+            </a:r>
+            <a:r>
+              <a:rPr lang="pt-BR" dirty="0">
+                <a:solidFill>
+                  <a:schemeClr val="bg1"/>
+                </a:solidFill>
+                <a:latin typeface="Arial" panose="020B0604020202020204" pitchFamily="34" charset="0"/>
+                <a:cs typeface="Arial" panose="020B0604020202020204" pitchFamily="34" charset="0"/>
+              </a:rPr>
+              <a:t>Web</a:t>
+            </a:r>
+            <a:endParaRPr lang="pt-BR" dirty="0"/>
+          </a:p>
+        </p:txBody>
+      </p:sp>
+      <p:sp>
+        <p:nvSpPr>
+          <p:cNvPr id="57" name="Retângulo 56"/>
+          <p:cNvSpPr/>
+          <p:nvPr/>
+        </p:nvSpPr>
+        <p:spPr>
+          <a:xfrm>
+            <a:off x="6918099" y="1289332"/>
+            <a:ext cx="2416046" cy="369332"/>
+          </a:xfrm>
+          <a:prstGeom prst="rect">
+            <a:avLst/>
+          </a:prstGeom>
+        </p:spPr>
+        <p:txBody>
+          <a:bodyPr wrap="none">
+            <a:spAutoFit/>
+          </a:bodyPr>
+          <a:lstStyle/>
+          <a:p>
+            <a:r>
+              <a:rPr lang="pt-BR" dirty="0" smtClean="0">
+                <a:solidFill>
+                  <a:schemeClr val="bg1"/>
+                </a:solidFill>
+                <a:latin typeface="Arial" panose="020B0604020202020204" pitchFamily="34" charset="0"/>
+                <a:cs typeface="Arial" panose="020B0604020202020204" pitchFamily="34" charset="0"/>
+              </a:rPr>
+              <a:t>Finalmente </a:t>
+            </a:r>
+            <a:r>
+              <a:rPr lang="pt-BR" dirty="0">
+                <a:solidFill>
+                  <a:schemeClr val="bg1"/>
+                </a:solidFill>
+                <a:latin typeface="Arial" panose="020B0604020202020204" pitchFamily="34" charset="0"/>
+                <a:cs typeface="Arial" panose="020B0604020202020204" pitchFamily="34" charset="0"/>
+              </a:rPr>
+              <a:t>no </a:t>
+            </a:r>
+            <a:r>
+              <a:rPr lang="pt-BR" dirty="0" smtClean="0">
+                <a:solidFill>
+                  <a:schemeClr val="bg1"/>
+                </a:solidFill>
+                <a:latin typeface="Arial" panose="020B0604020202020204" pitchFamily="34" charset="0"/>
+                <a:cs typeface="Arial" panose="020B0604020202020204" pitchFamily="34" charset="0"/>
+              </a:rPr>
+              <a:t>Brasil !</a:t>
+            </a:r>
+            <a:endParaRPr lang="pt-BR" dirty="0"/>
+          </a:p>
+        </p:txBody>
+      </p:sp>
+      <p:sp>
+        <p:nvSpPr>
+          <p:cNvPr id="58" name="Retângulo 57"/>
+          <p:cNvSpPr/>
+          <p:nvPr/>
+        </p:nvSpPr>
+        <p:spPr>
+          <a:xfrm>
+            <a:off x="9614083" y="2574926"/>
+            <a:ext cx="652743" cy="369332"/>
+          </a:xfrm>
+          <a:prstGeom prst="rect">
+            <a:avLst/>
+          </a:prstGeom>
+        </p:spPr>
+        <p:txBody>
+          <a:bodyPr wrap="none">
+            <a:spAutoFit/>
+          </a:bodyPr>
+          <a:lstStyle/>
+          <a:p>
+            <a:r>
+              <a:rPr lang="pt-BR" dirty="0" smtClean="0">
+                <a:solidFill>
+                  <a:schemeClr val="bg1"/>
+                </a:solidFill>
+              </a:rPr>
+              <a:t>2016</a:t>
+            </a:r>
+            <a:endParaRPr lang="pt-BR" dirty="0"/>
+          </a:p>
+        </p:txBody>
+      </p:sp>
+      <p:sp>
+        <p:nvSpPr>
+          <p:cNvPr id="59" name="Retângulo 58"/>
+          <p:cNvSpPr/>
+          <p:nvPr/>
+        </p:nvSpPr>
+        <p:spPr>
+          <a:xfrm>
+            <a:off x="9499855" y="1244947"/>
+            <a:ext cx="1992853" cy="369332"/>
+          </a:xfrm>
+          <a:prstGeom prst="rect">
+            <a:avLst/>
+          </a:prstGeom>
+        </p:spPr>
+        <p:txBody>
+          <a:bodyPr wrap="none">
+            <a:spAutoFit/>
+          </a:bodyPr>
+          <a:lstStyle/>
+          <a:p>
+            <a:r>
+              <a:rPr lang="pt-BR" dirty="0">
+                <a:solidFill>
+                  <a:schemeClr val="bg1"/>
+                </a:solidFill>
+                <a:latin typeface="Arial" panose="020B0604020202020204" pitchFamily="34" charset="0"/>
+                <a:cs typeface="Arial" panose="020B0604020202020204" pitchFamily="34" charset="0"/>
+              </a:rPr>
+              <a:t>Líder no mercado</a:t>
+            </a:r>
+            <a:endParaRPr lang="pt-BR" dirty="0"/>
+          </a:p>
+        </p:txBody>
+      </p:sp>
+      <p:sp>
+        <p:nvSpPr>
+          <p:cNvPr id="60" name="Retângulo 59"/>
+          <p:cNvSpPr/>
+          <p:nvPr/>
+        </p:nvSpPr>
+        <p:spPr>
+          <a:xfrm>
+            <a:off x="9531121" y="4717443"/>
+            <a:ext cx="2505987" cy="646331"/>
+          </a:xfrm>
+          <a:prstGeom prst="rect">
+            <a:avLst/>
+          </a:prstGeom>
+        </p:spPr>
+        <p:txBody>
+          <a:bodyPr wrap="square">
+            <a:spAutoFit/>
+          </a:bodyPr>
+          <a:lstStyle/>
+          <a:p>
+            <a:r>
+              <a:rPr lang="pt-BR" dirty="0" smtClean="0">
+                <a:solidFill>
+                  <a:schemeClr val="bg1"/>
+                </a:solidFill>
+                <a:latin typeface="Arial" panose="020B0604020202020204" pitchFamily="34" charset="0"/>
+                <a:cs typeface="Arial" panose="020B0604020202020204" pitchFamily="34" charset="0"/>
+              </a:rPr>
+              <a:t>Uma </a:t>
+            </a:r>
+            <a:r>
+              <a:rPr lang="pt-BR" dirty="0">
+                <a:solidFill>
+                  <a:schemeClr val="bg1"/>
+                </a:solidFill>
+                <a:latin typeface="Arial" panose="020B0604020202020204" pitchFamily="34" charset="0"/>
+                <a:cs typeface="Arial" panose="020B0604020202020204" pitchFamily="34" charset="0"/>
+              </a:rPr>
+              <a:t>luta judicial com a Taylor Swift</a:t>
+            </a:r>
+            <a:endParaRPr lang="pt-BR" dirty="0"/>
+          </a:p>
+        </p:txBody>
+      </p:sp>
+      <p:cxnSp>
+        <p:nvCxnSpPr>
+          <p:cNvPr id="61" name="Conector reto 60"/>
+          <p:cNvCxnSpPr/>
+          <p:nvPr/>
+        </p:nvCxnSpPr>
+        <p:spPr>
+          <a:xfrm>
+            <a:off x="10496282" y="3613666"/>
+            <a:ext cx="0" cy="850005"/>
+          </a:xfrm>
+          <a:prstGeom prst="line">
+            <a:avLst/>
+          </a:prstGeom>
+        </p:spPr>
+        <p:style>
+          <a:lnRef idx="1">
+            <a:schemeClr val="accent1"/>
+          </a:lnRef>
+          <a:fillRef idx="0">
+            <a:schemeClr val="accent1"/>
+          </a:fillRef>
+          <a:effectRef idx="0">
+            <a:schemeClr val="accent1"/>
+          </a:effectRef>
+          <a:fontRef idx="minor">
+            <a:schemeClr val="tx1"/>
+          </a:fontRef>
+        </p:style>
+      </p:cxnSp>
+      <p:cxnSp>
+        <p:nvCxnSpPr>
+          <p:cNvPr id="62" name="Conector reto 61"/>
+          <p:cNvCxnSpPr/>
+          <p:nvPr/>
+        </p:nvCxnSpPr>
+        <p:spPr>
+          <a:xfrm>
+            <a:off x="9614083" y="4592131"/>
+            <a:ext cx="1764398" cy="0"/>
+          </a:xfrm>
+          <a:prstGeom prst="line">
+            <a:avLst/>
+          </a:prstGeom>
+        </p:spPr>
+        <p:style>
+          <a:lnRef idx="1">
+            <a:schemeClr val="accent1"/>
+          </a:lnRef>
+          <a:fillRef idx="0">
+            <a:schemeClr val="accent1"/>
+          </a:fillRef>
+          <a:effectRef idx="0">
+            <a:schemeClr val="accent1"/>
+          </a:effectRef>
+          <a:fontRef idx="minor">
+            <a:schemeClr val="tx1"/>
+          </a:fontRef>
+        </p:style>
+      </p:cxnSp>
+      <p:pic>
+        <p:nvPicPr>
+          <p:cNvPr id="64" name="Imagem 63"/>
+          <p:cNvPicPr>
+            <a:picLocks noChangeAspect="1"/>
+          </p:cNvPicPr>
+          <p:nvPr/>
+        </p:nvPicPr>
+        <p:blipFill>
+          <a:blip r:embed="rId4" cstate="print">
+            <a:extLst>
+              <a:ext uri="{28A0092B-C50C-407E-A947-70E740481C1C}">
+                <a14:useLocalDpi xmlns:a14="http://schemas.microsoft.com/office/drawing/2010/main" val="0"/>
+              </a:ext>
+            </a:extLst>
+          </a:blip>
+          <a:stretch>
+            <a:fillRect/>
+          </a:stretch>
+        </p:blipFill>
+        <p:spPr>
+          <a:xfrm>
+            <a:off x="9499855" y="5363774"/>
+            <a:ext cx="2079537" cy="1382976"/>
+          </a:xfrm>
+          <a:prstGeom prst="rect">
+            <a:avLst/>
+          </a:prstGeom>
+        </p:spPr>
+      </p:pic>
+      <p:pic>
+        <p:nvPicPr>
+          <p:cNvPr id="65" name="Imagem 64"/>
+          <p:cNvPicPr>
+            <a:picLocks noChangeAspect="1"/>
+          </p:cNvPicPr>
+          <p:nvPr/>
+        </p:nvPicPr>
+        <p:blipFill>
+          <a:blip r:embed="rId5" cstate="print">
+            <a:extLst>
+              <a:ext uri="{28A0092B-C50C-407E-A947-70E740481C1C}">
+                <a14:useLocalDpi xmlns:a14="http://schemas.microsoft.com/office/drawing/2010/main" val="0"/>
+              </a:ext>
+            </a:extLst>
+          </a:blip>
+          <a:stretch>
+            <a:fillRect/>
+          </a:stretch>
+        </p:blipFill>
+        <p:spPr>
+          <a:xfrm>
+            <a:off x="9436244" y="82368"/>
+            <a:ext cx="2695739" cy="810339"/>
+          </a:xfrm>
+          <a:prstGeom prst="rect">
+            <a:avLst/>
+          </a:prstGeom>
+        </p:spPr>
+      </p:pic>
+    </p:spTree>
+    <p:extLst>
+      <p:ext uri="{BB962C8B-B14F-4D97-AF65-F5344CB8AC3E}">
+        <p14:creationId xmlns:p14="http://schemas.microsoft.com/office/powerpoint/2010/main" val="2482260911"/>
+      </p:ext>
+    </p:extLst>
+  </p:cSld>
+  <p:clrMapOvr>
+    <a:masterClrMapping/>
+  </p:clrMapOvr>
+  <p:timing>
+    <p:tnLst>
+      <p:par>
+        <p:cTn id="1" dur="indefinite" restart="never" nodeType="tmRoot"/>
+      </p:par>
+    </p:tnLst>
+  </p:timing>
+</p:sld>
+</file>
+
+<file path=ppt/slides/slide4.xml><?xml version="1.0" encoding="utf-8"?>
+<p:sld xmlns:a="http://schemas.openxmlformats.org/drawingml/2006/main" xmlns:r="http://schemas.openxmlformats.org/officeDocument/2006/relationships" xmlns:p="http://schemas.openxmlformats.org/presentationml/2006/main">
+  <p:cSld>
+    <p:spTree>
+      <p:nvGrpSpPr>
+        <p:cNvPr id="1" name=""/>
+        <p:cNvGrpSpPr/>
+        <p:nvPr/>
+      </p:nvGrpSpPr>
+      <p:grpSpPr>
+        <a:xfrm>
+          <a:off x="0" y="0"/>
+          <a:ext cx="0" cy="0"/>
+          <a:chOff x="0" y="0"/>
+          <a:chExt cx="0" cy="0"/>
+        </a:xfrm>
+      </p:grpSpPr>
+      <p:sp>
+        <p:nvSpPr>
+          <p:cNvPr id="7" name="Seta para a direita listrada 6"/>
+          <p:cNvSpPr/>
+          <p:nvPr/>
+        </p:nvSpPr>
+        <p:spPr>
+          <a:xfrm>
+            <a:off x="965914" y="2730313"/>
+            <a:ext cx="10238705" cy="1043189"/>
+          </a:xfrm>
+          <a:prstGeom prst="stripedRightArrow">
+            <a:avLst/>
+          </a:prstGeom>
+          <a:solidFill>
+            <a:schemeClr val="accent6"/>
+          </a:solidFill>
+        </p:spPr>
+        <p:style>
+          <a:lnRef idx="2">
+            <a:schemeClr val="accent1">
+              <a:shade val="50000"/>
+            </a:schemeClr>
+          </a:lnRef>
+          <a:fillRef idx="1">
+            <a:schemeClr val="accent1"/>
+          </a:fillRef>
+          <a:effectRef idx="0">
+            <a:schemeClr val="accent1"/>
+          </a:effectRef>
+          <a:fontRef idx="minor">
+            <a:schemeClr val="lt1"/>
+          </a:fontRef>
+        </p:style>
+        <p:txBody>
+          <a:bodyPr rtlCol="0" anchor="ctr"/>
+          <a:lstStyle/>
+          <a:p>
+            <a:pPr algn="ctr"/>
+            <a:endParaRPr lang="pt-BR"/>
+          </a:p>
+        </p:txBody>
+      </p:sp>
+      <p:sp>
+        <p:nvSpPr>
+          <p:cNvPr id="37" name="CaixaDeTexto 36"/>
+          <p:cNvSpPr txBox="1"/>
+          <p:nvPr/>
+        </p:nvSpPr>
+        <p:spPr>
+          <a:xfrm>
+            <a:off x="5306098" y="2572297"/>
+            <a:ext cx="1558336" cy="369332"/>
+          </a:xfrm>
+          <a:prstGeom prst="rect">
+            <a:avLst/>
+          </a:prstGeom>
+          <a:noFill/>
+        </p:spPr>
+        <p:txBody>
+          <a:bodyPr wrap="square" rtlCol="0">
+            <a:spAutoFit/>
+          </a:bodyPr>
+          <a:lstStyle/>
+          <a:p>
+            <a:r>
+              <a:rPr lang="pt-BR" dirty="0" smtClean="0">
+                <a:solidFill>
+                  <a:schemeClr val="bg1"/>
+                </a:solidFill>
+              </a:rPr>
+              <a:t>Atualmente</a:t>
+            </a:r>
+            <a:endParaRPr lang="pt-BR" dirty="0">
+              <a:solidFill>
+                <a:schemeClr val="bg1"/>
+              </a:solidFill>
+            </a:endParaRPr>
+          </a:p>
+        </p:txBody>
+      </p:sp>
+      <p:sp>
+        <p:nvSpPr>
+          <p:cNvPr id="40" name="Retângulo 39"/>
+          <p:cNvSpPr/>
+          <p:nvPr/>
+        </p:nvSpPr>
+        <p:spPr>
+          <a:xfrm>
+            <a:off x="965914" y="1124608"/>
+            <a:ext cx="3247770" cy="646331"/>
+          </a:xfrm>
+          <a:prstGeom prst="rect">
+            <a:avLst/>
+          </a:prstGeom>
+        </p:spPr>
+        <p:txBody>
+          <a:bodyPr wrap="square">
+            <a:spAutoFit/>
+          </a:bodyPr>
+          <a:lstStyle/>
+          <a:p>
+            <a:r>
+              <a:rPr lang="pt-BR" dirty="0" smtClean="0">
+                <a:solidFill>
+                  <a:schemeClr val="bg1"/>
+                </a:solidFill>
+                <a:latin typeface="Arial" panose="020B0604020202020204" pitchFamily="34" charset="0"/>
+                <a:cs typeface="Arial" panose="020B0604020202020204" pitchFamily="34" charset="0"/>
+              </a:rPr>
+              <a:t>Uma </a:t>
+            </a:r>
+            <a:r>
+              <a:rPr lang="pt-BR" dirty="0">
+                <a:solidFill>
+                  <a:schemeClr val="bg1"/>
+                </a:solidFill>
+                <a:latin typeface="Arial" panose="020B0604020202020204" pitchFamily="34" charset="0"/>
+                <a:cs typeface="Arial" panose="020B0604020202020204" pitchFamily="34" charset="0"/>
+              </a:rPr>
+              <a:t>biblioteca </a:t>
+            </a:r>
+            <a:r>
+              <a:rPr lang="pt-BR" dirty="0" smtClean="0">
+                <a:solidFill>
+                  <a:schemeClr val="bg1"/>
+                </a:solidFill>
+                <a:latin typeface="Arial" panose="020B0604020202020204" pitchFamily="34" charset="0"/>
+                <a:cs typeface="Arial" panose="020B0604020202020204" pitchFamily="34" charset="0"/>
+              </a:rPr>
+              <a:t>com </a:t>
+            </a:r>
+            <a:r>
+              <a:rPr lang="pt-BR" dirty="0">
+                <a:solidFill>
+                  <a:schemeClr val="bg1"/>
+                </a:solidFill>
+                <a:latin typeface="Arial" panose="020B0604020202020204" pitchFamily="34" charset="0"/>
+                <a:cs typeface="Arial" panose="020B0604020202020204" pitchFamily="34" charset="0"/>
+              </a:rPr>
+              <a:t>músicas e </a:t>
+            </a:r>
+            <a:r>
+              <a:rPr lang="pt-BR" dirty="0" smtClean="0">
+                <a:solidFill>
+                  <a:schemeClr val="bg1"/>
+                </a:solidFill>
+                <a:latin typeface="Arial" panose="020B0604020202020204" pitchFamily="34" charset="0"/>
+                <a:cs typeface="Arial" panose="020B0604020202020204" pitchFamily="34" charset="0"/>
+              </a:rPr>
+              <a:t>artistas variados</a:t>
+            </a:r>
+            <a:endParaRPr lang="pt-BR" dirty="0">
+              <a:solidFill>
+                <a:schemeClr val="bg1"/>
+              </a:solidFill>
+              <a:latin typeface="Arial" panose="020B0604020202020204" pitchFamily="34" charset="0"/>
+              <a:cs typeface="Arial" panose="020B0604020202020204" pitchFamily="34" charset="0"/>
+            </a:endParaRPr>
+          </a:p>
+        </p:txBody>
+      </p:sp>
+      <p:cxnSp>
+        <p:nvCxnSpPr>
+          <p:cNvPr id="41" name="Conector reto 40"/>
+          <p:cNvCxnSpPr/>
+          <p:nvPr/>
+        </p:nvCxnSpPr>
+        <p:spPr>
+          <a:xfrm>
+            <a:off x="1146227" y="1898797"/>
+            <a:ext cx="2665919" cy="20155"/>
+          </a:xfrm>
+          <a:prstGeom prst="line">
+            <a:avLst/>
+          </a:prstGeom>
+        </p:spPr>
+        <p:style>
+          <a:lnRef idx="1">
+            <a:schemeClr val="accent1"/>
+          </a:lnRef>
+          <a:fillRef idx="0">
+            <a:schemeClr val="accent1"/>
+          </a:fillRef>
+          <a:effectRef idx="0">
+            <a:schemeClr val="accent1"/>
+          </a:effectRef>
+          <a:fontRef idx="minor">
+            <a:schemeClr val="tx1"/>
+          </a:fontRef>
+        </p:style>
+      </p:cxnSp>
+      <p:cxnSp>
+        <p:nvCxnSpPr>
+          <p:cNvPr id="43" name="Conector reto 42"/>
+          <p:cNvCxnSpPr/>
+          <p:nvPr/>
+        </p:nvCxnSpPr>
+        <p:spPr>
+          <a:xfrm>
+            <a:off x="2376156" y="2034863"/>
+            <a:ext cx="0" cy="850005"/>
+          </a:xfrm>
+          <a:prstGeom prst="line">
+            <a:avLst/>
+          </a:prstGeom>
+        </p:spPr>
+        <p:style>
+          <a:lnRef idx="1">
+            <a:schemeClr val="accent1"/>
+          </a:lnRef>
+          <a:fillRef idx="0">
+            <a:schemeClr val="accent1"/>
+          </a:fillRef>
+          <a:effectRef idx="0">
+            <a:schemeClr val="accent1"/>
+          </a:effectRef>
+          <a:fontRef idx="minor">
+            <a:schemeClr val="tx1"/>
+          </a:fontRef>
+        </p:style>
+      </p:cxnSp>
+      <p:pic>
+        <p:nvPicPr>
+          <p:cNvPr id="44" name="Imagem 43"/>
+          <p:cNvPicPr>
+            <a:picLocks noChangeAspect="1"/>
+          </p:cNvPicPr>
+          <p:nvPr/>
+        </p:nvPicPr>
+        <p:blipFill>
+          <a:blip r:embed="rId2" cstate="print">
+            <a:extLst>
+              <a:ext uri="{28A0092B-C50C-407E-A947-70E740481C1C}">
+                <a14:useLocalDpi xmlns:a14="http://schemas.microsoft.com/office/drawing/2010/main" val="0"/>
+              </a:ext>
+            </a:extLst>
+          </a:blip>
+          <a:stretch>
+            <a:fillRect/>
+          </a:stretch>
+        </p:blipFill>
+        <p:spPr>
+          <a:xfrm>
+            <a:off x="4055917" y="500983"/>
+            <a:ext cx="3245476" cy="1823649"/>
+          </a:xfrm>
+          <a:prstGeom prst="rect">
+            <a:avLst/>
+          </a:prstGeom>
+        </p:spPr>
+      </p:pic>
+      <p:sp>
+        <p:nvSpPr>
+          <p:cNvPr id="46" name="Retângulo 45"/>
+          <p:cNvSpPr/>
+          <p:nvPr/>
+        </p:nvSpPr>
+        <p:spPr>
+          <a:xfrm>
+            <a:off x="1072357" y="4786095"/>
+            <a:ext cx="2813655" cy="369332"/>
+          </a:xfrm>
+          <a:prstGeom prst="rect">
+            <a:avLst/>
+          </a:prstGeom>
+        </p:spPr>
+        <p:txBody>
+          <a:bodyPr wrap="none">
+            <a:spAutoFit/>
+          </a:bodyPr>
+          <a:lstStyle/>
+          <a:p>
+            <a:r>
+              <a:rPr lang="pt-BR" dirty="0" smtClean="0">
+                <a:solidFill>
+                  <a:schemeClr val="bg1"/>
+                </a:solidFill>
+                <a:latin typeface="Arial" panose="020B0604020202020204" pitchFamily="34" charset="0"/>
+                <a:cs typeface="Arial" panose="020B0604020202020204" pitchFamily="34" charset="0"/>
+              </a:rPr>
+              <a:t>Todos </a:t>
+            </a:r>
+            <a:r>
+              <a:rPr lang="pt-BR" dirty="0">
+                <a:solidFill>
+                  <a:schemeClr val="bg1"/>
+                </a:solidFill>
+                <a:latin typeface="Arial" panose="020B0604020202020204" pitchFamily="34" charset="0"/>
+                <a:cs typeface="Arial" panose="020B0604020202020204" pitchFamily="34" charset="0"/>
+              </a:rPr>
+              <a:t>os gostos musicais</a:t>
+            </a:r>
+          </a:p>
+        </p:txBody>
+      </p:sp>
+      <p:cxnSp>
+        <p:nvCxnSpPr>
+          <p:cNvPr id="47" name="Conector reto 46"/>
+          <p:cNvCxnSpPr/>
+          <p:nvPr/>
+        </p:nvCxnSpPr>
+        <p:spPr>
+          <a:xfrm>
+            <a:off x="1146226" y="4638165"/>
+            <a:ext cx="2665919" cy="20155"/>
+          </a:xfrm>
+          <a:prstGeom prst="line">
+            <a:avLst/>
+          </a:prstGeom>
+        </p:spPr>
+        <p:style>
+          <a:lnRef idx="1">
+            <a:schemeClr val="accent1"/>
+          </a:lnRef>
+          <a:fillRef idx="0">
+            <a:schemeClr val="accent1"/>
+          </a:fillRef>
+          <a:effectRef idx="0">
+            <a:schemeClr val="accent1"/>
+          </a:effectRef>
+          <a:fontRef idx="minor">
+            <a:schemeClr val="tx1"/>
+          </a:fontRef>
+        </p:style>
+      </p:cxnSp>
+      <p:cxnSp>
+        <p:nvCxnSpPr>
+          <p:cNvPr id="48" name="Conector reto 47"/>
+          <p:cNvCxnSpPr/>
+          <p:nvPr/>
+        </p:nvCxnSpPr>
+        <p:spPr>
+          <a:xfrm>
+            <a:off x="2405317" y="3660385"/>
+            <a:ext cx="0" cy="850005"/>
+          </a:xfrm>
+          <a:prstGeom prst="line">
+            <a:avLst/>
+          </a:prstGeom>
+        </p:spPr>
+        <p:style>
+          <a:lnRef idx="1">
+            <a:schemeClr val="accent1"/>
+          </a:lnRef>
+          <a:fillRef idx="0">
+            <a:schemeClr val="accent1"/>
+          </a:fillRef>
+          <a:effectRef idx="0">
+            <a:schemeClr val="accent1"/>
+          </a:effectRef>
+          <a:fontRef idx="minor">
+            <a:schemeClr val="tx1"/>
+          </a:fontRef>
+        </p:style>
+      </p:cxnSp>
+      <p:sp>
+        <p:nvSpPr>
+          <p:cNvPr id="50" name="Retângulo 49"/>
+          <p:cNvSpPr/>
+          <p:nvPr/>
+        </p:nvSpPr>
+        <p:spPr>
+          <a:xfrm>
+            <a:off x="4294320" y="4786095"/>
+            <a:ext cx="3007073" cy="646331"/>
+          </a:xfrm>
+          <a:prstGeom prst="rect">
+            <a:avLst/>
+          </a:prstGeom>
+        </p:spPr>
+        <p:txBody>
+          <a:bodyPr wrap="square">
+            <a:spAutoFit/>
+          </a:bodyPr>
+          <a:lstStyle/>
+          <a:p>
+            <a:r>
+              <a:rPr lang="pt-BR" dirty="0" smtClean="0">
+                <a:solidFill>
+                  <a:schemeClr val="bg1"/>
+                </a:solidFill>
+                <a:latin typeface="Arial" panose="020B0604020202020204" pitchFamily="34" charset="0"/>
+                <a:cs typeface="Arial" panose="020B0604020202020204" pitchFamily="34" charset="0"/>
+              </a:rPr>
+              <a:t>Serviço </a:t>
+            </a:r>
+            <a:r>
+              <a:rPr lang="pt-BR" dirty="0">
+                <a:solidFill>
+                  <a:schemeClr val="bg1"/>
+                </a:solidFill>
+                <a:latin typeface="Arial" panose="020B0604020202020204" pitchFamily="34" charset="0"/>
+                <a:cs typeface="Arial" panose="020B0604020202020204" pitchFamily="34" charset="0"/>
+              </a:rPr>
+              <a:t>de rádio dentro do aplicativo</a:t>
+            </a:r>
+          </a:p>
+        </p:txBody>
+      </p:sp>
+      <p:cxnSp>
+        <p:nvCxnSpPr>
+          <p:cNvPr id="51" name="Conector reto 50"/>
+          <p:cNvCxnSpPr/>
+          <p:nvPr/>
+        </p:nvCxnSpPr>
+        <p:spPr>
+          <a:xfrm>
+            <a:off x="4345695" y="4648242"/>
+            <a:ext cx="2665919" cy="20155"/>
+          </a:xfrm>
+          <a:prstGeom prst="line">
+            <a:avLst/>
+          </a:prstGeom>
+        </p:spPr>
+        <p:style>
+          <a:lnRef idx="1">
+            <a:schemeClr val="accent1"/>
+          </a:lnRef>
+          <a:fillRef idx="0">
+            <a:schemeClr val="accent1"/>
+          </a:fillRef>
+          <a:effectRef idx="0">
+            <a:schemeClr val="accent1"/>
+          </a:effectRef>
+          <a:fontRef idx="minor">
+            <a:schemeClr val="tx1"/>
+          </a:fontRef>
+        </p:style>
+      </p:cxnSp>
+      <p:cxnSp>
+        <p:nvCxnSpPr>
+          <p:cNvPr id="52" name="Conector reto 51"/>
+          <p:cNvCxnSpPr/>
+          <p:nvPr/>
+        </p:nvCxnSpPr>
+        <p:spPr>
+          <a:xfrm>
+            <a:off x="5519858" y="3660384"/>
+            <a:ext cx="0" cy="850005"/>
+          </a:xfrm>
+          <a:prstGeom prst="line">
+            <a:avLst/>
+          </a:prstGeom>
+        </p:spPr>
+        <p:style>
+          <a:lnRef idx="1">
+            <a:schemeClr val="accent1"/>
+          </a:lnRef>
+          <a:fillRef idx="0">
+            <a:schemeClr val="accent1"/>
+          </a:fillRef>
+          <a:effectRef idx="0">
+            <a:schemeClr val="accent1"/>
+          </a:effectRef>
+          <a:fontRef idx="minor">
+            <a:schemeClr val="tx1"/>
+          </a:fontRef>
+        </p:style>
+      </p:cxnSp>
+      <p:pic>
+        <p:nvPicPr>
+          <p:cNvPr id="53" name="Imagem 52"/>
+          <p:cNvPicPr>
+            <a:picLocks noChangeAspect="1"/>
+          </p:cNvPicPr>
+          <p:nvPr/>
+        </p:nvPicPr>
+        <p:blipFill>
+          <a:blip r:embed="rId3">
+            <a:extLst>
+              <a:ext uri="{28A0092B-C50C-407E-A947-70E740481C1C}">
+                <a14:useLocalDpi xmlns:a14="http://schemas.microsoft.com/office/drawing/2010/main" val="0"/>
+              </a:ext>
+            </a:extLst>
+          </a:blip>
+          <a:stretch>
+            <a:fillRect/>
+          </a:stretch>
+        </p:blipFill>
+        <p:spPr>
+          <a:xfrm>
+            <a:off x="7545164" y="4301045"/>
+            <a:ext cx="3651203" cy="1708763"/>
+          </a:xfrm>
+          <a:prstGeom prst="rect">
+            <a:avLst/>
+          </a:prstGeom>
+        </p:spPr>
+      </p:pic>
+      <p:pic>
+        <p:nvPicPr>
+          <p:cNvPr id="54" name="Imagem 53"/>
+          <p:cNvPicPr>
+            <a:picLocks noChangeAspect="1"/>
+          </p:cNvPicPr>
+          <p:nvPr/>
+        </p:nvPicPr>
+        <p:blipFill>
+          <a:blip r:embed="rId4">
+            <a:extLst>
+              <a:ext uri="{28A0092B-C50C-407E-A947-70E740481C1C}">
+                <a14:useLocalDpi xmlns:a14="http://schemas.microsoft.com/office/drawing/2010/main" val="0"/>
+              </a:ext>
+            </a:extLst>
+          </a:blip>
+          <a:stretch>
+            <a:fillRect/>
+          </a:stretch>
+        </p:blipFill>
+        <p:spPr>
+          <a:xfrm>
+            <a:off x="7689927" y="628105"/>
+            <a:ext cx="3789417" cy="1639335"/>
+          </a:xfrm>
+          <a:prstGeom prst="rect">
+            <a:avLst/>
+          </a:prstGeom>
+        </p:spPr>
+      </p:pic>
+      <p:pic>
+        <p:nvPicPr>
+          <p:cNvPr id="55" name="Imagem 54"/>
+          <p:cNvPicPr>
+            <a:picLocks noChangeAspect="1"/>
+          </p:cNvPicPr>
+          <p:nvPr/>
+        </p:nvPicPr>
+        <p:blipFill>
+          <a:blip r:embed="rId5" cstate="print">
+            <a:extLst>
+              <a:ext uri="{28A0092B-C50C-407E-A947-70E740481C1C}">
+                <a14:useLocalDpi xmlns:a14="http://schemas.microsoft.com/office/drawing/2010/main" val="0"/>
+              </a:ext>
+            </a:extLst>
+          </a:blip>
+          <a:stretch>
+            <a:fillRect/>
+          </a:stretch>
+        </p:blipFill>
+        <p:spPr>
+          <a:xfrm>
+            <a:off x="9496261" y="6009808"/>
+            <a:ext cx="2695739" cy="810339"/>
+          </a:xfrm>
+          <a:prstGeom prst="rect">
+            <a:avLst/>
+          </a:prstGeom>
+        </p:spPr>
+      </p:pic>
+    </p:spTree>
+    <p:extLst>
+      <p:ext uri="{BB962C8B-B14F-4D97-AF65-F5344CB8AC3E}">
+        <p14:creationId xmlns:p14="http://schemas.microsoft.com/office/powerpoint/2010/main" val="548827593"/>
+      </p:ext>
+    </p:extLst>
+  </p:cSld>
+  <p:clrMapOvr>
+    <a:masterClrMapping/>
+  </p:clrMapOvr>
+  <p:timing>
+    <p:tnLst>
+      <p:par>
+        <p:cTn id="1" dur="indefinite" restart="never" nodeType="tmRoot"/>
+      </p:par>
+    </p:tnLst>
+  </p:timing>
+</p:sld>
+</file>
+
+<file path=ppt/slides/slide5.xml><?xml version="1.0" encoding="utf-8"?>
+<p:sld xmlns:a="http://schemas.openxmlformats.org/drawingml/2006/main" xmlns:r="http://schemas.openxmlformats.org/officeDocument/2006/relationships" xmlns:p="http://schemas.openxmlformats.org/presentationml/2006/main">
+  <p:cSld>
+    <p:spTree>
+      <p:nvGrpSpPr>
+        <p:cNvPr id="1" name=""/>
+        <p:cNvGrpSpPr/>
+        <p:nvPr/>
+      </p:nvGrpSpPr>
+      <p:grpSpPr>
+        <a:xfrm>
+          <a:off x="0" y="0"/>
+          <a:ext cx="0" cy="0"/>
+          <a:chOff x="0" y="0"/>
+          <a:chExt cx="0" cy="0"/>
+        </a:xfrm>
+      </p:grpSpPr>
+      <p:sp>
+        <p:nvSpPr>
+          <p:cNvPr id="2" name="Título 1"/>
+          <p:cNvSpPr>
+            <a:spLocks noGrp="1"/>
+          </p:cNvSpPr>
+          <p:nvPr>
+            <p:ph type="title"/>
+          </p:nvPr>
+        </p:nvSpPr>
+        <p:spPr>
+          <a:xfrm>
+            <a:off x="838200" y="250825"/>
+            <a:ext cx="10515600" cy="1325563"/>
+          </a:xfrm>
+        </p:spPr>
+        <p:txBody>
+          <a:bodyPr/>
+          <a:lstStyle/>
+          <a:p>
+            <a:r>
+              <a:rPr lang="pt-BR" dirty="0" smtClean="0">
+                <a:solidFill>
+                  <a:schemeClr val="bg1"/>
+                </a:solidFill>
+                <a:latin typeface="Arial" panose="020B0604020202020204" pitchFamily="34" charset="0"/>
+                <a:cs typeface="Arial" panose="020B0604020202020204" pitchFamily="34" charset="0"/>
+              </a:rPr>
+              <a:t>Modelo de negócio</a:t>
+            </a:r>
+            <a:endParaRPr lang="pt-BR" dirty="0">
+              <a:solidFill>
+                <a:schemeClr val="bg1"/>
+              </a:solidFill>
+              <a:latin typeface="Arial" panose="020B0604020202020204" pitchFamily="34" charset="0"/>
+              <a:cs typeface="Arial" panose="020B0604020202020204" pitchFamily="34" charset="0"/>
+            </a:endParaRPr>
+          </a:p>
+        </p:txBody>
+      </p:sp>
+      <p:sp>
+        <p:nvSpPr>
+          <p:cNvPr id="3" name="Espaço Reservado para Conteúdo 2"/>
+          <p:cNvSpPr>
+            <a:spLocks noGrp="1"/>
+          </p:cNvSpPr>
+          <p:nvPr>
+            <p:ph idx="1"/>
+          </p:nvPr>
+        </p:nvSpPr>
+        <p:spPr>
+          <a:xfrm>
+            <a:off x="838200" y="1825625"/>
+            <a:ext cx="5498206" cy="2926679"/>
+          </a:xfrm>
+        </p:spPr>
+        <p:txBody>
+          <a:bodyPr/>
+          <a:lstStyle/>
+          <a:p>
+            <a:endParaRPr lang="pt-BR" dirty="0" smtClean="0">
+              <a:solidFill>
+                <a:schemeClr val="bg1"/>
+              </a:solidFill>
+              <a:latin typeface="Arial" panose="020B0604020202020204" pitchFamily="34" charset="0"/>
+              <a:cs typeface="Arial" panose="020B0604020202020204" pitchFamily="34" charset="0"/>
+            </a:endParaRPr>
+          </a:p>
+          <a:p>
+            <a:r>
+              <a:rPr lang="pt-BR" dirty="0" smtClean="0">
+                <a:solidFill>
+                  <a:schemeClr val="bg1"/>
+                </a:solidFill>
+                <a:latin typeface="Arial" panose="020B0604020202020204" pitchFamily="34" charset="0"/>
+                <a:cs typeface="Arial" panose="020B0604020202020204" pitchFamily="34" charset="0"/>
+              </a:rPr>
+              <a:t>Assinaturas:</a:t>
+            </a:r>
+          </a:p>
+          <a:p>
+            <a:pPr lvl="1"/>
+            <a:r>
+              <a:rPr lang="pt-BR" dirty="0" smtClean="0">
+                <a:solidFill>
+                  <a:schemeClr val="bg1"/>
+                </a:solidFill>
+                <a:latin typeface="Arial" panose="020B0604020202020204" pitchFamily="34" charset="0"/>
+                <a:cs typeface="Arial" panose="020B0604020202020204" pitchFamily="34" charset="0"/>
+              </a:rPr>
+              <a:t>SPOTIFY PREMIUM;</a:t>
+            </a:r>
+          </a:p>
+          <a:p>
+            <a:pPr lvl="1"/>
+            <a:r>
+              <a:rPr lang="pt-BR" dirty="0" smtClean="0">
+                <a:solidFill>
+                  <a:schemeClr val="bg1"/>
+                </a:solidFill>
+                <a:latin typeface="Arial" panose="020B0604020202020204" pitchFamily="34" charset="0"/>
+                <a:cs typeface="Arial" panose="020B0604020202020204" pitchFamily="34" charset="0"/>
+              </a:rPr>
+              <a:t>Plano UNIVERSITÁRIO;</a:t>
+            </a:r>
+          </a:p>
+          <a:p>
+            <a:pPr lvl="1"/>
+            <a:r>
+              <a:rPr lang="pt-BR" dirty="0" smtClean="0">
+                <a:solidFill>
+                  <a:schemeClr val="bg1"/>
+                </a:solidFill>
+                <a:latin typeface="Arial" panose="020B0604020202020204" pitchFamily="34" charset="0"/>
+                <a:cs typeface="Arial" panose="020B0604020202020204" pitchFamily="34" charset="0"/>
+              </a:rPr>
+              <a:t>SPOTIFY FAMILY.</a:t>
+            </a:r>
+            <a:endParaRPr lang="pt-BR" dirty="0">
+              <a:solidFill>
+                <a:schemeClr val="bg1"/>
+              </a:solidFill>
+              <a:latin typeface="Arial" panose="020B0604020202020204" pitchFamily="34" charset="0"/>
+              <a:cs typeface="Arial" panose="020B0604020202020204" pitchFamily="34" charset="0"/>
+            </a:endParaRPr>
+          </a:p>
+        </p:txBody>
+      </p:sp>
+      <p:pic>
+        <p:nvPicPr>
+          <p:cNvPr id="4" name="Imagem 3"/>
+          <p:cNvPicPr>
+            <a:picLocks noChangeAspect="1"/>
+          </p:cNvPicPr>
+          <p:nvPr/>
+        </p:nvPicPr>
+        <p:blipFill>
+          <a:blip r:embed="rId2" cstate="print">
+            <a:extLst>
+              <a:ext uri="{28A0092B-C50C-407E-A947-70E740481C1C}">
+                <a14:useLocalDpi xmlns:a14="http://schemas.microsoft.com/office/drawing/2010/main" val="0"/>
+              </a:ext>
+            </a:extLst>
+          </a:blip>
+          <a:stretch>
+            <a:fillRect/>
+          </a:stretch>
+        </p:blipFill>
+        <p:spPr>
+          <a:xfrm>
+            <a:off x="9496261" y="6031831"/>
+            <a:ext cx="2695739" cy="810339"/>
+          </a:xfrm>
+          <a:prstGeom prst="rect">
+            <a:avLst/>
+          </a:prstGeom>
+        </p:spPr>
+      </p:pic>
+      <p:pic>
+        <p:nvPicPr>
+          <p:cNvPr id="5" name="Imagem 4"/>
+          <p:cNvPicPr>
+            <a:picLocks noChangeAspect="1"/>
+          </p:cNvPicPr>
+          <p:nvPr/>
+        </p:nvPicPr>
+        <p:blipFill>
+          <a:blip r:embed="rId3"/>
+          <a:stretch>
+            <a:fillRect/>
+          </a:stretch>
+        </p:blipFill>
+        <p:spPr>
+          <a:xfrm>
+            <a:off x="5437702" y="2207666"/>
+            <a:ext cx="6343012" cy="3192887"/>
+          </a:xfrm>
+          <a:prstGeom prst="rect">
+            <a:avLst/>
+          </a:prstGeom>
+        </p:spPr>
+      </p:pic>
+    </p:spTree>
+    <p:extLst>
+      <p:ext uri="{BB962C8B-B14F-4D97-AF65-F5344CB8AC3E}">
+        <p14:creationId xmlns:p14="http://schemas.microsoft.com/office/powerpoint/2010/main" val="1200029355"/>
+      </p:ext>
+    </p:extLst>
+  </p:cSld>
+  <p:clrMapOvr>
+    <a:masterClrMapping/>
+  </p:clrMapOvr>
+  <p:timing>
+    <p:tnLst>
+      <p:par>
+        <p:cTn id="1" dur="indefinite" restart="never" nodeType="tmRoot"/>
+      </p:par>
+    </p:tnLst>
+  </p:timing>
+</p:sld>
+</file>
+
+<file path=ppt/slides/slide6.xml><?xml version="1.0" encoding="utf-8"?>
+<p:sld xmlns:a="http://schemas.openxmlformats.org/drawingml/2006/main" xmlns:r="http://schemas.openxmlformats.org/officeDocument/2006/relationships" xmlns:p="http://schemas.openxmlformats.org/presentationml/2006/main">
+  <p:cSld>
+    <p:spTree>
+      <p:nvGrpSpPr>
+        <p:cNvPr id="1" name=""/>
+        <p:cNvGrpSpPr/>
+        <p:nvPr/>
+      </p:nvGrpSpPr>
+      <p:grpSpPr>
+        <a:xfrm>
+          <a:off x="0" y="0"/>
+          <a:ext cx="0" cy="0"/>
+          <a:chOff x="0" y="0"/>
+          <a:chExt cx="0" cy="0"/>
+        </a:xfrm>
+      </p:grpSpPr>
+      <p:sp>
+        <p:nvSpPr>
+          <p:cNvPr id="2" name="Título 1"/>
+          <p:cNvSpPr>
+            <a:spLocks noGrp="1"/>
+          </p:cNvSpPr>
+          <p:nvPr>
+            <p:ph type="title"/>
+          </p:nvPr>
+        </p:nvSpPr>
+        <p:spPr/>
+        <p:txBody>
+          <a:bodyPr/>
+          <a:lstStyle/>
+          <a:p>
+            <a:r>
+              <a:rPr lang="pt-BR" dirty="0" smtClean="0">
+                <a:solidFill>
+                  <a:schemeClr val="bg1"/>
+                </a:solidFill>
+                <a:latin typeface="Arial" panose="020B0604020202020204" pitchFamily="34" charset="0"/>
+                <a:cs typeface="Arial" panose="020B0604020202020204" pitchFamily="34" charset="0"/>
+              </a:rPr>
+              <a:t>Usuários atualmente</a:t>
+            </a:r>
+            <a:endParaRPr lang="pt-BR" dirty="0">
+              <a:solidFill>
+                <a:schemeClr val="bg1"/>
+              </a:solidFill>
+              <a:latin typeface="Arial" panose="020B0604020202020204" pitchFamily="34" charset="0"/>
+              <a:cs typeface="Arial" panose="020B0604020202020204" pitchFamily="34" charset="0"/>
+            </a:endParaRPr>
+          </a:p>
+        </p:txBody>
+      </p:sp>
+      <p:sp>
+        <p:nvSpPr>
+          <p:cNvPr id="3" name="Espaço Reservado para Conteúdo 2"/>
+          <p:cNvSpPr>
+            <a:spLocks noGrp="1"/>
+          </p:cNvSpPr>
+          <p:nvPr>
+            <p:ph idx="1"/>
+          </p:nvPr>
+        </p:nvSpPr>
+        <p:spPr/>
+        <p:txBody>
+          <a:bodyPr/>
+          <a:lstStyle/>
+          <a:p>
+            <a:endParaRPr lang="pt-BR" dirty="0">
+              <a:solidFill>
+                <a:schemeClr val="bg1"/>
+              </a:solidFill>
+              <a:latin typeface="Arial" panose="020B0604020202020204" pitchFamily="34" charset="0"/>
+              <a:cs typeface="Arial" panose="020B0604020202020204" pitchFamily="34" charset="0"/>
+            </a:endParaRPr>
+          </a:p>
+          <a:p>
+            <a:r>
+              <a:rPr lang="pt-BR" dirty="0" smtClean="0">
+                <a:solidFill>
+                  <a:schemeClr val="bg1"/>
+                </a:solidFill>
+                <a:latin typeface="Arial" panose="020B0604020202020204" pitchFamily="34" charset="0"/>
+                <a:cs typeface="Arial" panose="020B0604020202020204" pitchFamily="34" charset="0"/>
+              </a:rPr>
+              <a:t>100 milhões de usuários no total;</a:t>
+            </a:r>
+          </a:p>
+          <a:p>
+            <a:endParaRPr lang="pt-BR" dirty="0">
+              <a:solidFill>
+                <a:schemeClr val="bg1"/>
+              </a:solidFill>
+              <a:latin typeface="Arial" panose="020B0604020202020204" pitchFamily="34" charset="0"/>
+              <a:cs typeface="Arial" panose="020B0604020202020204" pitchFamily="34" charset="0"/>
+            </a:endParaRPr>
+          </a:p>
+          <a:p>
+            <a:r>
+              <a:rPr lang="pt-BR" dirty="0" smtClean="0">
+                <a:solidFill>
+                  <a:schemeClr val="bg1"/>
+                </a:solidFill>
+                <a:latin typeface="Arial" panose="020B0604020202020204" pitchFamily="34" charset="0"/>
+                <a:cs typeface="Arial" panose="020B0604020202020204" pitchFamily="34" charset="0"/>
+              </a:rPr>
+              <a:t>87 milhões são  assinantes;</a:t>
+            </a:r>
+            <a:endParaRPr lang="pt-BR" dirty="0">
+              <a:solidFill>
+                <a:schemeClr val="bg1"/>
+              </a:solidFill>
+              <a:latin typeface="Arial" panose="020B0604020202020204" pitchFamily="34" charset="0"/>
+              <a:cs typeface="Arial" panose="020B0604020202020204" pitchFamily="34" charset="0"/>
+            </a:endParaRPr>
+          </a:p>
+        </p:txBody>
+      </p:sp>
+      <p:pic>
+        <p:nvPicPr>
+          <p:cNvPr id="4" name="Imagem 3"/>
+          <p:cNvPicPr>
+            <a:picLocks noChangeAspect="1"/>
+          </p:cNvPicPr>
+          <p:nvPr/>
+        </p:nvPicPr>
+        <p:blipFill>
+          <a:blip r:embed="rId2" cstate="print">
+            <a:extLst>
+              <a:ext uri="{28A0092B-C50C-407E-A947-70E740481C1C}">
+                <a14:useLocalDpi xmlns:a14="http://schemas.microsoft.com/office/drawing/2010/main" val="0"/>
+              </a:ext>
+            </a:extLst>
+          </a:blip>
+          <a:stretch>
+            <a:fillRect/>
+          </a:stretch>
+        </p:blipFill>
+        <p:spPr>
+          <a:xfrm>
+            <a:off x="9496261" y="6031831"/>
+            <a:ext cx="2695739" cy="810339"/>
+          </a:xfrm>
+          <a:prstGeom prst="rect">
+            <a:avLst/>
+          </a:prstGeom>
+        </p:spPr>
+      </p:pic>
+      <p:pic>
+        <p:nvPicPr>
+          <p:cNvPr id="5122" name="Picture 2" descr="Imagem relacionada"/>
+          <p:cNvPicPr>
+            <a:picLocks noChangeAspect="1" noChangeArrowheads="1"/>
+          </p:cNvPicPr>
+          <p:nvPr/>
+        </p:nvPicPr>
+        <p:blipFill>
+          <a:blip r:embed="rId3">
+            <a:extLst>
+              <a:ext uri="{28A0092B-C50C-407E-A947-70E740481C1C}">
+                <a14:useLocalDpi xmlns:a14="http://schemas.microsoft.com/office/drawing/2010/main" val="0"/>
+              </a:ext>
+            </a:extLst>
+          </a:blip>
+          <a:srcRect/>
+          <a:stretch>
+            <a:fillRect/>
+          </a:stretch>
+        </p:blipFill>
+        <p:spPr bwMode="auto">
+          <a:xfrm>
+            <a:off x="6780936" y="2599978"/>
+            <a:ext cx="4991964" cy="2802631"/>
+          </a:xfrm>
+          <a:prstGeom prst="rect">
+            <a:avLst/>
+          </a:prstGeom>
+          <a:noFill/>
+          <a:extLst>
+            <a:ext uri="{909E8E84-426E-40DD-AFC4-6F175D3DCCD1}">
+              <a14:hiddenFill xmlns:a14="http://schemas.microsoft.com/office/drawing/2010/main">
+                <a:solidFill>
+                  <a:srgbClr val="FFFFFF"/>
+                </a:solidFill>
+              </a14:hiddenFill>
+            </a:ext>
+          </a:extLst>
+        </p:spPr>
+      </p:pic>
+    </p:spTree>
+    <p:extLst>
+      <p:ext uri="{BB962C8B-B14F-4D97-AF65-F5344CB8AC3E}">
+        <p14:creationId xmlns:p14="http://schemas.microsoft.com/office/powerpoint/2010/main" val="4141779593"/>
+      </p:ext>
+    </p:extLst>
+  </p:cSld>
+  <p:clrMapOvr>
+    <a:masterClrMapping/>
+  </p:clrMapOvr>
+  <p:timing>
+    <p:tnLst>
+      <p:par>
+        <p:cTn id="1" dur="indefinite" restart="never" nodeType="tmRoot"/>
+      </p:par>
+    </p:tnLst>
+  </p:timing>
+</p:sld>
+</file>
+
+<file path=ppt/slides/slide7.xml><?xml version="1.0" encoding="utf-8"?>
+<p:sld xmlns:a="http://schemas.openxmlformats.org/drawingml/2006/main" xmlns:r="http://schemas.openxmlformats.org/officeDocument/2006/relationships" xmlns:p="http://schemas.openxmlformats.org/presentationml/2006/main">
+  <p:cSld>
+    <p:spTree>
+      <p:nvGrpSpPr>
+        <p:cNvPr id="1" name=""/>
+        <p:cNvGrpSpPr/>
+        <p:nvPr/>
+      </p:nvGrpSpPr>
+      <p:grpSpPr>
+        <a:xfrm>
+          <a:off x="0" y="0"/>
+          <a:ext cx="0" cy="0"/>
+          <a:chOff x="0" y="0"/>
+          <a:chExt cx="0" cy="0"/>
+        </a:xfrm>
+      </p:grpSpPr>
+      <p:pic>
+        <p:nvPicPr>
+          <p:cNvPr id="2052" name="Picture 4" descr="Resultado de imagem para spotify grafico de usuarios"/>
+          <p:cNvPicPr>
+            <a:picLocks noChangeAspect="1" noChangeArrowheads="1"/>
+          </p:cNvPicPr>
+          <p:nvPr/>
+        </p:nvPicPr>
+        <p:blipFill>
+          <a:blip r:embed="rId2">
+            <a:extLst>
+              <a:ext uri="{28A0092B-C50C-407E-A947-70E740481C1C}">
+                <a14:useLocalDpi xmlns:a14="http://schemas.microsoft.com/office/drawing/2010/main" val="0"/>
+              </a:ext>
+            </a:extLst>
+          </a:blip>
+          <a:srcRect/>
+          <a:stretch>
+            <a:fillRect/>
+          </a:stretch>
+        </p:blipFill>
+        <p:spPr bwMode="auto">
+          <a:xfrm>
+            <a:off x="372150" y="246534"/>
+            <a:ext cx="8977377" cy="5983422"/>
+          </a:xfrm>
+          <a:prstGeom prst="rect">
+            <a:avLst/>
+          </a:prstGeom>
+          <a:noFill/>
+          <a:extLst>
+            <a:ext uri="{909E8E84-426E-40DD-AFC4-6F175D3DCCD1}">
+              <a14:hiddenFill xmlns:a14="http://schemas.microsoft.com/office/drawing/2010/main">
+                <a:solidFill>
+                  <a:srgbClr val="FFFFFF"/>
+                </a:solidFill>
+              </a14:hiddenFill>
+            </a:ext>
+          </a:extLst>
+        </p:spPr>
+      </p:pic>
+      <p:pic>
+        <p:nvPicPr>
+          <p:cNvPr id="8" name="Imagem 7"/>
+          <p:cNvPicPr>
+            <a:picLocks noChangeAspect="1"/>
+          </p:cNvPicPr>
+          <p:nvPr/>
+        </p:nvPicPr>
+        <p:blipFill>
+          <a:blip r:embed="rId3" cstate="print">
+            <a:extLst>
+              <a:ext uri="{28A0092B-C50C-407E-A947-70E740481C1C}">
+                <a14:useLocalDpi xmlns:a14="http://schemas.microsoft.com/office/drawing/2010/main" val="0"/>
+              </a:ext>
+            </a:extLst>
+          </a:blip>
+          <a:stretch>
+            <a:fillRect/>
+          </a:stretch>
+        </p:blipFill>
+        <p:spPr>
+          <a:xfrm>
+            <a:off x="9496261" y="6031831"/>
+            <a:ext cx="2695739" cy="810339"/>
+          </a:xfrm>
+          <a:prstGeom prst="rect">
+            <a:avLst/>
+          </a:prstGeom>
+        </p:spPr>
+      </p:pic>
+    </p:spTree>
+    <p:extLst>
+      <p:ext uri="{BB962C8B-B14F-4D97-AF65-F5344CB8AC3E}">
+        <p14:creationId xmlns:p14="http://schemas.microsoft.com/office/powerpoint/2010/main" val="1354536889"/>
+      </p:ext>
+    </p:extLst>
+  </p:cSld>
+  <p:clrMapOvr>
+    <a:masterClrMapping/>
+  </p:clrMapOvr>
+  <p:timing>
+    <p:tnLst>
+      <p:par>
+        <p:cTn id="1" dur="indefinite" restart="never" nodeType="tmRoot"/>
+      </p:par>
+    </p:tnLst>
+  </p:timing>
+</p:sld>
+</file>
+
+<file path=ppt/slides/slide8.xml><?xml version="1.0" encoding="utf-8"?>
+<p:sld xmlns:a="http://schemas.openxmlformats.org/drawingml/2006/main" xmlns:r="http://schemas.openxmlformats.org/officeDocument/2006/relationships" xmlns:p="http://schemas.openxmlformats.org/presentationml/2006/main">
+  <p:cSld>
+    <p:spTree>
+      <p:nvGrpSpPr>
+        <p:cNvPr id="1" name=""/>
+        <p:cNvGrpSpPr/>
+        <p:nvPr/>
+      </p:nvGrpSpPr>
+      <p:grpSpPr>
+        <a:xfrm>
+          <a:off x="0" y="0"/>
+          <a:ext cx="0" cy="0"/>
+          <a:chOff x="0" y="0"/>
+          <a:chExt cx="0" cy="0"/>
+        </a:xfrm>
+      </p:grpSpPr>
+      <p:pic>
+        <p:nvPicPr>
+          <p:cNvPr id="3074" name="Picture 2" descr="Resultado de imagem para spotify grafico de usuarios"/>
+          <p:cNvPicPr>
+            <a:picLocks noChangeAspect="1" noChangeArrowheads="1"/>
+          </p:cNvPicPr>
+          <p:nvPr/>
+        </p:nvPicPr>
+        <p:blipFill>
+          <a:blip r:embed="rId2">
+            <a:extLst>
+              <a:ext uri="{28A0092B-C50C-407E-A947-70E740481C1C}">
+                <a14:useLocalDpi xmlns:a14="http://schemas.microsoft.com/office/drawing/2010/main" val="0"/>
+              </a:ext>
+            </a:extLst>
+          </a:blip>
+          <a:srcRect/>
+          <a:stretch>
+            <a:fillRect/>
+          </a:stretch>
+        </p:blipFill>
+        <p:spPr bwMode="auto">
+          <a:xfrm>
+            <a:off x="622433" y="400202"/>
+            <a:ext cx="10017125" cy="5455756"/>
+          </a:xfrm>
+          <a:prstGeom prst="rect">
+            <a:avLst/>
+          </a:prstGeom>
+          <a:noFill/>
+          <a:extLst>
+            <a:ext uri="{909E8E84-426E-40DD-AFC4-6F175D3DCCD1}">
+              <a14:hiddenFill xmlns:a14="http://schemas.microsoft.com/office/drawing/2010/main">
+                <a:solidFill>
+                  <a:srgbClr val="FFFFFF"/>
+                </a:solidFill>
+              </a14:hiddenFill>
+            </a:ext>
+          </a:extLst>
+        </p:spPr>
+      </p:pic>
+      <p:pic>
+        <p:nvPicPr>
+          <p:cNvPr id="5" name="Imagem 4"/>
+          <p:cNvPicPr>
+            <a:picLocks noChangeAspect="1"/>
+          </p:cNvPicPr>
+          <p:nvPr/>
+        </p:nvPicPr>
+        <p:blipFill>
+          <a:blip r:embed="rId3" cstate="print">
+            <a:extLst>
+              <a:ext uri="{28A0092B-C50C-407E-A947-70E740481C1C}">
+                <a14:useLocalDpi xmlns:a14="http://schemas.microsoft.com/office/drawing/2010/main" val="0"/>
+              </a:ext>
+            </a:extLst>
+          </a:blip>
+          <a:stretch>
+            <a:fillRect/>
+          </a:stretch>
+        </p:blipFill>
+        <p:spPr>
+          <a:xfrm>
+            <a:off x="9496261" y="6031831"/>
+            <a:ext cx="2695739" cy="810339"/>
+          </a:xfrm>
+          <a:prstGeom prst="rect">
+            <a:avLst/>
+          </a:prstGeom>
+        </p:spPr>
+      </p:pic>
+    </p:spTree>
+    <p:extLst>
+      <p:ext uri="{BB962C8B-B14F-4D97-AF65-F5344CB8AC3E}">
+        <p14:creationId xmlns:p14="http://schemas.microsoft.com/office/powerpoint/2010/main" val="1417412022"/>
+      </p:ext>
+    </p:extLst>
+  </p:cSld>
+  <p:clrMapOvr>
+    <a:masterClrMapping/>
+  </p:clrMapOvr>
+  <p:timing>
+    <p:tnLst>
+      <p:par>
+        <p:cTn id="1" dur="indefinite" restart="never" nodeType="tmRoot"/>
+      </p:par>
+    </p:tnLst>
+  </p:timing>
+</p:sld>
+</file>
+
+<file path=ppt/slides/slide9.xml><?xml version="1.0" encoding="utf-8"?>
+<p:sld xmlns:a="http://schemas.openxmlformats.org/drawingml/2006/main" xmlns:r="http://schemas.openxmlformats.org/officeDocument/2006/relationships" xmlns:p="http://schemas.openxmlformats.org/presentationml/2006/main">
+  <p:cSld>
+    <p:spTree>
+      <p:nvGrpSpPr>
+        <p:cNvPr id="1" name=""/>
+        <p:cNvGrpSpPr/>
+        <p:nvPr/>
+      </p:nvGrpSpPr>
+      <p:grpSpPr>
+        <a:xfrm>
+          <a:off x="0" y="0"/>
+          <a:ext cx="0" cy="0"/>
+          <a:chOff x="0" y="0"/>
+          <a:chExt cx="0" cy="0"/>
+        </a:xfrm>
+      </p:grpSpPr>
+      <p:sp>
+        <p:nvSpPr>
+          <p:cNvPr id="2" name="Título 1"/>
+          <p:cNvSpPr>
+            <a:spLocks noGrp="1"/>
+          </p:cNvSpPr>
+          <p:nvPr>
+            <p:ph type="title"/>
+          </p:nvPr>
+        </p:nvSpPr>
+        <p:spPr/>
+        <p:txBody>
+          <a:bodyPr/>
+          <a:lstStyle/>
+          <a:p>
+            <a:r>
+              <a:rPr lang="pt-BR" dirty="0" smtClean="0">
+                <a:solidFill>
+                  <a:schemeClr val="bg1"/>
+                </a:solidFill>
+                <a:latin typeface="Arial" panose="020B0604020202020204" pitchFamily="34" charset="0"/>
+                <a:cs typeface="Arial" panose="020B0604020202020204" pitchFamily="34" charset="0"/>
+              </a:rPr>
+              <a:t>Segmentos que foram afetados:</a:t>
+            </a:r>
+            <a:endParaRPr lang="pt-BR" dirty="0">
+              <a:solidFill>
+                <a:schemeClr val="bg1"/>
+              </a:solidFill>
+              <a:latin typeface="Arial" panose="020B0604020202020204" pitchFamily="34" charset="0"/>
+              <a:cs typeface="Arial" panose="020B0604020202020204" pitchFamily="34" charset="0"/>
+            </a:endParaRPr>
+          </a:p>
+        </p:txBody>
+      </p:sp>
+      <p:sp>
+        <p:nvSpPr>
+          <p:cNvPr id="3" name="Espaço Reservado para Conteúdo 2"/>
+          <p:cNvSpPr>
+            <a:spLocks noGrp="1"/>
+          </p:cNvSpPr>
+          <p:nvPr>
+            <p:ph idx="1"/>
+          </p:nvPr>
+        </p:nvSpPr>
+        <p:spPr>
+          <a:xfrm>
+            <a:off x="838200" y="1825625"/>
+            <a:ext cx="5395175" cy="3197136"/>
+          </a:xfrm>
+        </p:spPr>
+        <p:txBody>
+          <a:bodyPr/>
+          <a:lstStyle/>
+          <a:p>
+            <a:endParaRPr lang="pt-BR" dirty="0" smtClean="0">
+              <a:solidFill>
+                <a:schemeClr val="bg1"/>
+              </a:solidFill>
+              <a:latin typeface="Arial" panose="020B0604020202020204" pitchFamily="34" charset="0"/>
+              <a:cs typeface="Arial" panose="020B0604020202020204" pitchFamily="34" charset="0"/>
+            </a:endParaRPr>
+          </a:p>
+          <a:p>
+            <a:r>
+              <a:rPr lang="pt-BR" dirty="0" smtClean="0">
+                <a:solidFill>
+                  <a:schemeClr val="bg1"/>
+                </a:solidFill>
+                <a:latin typeface="Arial" panose="020B0604020202020204" pitchFamily="34" charset="0"/>
+                <a:cs typeface="Arial" panose="020B0604020202020204" pitchFamily="34" charset="0"/>
+              </a:rPr>
+              <a:t>A não gravação de CD em si;</a:t>
+            </a:r>
+          </a:p>
+          <a:p>
+            <a:r>
+              <a:rPr lang="pt-BR" dirty="0" smtClean="0">
+                <a:solidFill>
+                  <a:schemeClr val="bg1"/>
+                </a:solidFill>
+                <a:latin typeface="Arial" panose="020B0604020202020204" pitchFamily="34" charset="0"/>
+                <a:cs typeface="Arial" panose="020B0604020202020204" pitchFamily="34" charset="0"/>
+              </a:rPr>
+              <a:t>Diminuição de vendas:</a:t>
+            </a:r>
+          </a:p>
+          <a:p>
+            <a:pPr lvl="1"/>
+            <a:r>
+              <a:rPr lang="pt-BR" dirty="0" smtClean="0">
+                <a:solidFill>
+                  <a:schemeClr val="bg1"/>
+                </a:solidFill>
+                <a:latin typeface="Arial" panose="020B0604020202020204" pitchFamily="34" charset="0"/>
+                <a:cs typeface="Arial" panose="020B0604020202020204" pitchFamily="34" charset="0"/>
+              </a:rPr>
+              <a:t>Rádios;</a:t>
+            </a:r>
+          </a:p>
+          <a:p>
+            <a:pPr lvl="1"/>
+            <a:r>
+              <a:rPr lang="pt-BR" dirty="0" smtClean="0">
+                <a:solidFill>
+                  <a:schemeClr val="bg1"/>
+                </a:solidFill>
+                <a:latin typeface="Arial" panose="020B0604020202020204" pitchFamily="34" charset="0"/>
+                <a:cs typeface="Arial" panose="020B0604020202020204" pitchFamily="34" charset="0"/>
+              </a:rPr>
+              <a:t>MP3;</a:t>
+            </a:r>
+            <a:endParaRPr lang="pt-BR" dirty="0">
+              <a:solidFill>
+                <a:schemeClr val="bg1"/>
+              </a:solidFill>
+              <a:latin typeface="Arial" panose="020B0604020202020204" pitchFamily="34" charset="0"/>
+              <a:cs typeface="Arial" panose="020B0604020202020204" pitchFamily="34" charset="0"/>
+            </a:endParaRPr>
+          </a:p>
+        </p:txBody>
+      </p:sp>
+      <p:pic>
+        <p:nvPicPr>
+          <p:cNvPr id="4" name="Imagem 3"/>
+          <p:cNvPicPr>
+            <a:picLocks noChangeAspect="1"/>
+          </p:cNvPicPr>
+          <p:nvPr/>
+        </p:nvPicPr>
+        <p:blipFill>
+          <a:blip r:embed="rId2" cstate="print">
+            <a:extLst>
+              <a:ext uri="{28A0092B-C50C-407E-A947-70E740481C1C}">
+                <a14:useLocalDpi xmlns:a14="http://schemas.microsoft.com/office/drawing/2010/main" val="0"/>
+              </a:ext>
+            </a:extLst>
+          </a:blip>
+          <a:stretch>
+            <a:fillRect/>
+          </a:stretch>
+        </p:blipFill>
+        <p:spPr>
+          <a:xfrm>
+            <a:off x="9496261" y="6031831"/>
+            <a:ext cx="2695739" cy="810339"/>
+          </a:xfrm>
+          <a:prstGeom prst="rect">
+            <a:avLst/>
+          </a:prstGeom>
+        </p:spPr>
+      </p:pic>
+      <p:sp>
+        <p:nvSpPr>
+          <p:cNvPr id="9" name="AutoShape 4" descr="Resultado de imagem para mp3 sem fundo"/>
+          <p:cNvSpPr>
+            <a:spLocks noChangeAspect="1" noChangeArrowheads="1"/>
+          </p:cNvSpPr>
+          <p:nvPr/>
+        </p:nvSpPr>
+        <p:spPr bwMode="auto">
+          <a:xfrm>
+            <a:off x="155575" y="-1189038"/>
+            <a:ext cx="2476500" cy="2476501"/>
+          </a:xfrm>
+          <a:prstGeom prst="rect">
+            <a:avLst/>
+          </a:prstGeom>
+          <a:noFill/>
+          <a:extLst>
+            <a:ext uri="{909E8E84-426E-40DD-AFC4-6F175D3DCCD1}">
+              <a14:hiddenFill xmlns:a14="http://schemas.microsoft.com/office/drawing/2010/main">
+                <a:solidFill>
+                  <a:srgbClr val="FFFFFF"/>
+                </a:solidFill>
+              </a14:hiddenFill>
+            </a:ext>
+          </a:extLst>
+        </p:spPr>
+        <p:txBody>
+          <a:bodyPr vert="horz" wrap="square" lIns="91440" tIns="45720" rIns="91440" bIns="45720" numCol="1" anchor="t" anchorCtr="0" compatLnSpc="1">
+            <a:prstTxWarp prst="textNoShape">
+              <a:avLst/>
+            </a:prstTxWarp>
+          </a:bodyPr>
+          <a:lstStyle/>
+          <a:p>
+            <a:endParaRPr lang="pt-BR"/>
+          </a:p>
+        </p:txBody>
+      </p:sp>
+      <p:pic>
+        <p:nvPicPr>
+          <p:cNvPr id="12" name="Imagem 11"/>
+          <p:cNvPicPr>
+            <a:picLocks noChangeAspect="1"/>
+          </p:cNvPicPr>
+          <p:nvPr/>
+        </p:nvPicPr>
+        <p:blipFill>
+          <a:blip r:embed="rId3" cstate="print">
+            <a:extLst>
+              <a:ext uri="{28A0092B-C50C-407E-A947-70E740481C1C}">
+                <a14:useLocalDpi xmlns:a14="http://schemas.microsoft.com/office/drawing/2010/main" val="0"/>
+              </a:ext>
+            </a:extLst>
+          </a:blip>
+          <a:stretch>
+            <a:fillRect/>
+          </a:stretch>
+        </p:blipFill>
+        <p:spPr>
+          <a:xfrm>
+            <a:off x="8375798" y="1686208"/>
+            <a:ext cx="1592449" cy="1592449"/>
+          </a:xfrm>
+          <a:prstGeom prst="rect">
+            <a:avLst/>
+          </a:prstGeom>
+        </p:spPr>
+      </p:pic>
+      <p:pic>
+        <p:nvPicPr>
+          <p:cNvPr id="13" name="Imagem 12"/>
+          <p:cNvPicPr>
+            <a:picLocks noChangeAspect="1"/>
+          </p:cNvPicPr>
+          <p:nvPr/>
+        </p:nvPicPr>
+        <p:blipFill>
+          <a:blip r:embed="rId4">
+            <a:extLst>
+              <a:ext uri="{28A0092B-C50C-407E-A947-70E740481C1C}">
+                <a14:useLocalDpi xmlns:a14="http://schemas.microsoft.com/office/drawing/2010/main" val="0"/>
+              </a:ext>
+            </a:extLst>
+          </a:blip>
+          <a:stretch>
+            <a:fillRect/>
+          </a:stretch>
+        </p:blipFill>
+        <p:spPr>
+          <a:xfrm>
+            <a:off x="6581104" y="3424192"/>
+            <a:ext cx="1434087" cy="1434087"/>
+          </a:xfrm>
+          <a:prstGeom prst="rect">
+            <a:avLst/>
+          </a:prstGeom>
+        </p:spPr>
+      </p:pic>
+      <p:pic>
+        <p:nvPicPr>
+          <p:cNvPr id="14" name="Imagem 13"/>
+          <p:cNvPicPr>
+            <a:picLocks noChangeAspect="1"/>
+          </p:cNvPicPr>
+          <p:nvPr/>
+        </p:nvPicPr>
+        <p:blipFill>
+          <a:blip r:embed="rId5" cstate="print">
+            <a:extLst>
+              <a:ext uri="{28A0092B-C50C-407E-A947-70E740481C1C}">
+                <a14:useLocalDpi xmlns:a14="http://schemas.microsoft.com/office/drawing/2010/main" val="0"/>
+              </a:ext>
+            </a:extLst>
+          </a:blip>
+          <a:stretch>
+            <a:fillRect/>
+          </a:stretch>
+        </p:blipFill>
+        <p:spPr>
+          <a:xfrm>
+            <a:off x="9291302" y="3461445"/>
+            <a:ext cx="1964833" cy="1964833"/>
+          </a:xfrm>
+          <a:prstGeom prst="rect">
+            <a:avLst/>
+          </a:prstGeom>
+        </p:spPr>
+      </p:pic>
+    </p:spTree>
+    <p:extLst>
+      <p:ext uri="{BB962C8B-B14F-4D97-AF65-F5344CB8AC3E}">
+        <p14:creationId xmlns:p14="http://schemas.microsoft.com/office/powerpoint/2010/main" val="2502326022"/>
+      </p:ext>
+    </p:extLst>
+  </p:cSld>
+  <p:clrMapOvr>
+    <a:masterClrMapping/>
+  </p:clrMapOvr>
+  <p:timing>
+    <p:tnLst>
+      <p:par>
+        <p:cTn id="1" dur="indefinite" restart="never" nodeType="tmRoot"/>
+      </p:par>
+    </p:tnLst>
+  </p:timing>
 </p:sld>
 </file>
 
